--- a/posters/trial_poster_phd.pptx
+++ b/posters/trial_poster_phd.pptx
@@ -34,7 +34,7 @@
       </p:grpSpPr>
       <p:sp>
         <p:nvSpPr>
-          <p:cNvPr id="41" name="PlaceHolder 1"/>
+          <p:cNvPr id="37" name="PlaceHolder 1"/>
           <p:cNvSpPr>
             <a:spLocks noGrp="1"/>
           </p:cNvSpPr>
@@ -56,225 +56,22 @@
             <a:noAutofit/>
           </a:bodyPr>
           <a:p>
-            <a:r>
-              <a:rPr b="0" lang="en-US" sz="1800" spc="-1" strike="noStrike">
-                <a:solidFill>
-                  <a:srgbClr val="000000"/>
-                </a:solidFill>
-                <a:latin typeface="Calibri"/>
-              </a:rPr>
-              <a:t>C</a:t>
-            </a:r>
-            <a:r>
-              <a:rPr b="0" lang="en-US" sz="1800" spc="-1" strike="noStrike">
-                <a:solidFill>
-                  <a:srgbClr val="000000"/>
-                </a:solidFill>
-                <a:latin typeface="Calibri"/>
-              </a:rPr>
-              <a:t>l</a:t>
-            </a:r>
-            <a:r>
-              <a:rPr b="0" lang="en-US" sz="1800" spc="-1" strike="noStrike">
-                <a:solidFill>
-                  <a:srgbClr val="000000"/>
-                </a:solidFill>
-                <a:latin typeface="Calibri"/>
-              </a:rPr>
-              <a:t>i</a:t>
-            </a:r>
-            <a:r>
-              <a:rPr b="0" lang="en-US" sz="1800" spc="-1" strike="noStrike">
-                <a:solidFill>
-                  <a:srgbClr val="000000"/>
-                </a:solidFill>
-                <a:latin typeface="Calibri"/>
-              </a:rPr>
-              <a:t>c</a:t>
-            </a:r>
-            <a:r>
-              <a:rPr b="0" lang="en-US" sz="1800" spc="-1" strike="noStrike">
-                <a:solidFill>
-                  <a:srgbClr val="000000"/>
-                </a:solidFill>
-                <a:latin typeface="Calibri"/>
-              </a:rPr>
-              <a:t>k</a:t>
-            </a:r>
-            <a:r>
-              <a:rPr b="0" lang="en-US" sz="1800" spc="-1" strike="noStrike">
-                <a:solidFill>
-                  <a:srgbClr val="000000"/>
-                </a:solidFill>
-                <a:latin typeface="Calibri"/>
-              </a:rPr>
-              <a:t> </a:t>
-            </a:r>
-            <a:r>
-              <a:rPr b="0" lang="en-US" sz="1800" spc="-1" strike="noStrike">
-                <a:solidFill>
-                  <a:srgbClr val="000000"/>
-                </a:solidFill>
-                <a:latin typeface="Calibri"/>
-              </a:rPr>
-              <a:t>t</a:t>
-            </a:r>
-            <a:r>
-              <a:rPr b="0" lang="en-US" sz="1800" spc="-1" strike="noStrike">
-                <a:solidFill>
-                  <a:srgbClr val="000000"/>
-                </a:solidFill>
-                <a:latin typeface="Calibri"/>
-              </a:rPr>
-              <a:t>o</a:t>
-            </a:r>
-            <a:r>
-              <a:rPr b="0" lang="en-US" sz="1800" spc="-1" strike="noStrike">
-                <a:solidFill>
-                  <a:srgbClr val="000000"/>
-                </a:solidFill>
-                <a:latin typeface="Calibri"/>
-              </a:rPr>
-              <a:t> </a:t>
-            </a:r>
-            <a:r>
-              <a:rPr b="0" lang="en-US" sz="1800" spc="-1" strike="noStrike">
-                <a:solidFill>
-                  <a:srgbClr val="000000"/>
-                </a:solidFill>
-                <a:latin typeface="Calibri"/>
-              </a:rPr>
-              <a:t>m</a:t>
-            </a:r>
-            <a:r>
-              <a:rPr b="0" lang="en-US" sz="1800" spc="-1" strike="noStrike">
-                <a:solidFill>
-                  <a:srgbClr val="000000"/>
-                </a:solidFill>
-                <a:latin typeface="Calibri"/>
-              </a:rPr>
-              <a:t>o</a:t>
-            </a:r>
-            <a:r>
-              <a:rPr b="0" lang="en-US" sz="1800" spc="-1" strike="noStrike">
-                <a:solidFill>
-                  <a:srgbClr val="000000"/>
-                </a:solidFill>
-                <a:latin typeface="Calibri"/>
-              </a:rPr>
-              <a:t>v</a:t>
-            </a:r>
-            <a:r>
-              <a:rPr b="0" lang="en-US" sz="1800" spc="-1" strike="noStrike">
-                <a:solidFill>
-                  <a:srgbClr val="000000"/>
-                </a:solidFill>
-                <a:latin typeface="Calibri"/>
-              </a:rPr>
-              <a:t>e</a:t>
-            </a:r>
-            <a:r>
-              <a:rPr b="0" lang="en-US" sz="1800" spc="-1" strike="noStrike">
-                <a:solidFill>
-                  <a:srgbClr val="000000"/>
-                </a:solidFill>
-                <a:latin typeface="Calibri"/>
-              </a:rPr>
-              <a:t> </a:t>
-            </a:r>
-            <a:r>
-              <a:rPr b="0" lang="en-US" sz="1800" spc="-1" strike="noStrike">
-                <a:solidFill>
-                  <a:srgbClr val="000000"/>
-                </a:solidFill>
-                <a:latin typeface="Calibri"/>
-              </a:rPr>
-              <a:t>t</a:t>
-            </a:r>
-            <a:r>
-              <a:rPr b="0" lang="en-US" sz="1800" spc="-1" strike="noStrike">
-                <a:solidFill>
-                  <a:srgbClr val="000000"/>
-                </a:solidFill>
-                <a:latin typeface="Calibri"/>
-              </a:rPr>
-              <a:t>h</a:t>
-            </a:r>
-            <a:r>
-              <a:rPr b="0" lang="en-US" sz="1800" spc="-1" strike="noStrike">
-                <a:solidFill>
-                  <a:srgbClr val="000000"/>
-                </a:solidFill>
-                <a:latin typeface="Calibri"/>
-              </a:rPr>
-              <a:t>e</a:t>
-            </a:r>
-            <a:r>
-              <a:rPr b="0" lang="en-US" sz="1800" spc="-1" strike="noStrike">
-                <a:solidFill>
-                  <a:srgbClr val="000000"/>
-                </a:solidFill>
-                <a:latin typeface="Calibri"/>
-              </a:rPr>
-              <a:t> </a:t>
-            </a:r>
-            <a:r>
-              <a:rPr b="0" lang="en-US" sz="1800" spc="-1" strike="noStrike">
-                <a:solidFill>
-                  <a:srgbClr val="000000"/>
-                </a:solidFill>
-                <a:latin typeface="Calibri"/>
-              </a:rPr>
-              <a:t>s</a:t>
-            </a:r>
-            <a:r>
-              <a:rPr b="0" lang="en-US" sz="1800" spc="-1" strike="noStrike">
-                <a:solidFill>
-                  <a:srgbClr val="000000"/>
-                </a:solidFill>
-                <a:latin typeface="Calibri"/>
-              </a:rPr>
-              <a:t>l</a:t>
-            </a:r>
-            <a:r>
-              <a:rPr b="0" lang="en-US" sz="1800" spc="-1" strike="noStrike">
-                <a:solidFill>
-                  <a:srgbClr val="000000"/>
-                </a:solidFill>
-                <a:latin typeface="Calibri"/>
-              </a:rPr>
-              <a:t>i</a:t>
-            </a:r>
-            <a:r>
-              <a:rPr b="0" lang="en-US" sz="1800" spc="-1" strike="noStrike">
-                <a:solidFill>
-                  <a:srgbClr val="000000"/>
-                </a:solidFill>
-                <a:latin typeface="Calibri"/>
-              </a:rPr>
-              <a:t>d</a:t>
-            </a:r>
-            <a:r>
-              <a:rPr b="0" lang="en-US" sz="1800" spc="-1" strike="noStrike">
-                <a:solidFill>
-                  <a:srgbClr val="000000"/>
-                </a:solidFill>
-                <a:latin typeface="Calibri"/>
-              </a:rPr>
-              <a:t>e</a:t>
-            </a:r>
-            <a:endParaRPr b="0" lang="en-US" sz="1800" spc="-1" strike="noStrike">
-              <a:solidFill>
-                <a:srgbClr val="000000"/>
-              </a:solidFill>
-              <a:latin typeface="Calibri"/>
+            <a:pPr algn="ctr"/>
+            <a:r>
+              <a:rPr b="0" lang="en-US" sz="4400" spc="-1" strike="noStrike">
+                <a:latin typeface="Arial"/>
+              </a:rPr>
+              <a:t>Click to move the slide</a:t>
+            </a:r>
+            <a:endParaRPr b="0" lang="en-US" sz="4400" spc="-1" strike="noStrike">
+              <a:latin typeface="Arial"/>
             </a:endParaRPr>
           </a:p>
         </p:txBody>
       </p:sp>
       <p:sp>
         <p:nvSpPr>
-          <p:cNvPr id="42" name="PlaceHolder 2"/>
+          <p:cNvPr id="38" name="PlaceHolder 2"/>
           <p:cNvSpPr>
             <a:spLocks noGrp="1"/>
           </p:cNvSpPr>
@@ -300,181 +97,7 @@
               <a:rPr b="0" lang="en-US" sz="2000" spc="-1" strike="noStrike">
                 <a:latin typeface="Arial"/>
               </a:rPr>
-              <a:t>C</a:t>
-            </a:r>
-            <a:r>
-              <a:rPr b="0" lang="en-US" sz="2000" spc="-1" strike="noStrike">
-                <a:latin typeface="Arial"/>
-              </a:rPr>
-              <a:t>l</a:t>
-            </a:r>
-            <a:r>
-              <a:rPr b="0" lang="en-US" sz="2000" spc="-1" strike="noStrike">
-                <a:latin typeface="Arial"/>
-              </a:rPr>
-              <a:t>i</a:t>
-            </a:r>
-            <a:r>
-              <a:rPr b="0" lang="en-US" sz="2000" spc="-1" strike="noStrike">
-                <a:latin typeface="Arial"/>
-              </a:rPr>
-              <a:t>c</a:t>
-            </a:r>
-            <a:r>
-              <a:rPr b="0" lang="en-US" sz="2000" spc="-1" strike="noStrike">
-                <a:latin typeface="Arial"/>
-              </a:rPr>
-              <a:t>k</a:t>
-            </a:r>
-            <a:r>
-              <a:rPr b="0" lang="en-US" sz="2000" spc="-1" strike="noStrike">
-                <a:latin typeface="Arial"/>
-              </a:rPr>
-              <a:t> </a:t>
-            </a:r>
-            <a:r>
-              <a:rPr b="0" lang="en-US" sz="2000" spc="-1" strike="noStrike">
-                <a:latin typeface="Arial"/>
-              </a:rPr>
-              <a:t>t</a:t>
-            </a:r>
-            <a:r>
-              <a:rPr b="0" lang="en-US" sz="2000" spc="-1" strike="noStrike">
-                <a:latin typeface="Arial"/>
-              </a:rPr>
-              <a:t>o</a:t>
-            </a:r>
-            <a:r>
-              <a:rPr b="0" lang="en-US" sz="2000" spc="-1" strike="noStrike">
-                <a:latin typeface="Arial"/>
-              </a:rPr>
-              <a:t> </a:t>
-            </a:r>
-            <a:r>
-              <a:rPr b="0" lang="en-US" sz="2000" spc="-1" strike="noStrike">
-                <a:latin typeface="Arial"/>
-              </a:rPr>
-              <a:t>e</a:t>
-            </a:r>
-            <a:r>
-              <a:rPr b="0" lang="en-US" sz="2000" spc="-1" strike="noStrike">
-                <a:latin typeface="Arial"/>
-              </a:rPr>
-              <a:t>d</a:t>
-            </a:r>
-            <a:r>
-              <a:rPr b="0" lang="en-US" sz="2000" spc="-1" strike="noStrike">
-                <a:latin typeface="Arial"/>
-              </a:rPr>
-              <a:t>i</a:t>
-            </a:r>
-            <a:r>
-              <a:rPr b="0" lang="en-US" sz="2000" spc="-1" strike="noStrike">
-                <a:latin typeface="Arial"/>
-              </a:rPr>
-              <a:t>t</a:t>
-            </a:r>
-            <a:r>
-              <a:rPr b="0" lang="en-US" sz="2000" spc="-1" strike="noStrike">
-                <a:latin typeface="Arial"/>
-              </a:rPr>
-              <a:t> </a:t>
-            </a:r>
-            <a:r>
-              <a:rPr b="0" lang="en-US" sz="2000" spc="-1" strike="noStrike">
-                <a:latin typeface="Arial"/>
-              </a:rPr>
-              <a:t>t</a:t>
-            </a:r>
-            <a:r>
-              <a:rPr b="0" lang="en-US" sz="2000" spc="-1" strike="noStrike">
-                <a:latin typeface="Arial"/>
-              </a:rPr>
-              <a:t>h</a:t>
-            </a:r>
-            <a:r>
-              <a:rPr b="0" lang="en-US" sz="2000" spc="-1" strike="noStrike">
-                <a:latin typeface="Arial"/>
-              </a:rPr>
-              <a:t>e</a:t>
-            </a:r>
-            <a:r>
-              <a:rPr b="0" lang="en-US" sz="2000" spc="-1" strike="noStrike">
-                <a:latin typeface="Arial"/>
-              </a:rPr>
-              <a:t> </a:t>
-            </a:r>
-            <a:r>
-              <a:rPr b="0" lang="en-US" sz="2000" spc="-1" strike="noStrike">
-                <a:latin typeface="Arial"/>
-              </a:rPr>
-              <a:t>n</a:t>
-            </a:r>
-            <a:r>
-              <a:rPr b="0" lang="en-US" sz="2000" spc="-1" strike="noStrike">
-                <a:latin typeface="Arial"/>
-              </a:rPr>
-              <a:t>o</a:t>
-            </a:r>
-            <a:r>
-              <a:rPr b="0" lang="en-US" sz="2000" spc="-1" strike="noStrike">
-                <a:latin typeface="Arial"/>
-              </a:rPr>
-              <a:t>t</a:t>
-            </a:r>
-            <a:r>
-              <a:rPr b="0" lang="en-US" sz="2000" spc="-1" strike="noStrike">
-                <a:latin typeface="Arial"/>
-              </a:rPr>
-              <a:t>e</a:t>
-            </a:r>
-            <a:r>
-              <a:rPr b="0" lang="en-US" sz="2000" spc="-1" strike="noStrike">
-                <a:latin typeface="Arial"/>
-              </a:rPr>
-              <a:t>s</a:t>
-            </a:r>
-            <a:r>
-              <a:rPr b="0" lang="en-US" sz="2000" spc="-1" strike="noStrike">
-                <a:latin typeface="Arial"/>
-              </a:rPr>
-              <a:t> </a:t>
-            </a:r>
-            <a:r>
-              <a:rPr b="0" lang="en-US" sz="2000" spc="-1" strike="noStrike">
-                <a:latin typeface="Arial"/>
-              </a:rPr>
-              <a:t>f</a:t>
-            </a:r>
-            <a:r>
-              <a:rPr b="0" lang="en-US" sz="2000" spc="-1" strike="noStrike">
-                <a:latin typeface="Arial"/>
-              </a:rPr>
-              <a:t>o</a:t>
-            </a:r>
-            <a:r>
-              <a:rPr b="0" lang="en-US" sz="2000" spc="-1" strike="noStrike">
-                <a:latin typeface="Arial"/>
-              </a:rPr>
-              <a:t>r</a:t>
-            </a:r>
-            <a:r>
-              <a:rPr b="0" lang="en-US" sz="2000" spc="-1" strike="noStrike">
-                <a:latin typeface="Arial"/>
-              </a:rPr>
-              <a:t>m</a:t>
-            </a:r>
-            <a:r>
-              <a:rPr b="0" lang="en-US" sz="2000" spc="-1" strike="noStrike">
-                <a:latin typeface="Arial"/>
-              </a:rPr>
-              <a:t>a</a:t>
-            </a:r>
-            <a:r>
-              <a:rPr b="0" lang="en-US" sz="2000" spc="-1" strike="noStrike">
-                <a:latin typeface="Arial"/>
-              </a:rPr>
-              <a:t>t</a:t>
+              <a:t>Click to edit the notes format</a:t>
             </a:r>
             <a:endParaRPr b="0" lang="en-US" sz="2000" spc="-1" strike="noStrike">
               <a:latin typeface="Arial"/>
@@ -484,7 +107,7 @@
       </p:sp>
       <p:sp>
         <p:nvSpPr>
-          <p:cNvPr id="43" name="PlaceHolder 3"/>
+          <p:cNvPr id="39" name="PlaceHolder 3"/>
           <p:cNvSpPr>
             <a:spLocks noGrp="1"/>
           </p:cNvSpPr>
@@ -510,7 +133,7 @@
               <a:rPr b="0" lang="en-US" sz="1400" spc="-1" strike="noStrike">
                 <a:latin typeface="Times New Roman"/>
               </a:rPr>
-              <a:t> </a:t>
+              <a:t>&lt;header&gt;</a:t>
             </a:r>
             <a:endParaRPr b="0" lang="en-US" sz="1400" spc="-1" strike="noStrike">
               <a:latin typeface="Times New Roman"/>
@@ -520,7 +143,7 @@
       </p:sp>
       <p:sp>
         <p:nvSpPr>
-          <p:cNvPr id="44" name="PlaceHolder 4"/>
+          <p:cNvPr id="40" name="PlaceHolder 4"/>
           <p:cNvSpPr>
             <a:spLocks noGrp="1"/>
           </p:cNvSpPr>
@@ -547,7 +170,7 @@
               <a:rPr b="0" lang="en-US" sz="1400" spc="-1" strike="noStrike">
                 <a:latin typeface="Times New Roman"/>
               </a:rPr>
-              <a:t> </a:t>
+              <a:t>&lt;date/time&gt;</a:t>
             </a:r>
             <a:endParaRPr b="0" lang="en-US" sz="1400" spc="-1" strike="noStrike">
               <a:latin typeface="Times New Roman"/>
@@ -557,7 +180,7 @@
       </p:sp>
       <p:sp>
         <p:nvSpPr>
-          <p:cNvPr id="45" name="PlaceHolder 5"/>
+          <p:cNvPr id="41" name="PlaceHolder 5"/>
           <p:cNvSpPr>
             <a:spLocks noGrp="1"/>
           </p:cNvSpPr>
@@ -583,7 +206,7 @@
               <a:rPr b="0" lang="en-US" sz="1400" spc="-1" strike="noStrike">
                 <a:latin typeface="Times New Roman"/>
               </a:rPr>
-              <a:t> </a:t>
+              <a:t>&lt;footer&gt;</a:t>
             </a:r>
             <a:endParaRPr b="0" lang="en-US" sz="1400" spc="-1" strike="noStrike">
               <a:latin typeface="Times New Roman"/>
@@ -593,7 +216,7 @@
       </p:sp>
       <p:sp>
         <p:nvSpPr>
-          <p:cNvPr id="46" name="PlaceHolder 6"/>
+          <p:cNvPr id="42" name="PlaceHolder 6"/>
           <p:cNvSpPr>
             <a:spLocks noGrp="1"/>
           </p:cNvSpPr>
@@ -616,11 +239,11 @@
           </a:bodyPr>
           <a:p>
             <a:pPr algn="r"/>
-            <a:fld id="{B8AF091C-554E-48C1-8C7C-BEAA30B5A061}" type="slidenum">
+            <a:fld id="{C14A98CB-5BE3-480E-BF27-ADD34A0EF726}" type="slidenum">
               <a:rPr b="0" lang="en-US" sz="1400" spc="-1" strike="noStrike">
                 <a:latin typeface="Times New Roman"/>
               </a:rPr>
-              <a:t>1</a:t>
+              <a:t>&lt;number&gt;</a:t>
             </a:fld>
             <a:endParaRPr b="0" lang="en-US" sz="1400" spc="-1" strike="noStrike">
               <a:latin typeface="Times New Roman"/>
@@ -653,7 +276,7 @@
       </p:grpSpPr>
       <p:sp>
         <p:nvSpPr>
-          <p:cNvPr id="147" name="PlaceHolder 1"/>
+          <p:cNvPr id="143" name="PlaceHolder 1"/>
           <p:cNvSpPr>
             <a:spLocks noGrp="1"/>
           </p:cNvSpPr>
@@ -664,7 +287,7 @@
         <p:spPr>
           <a:xfrm>
             <a:off x="2338560" y="1143000"/>
-            <a:ext cx="2180880" cy="3085920"/>
+            <a:ext cx="2180520" cy="3085560"/>
           </a:xfrm>
           <a:prstGeom prst="rect">
             <a:avLst/>
@@ -673,7 +296,7 @@
       </p:sp>
       <p:sp>
         <p:nvSpPr>
-          <p:cNvPr id="148" name="PlaceHolder 2"/>
+          <p:cNvPr id="144" name="PlaceHolder 2"/>
           <p:cNvSpPr>
             <a:spLocks noGrp="1"/>
           </p:cNvSpPr>
@@ -684,14 +307,14 @@
         <p:spPr>
           <a:xfrm>
             <a:off x="685800" y="4400640"/>
-            <a:ext cx="5486040" cy="3600000"/>
+            <a:ext cx="5485680" cy="3599640"/>
           </a:xfrm>
           <a:prstGeom prst="rect">
             <a:avLst/>
           </a:prstGeom>
         </p:spPr>
         <p:txBody>
-          <a:bodyPr>
+          <a:bodyPr lIns="0" rIns="0" tIns="0" bIns="0">
             <a:noAutofit/>
           </a:bodyPr>
           <a:p>
@@ -703,14 +326,14 @@
       </p:sp>
       <p:sp>
         <p:nvSpPr>
-          <p:cNvPr id="149" name="TextShape 3"/>
-          <p:cNvSpPr txBox="1"/>
+          <p:cNvPr id="145" name="CustomShape 3"/>
+          <p:cNvSpPr/>
           <p:nvPr/>
         </p:nvSpPr>
         <p:spPr>
           <a:xfrm>
             <a:off x="3884760" y="8685360"/>
-            <a:ext cx="2971440" cy="458280"/>
+            <a:ext cx="2971080" cy="457920"/>
           </a:xfrm>
           <a:prstGeom prst="rect">
             <a:avLst/>
@@ -720,8 +343,14 @@
             <a:noFill/>
           </a:ln>
         </p:spPr>
+        <p:style>
+          <a:lnRef idx="0"/>
+          <a:fillRef idx="0"/>
+          <a:effectRef idx="0"/>
+          <a:fontRef idx="minor"/>
+        </p:style>
         <p:txBody>
-          <a:bodyPr anchor="b">
+          <a:bodyPr lIns="90000" rIns="90000" tIns="45000" bIns="45000" anchor="b">
             <a:noAutofit/>
           </a:bodyPr>
           <a:p>
@@ -730,7 +359,7 @@
                 <a:spcPct val="100000"/>
               </a:lnSpc>
             </a:pPr>
-            <a:fld id="{7CD20EB6-2DDC-49C2-BDC3-783719766655}" type="slidenum">
+            <a:fld id="{9F9627A7-346B-417D-948D-409E11FED7A7}" type="slidenum">
               <a:rPr b="0" lang="en-US" sz="1200" spc="-1" strike="noStrike">
                 <a:solidFill>
                   <a:srgbClr val="000000"/>
@@ -738,10 +367,10 @@
                 <a:latin typeface="+mn-lt"/>
                 <a:ea typeface="+mn-ea"/>
               </a:rPr>
-              <a:t>1</a:t>
+              <a:t>&lt;number&gt;</a:t>
             </a:fld>
             <a:endParaRPr b="0" lang="en-US" sz="1200" spc="-1" strike="noStrike">
-              <a:latin typeface="Times New Roman"/>
+              <a:latin typeface="Arial"/>
             </a:endParaRPr>
           </a:p>
         </p:txBody>
@@ -792,7 +421,7 @@
       </p:grpSpPr>
       <p:sp>
         <p:nvSpPr>
-          <p:cNvPr id="26" name="PlaceHolder 1"/>
+          <p:cNvPr id="22" name="PlaceHolder 1"/>
           <p:cNvSpPr>
             <a:spLocks noGrp="1"/>
           </p:cNvSpPr>
@@ -802,8 +431,8 @@
         </p:nvSpPr>
         <p:spPr>
           <a:xfrm>
-            <a:off x="1511640" y="1707840"/>
-            <a:ext cx="27214200" cy="7147800"/>
+            <a:off x="1511640" y="1707480"/>
+            <a:ext cx="27213840" cy="7148160"/>
           </a:xfrm>
           <a:prstGeom prst="rect">
             <a:avLst/>
@@ -814,18 +443,16 @@
             <a:spAutoFit/>
           </a:bodyPr>
           <a:p>
-            <a:endParaRPr b="0" lang="en-US" sz="1800" spc="-1" strike="noStrike">
-              <a:solidFill>
-                <a:srgbClr val="000000"/>
-              </a:solidFill>
-              <a:latin typeface="Calibri"/>
+            <a:pPr algn="ctr"/>
+            <a:endParaRPr b="0" lang="en-US" sz="4400" spc="-1" strike="noStrike">
+              <a:latin typeface="Arial"/>
             </a:endParaRPr>
           </a:p>
         </p:txBody>
       </p:sp>
       <p:sp>
         <p:nvSpPr>
-          <p:cNvPr id="27" name="PlaceHolder 2"/>
+          <p:cNvPr id="23" name="PlaceHolder 2"/>
           <p:cNvSpPr>
             <a:spLocks noGrp="1"/>
           </p:cNvSpPr>
@@ -847,18 +474,15 @@
             <a:normAutofit/>
           </a:bodyPr>
           <a:p>
-            <a:endParaRPr b="0" lang="en-US" sz="9260" spc="-1" strike="noStrike">
-              <a:solidFill>
-                <a:srgbClr val="000000"/>
-              </a:solidFill>
-              <a:latin typeface="Calibri"/>
+            <a:endParaRPr b="0" lang="en-US" sz="3200" spc="-1" strike="noStrike">
+              <a:latin typeface="Arial"/>
             </a:endParaRPr>
           </a:p>
         </p:txBody>
       </p:sp>
       <p:sp>
         <p:nvSpPr>
-          <p:cNvPr id="28" name="PlaceHolder 3"/>
+          <p:cNvPr id="24" name="PlaceHolder 3"/>
           <p:cNvSpPr>
             <a:spLocks noGrp="1"/>
           </p:cNvSpPr>
@@ -880,11 +504,8 @@
             <a:normAutofit/>
           </a:bodyPr>
           <a:p>
-            <a:endParaRPr b="0" lang="en-US" sz="9260" spc="-1" strike="noStrike">
-              <a:solidFill>
-                <a:srgbClr val="000000"/>
-              </a:solidFill>
-              <a:latin typeface="Calibri"/>
+            <a:endParaRPr b="0" lang="en-US" sz="3200" spc="-1" strike="noStrike">
+              <a:latin typeface="Arial"/>
             </a:endParaRPr>
           </a:p>
         </p:txBody>
@@ -913,7 +534,7 @@
       </p:grpSpPr>
       <p:sp>
         <p:nvSpPr>
-          <p:cNvPr id="29" name="PlaceHolder 1"/>
+          <p:cNvPr id="25" name="PlaceHolder 1"/>
           <p:cNvSpPr>
             <a:spLocks noGrp="1"/>
           </p:cNvSpPr>
@@ -923,8 +544,8 @@
         </p:nvSpPr>
         <p:spPr>
           <a:xfrm>
-            <a:off x="1511640" y="1707840"/>
-            <a:ext cx="27214200" cy="7147800"/>
+            <a:off x="1511640" y="1707480"/>
+            <a:ext cx="27213840" cy="7148160"/>
           </a:xfrm>
           <a:prstGeom prst="rect">
             <a:avLst/>
@@ -935,18 +556,16 @@
             <a:spAutoFit/>
           </a:bodyPr>
           <a:p>
-            <a:endParaRPr b="0" lang="en-US" sz="1800" spc="-1" strike="noStrike">
-              <a:solidFill>
-                <a:srgbClr val="000000"/>
-              </a:solidFill>
-              <a:latin typeface="Calibri"/>
+            <a:pPr algn="ctr"/>
+            <a:endParaRPr b="0" lang="en-US" sz="4400" spc="-1" strike="noStrike">
+              <a:latin typeface="Arial"/>
             </a:endParaRPr>
           </a:p>
         </p:txBody>
       </p:sp>
       <p:sp>
         <p:nvSpPr>
-          <p:cNvPr id="30" name="PlaceHolder 2"/>
+          <p:cNvPr id="26" name="PlaceHolder 2"/>
           <p:cNvSpPr>
             <a:spLocks noGrp="1"/>
           </p:cNvSpPr>
@@ -968,18 +587,15 @@
             <a:normAutofit/>
           </a:bodyPr>
           <a:p>
-            <a:endParaRPr b="0" lang="en-US" sz="9260" spc="-1" strike="noStrike">
-              <a:solidFill>
-                <a:srgbClr val="000000"/>
-              </a:solidFill>
-              <a:latin typeface="Calibri"/>
+            <a:endParaRPr b="0" lang="en-US" sz="3200" spc="-1" strike="noStrike">
+              <a:latin typeface="Arial"/>
             </a:endParaRPr>
           </a:p>
         </p:txBody>
       </p:sp>
       <p:sp>
         <p:nvSpPr>
-          <p:cNvPr id="31" name="PlaceHolder 3"/>
+          <p:cNvPr id="27" name="PlaceHolder 3"/>
           <p:cNvSpPr>
             <a:spLocks noGrp="1"/>
           </p:cNvSpPr>
@@ -1001,18 +617,15 @@
             <a:normAutofit/>
           </a:bodyPr>
           <a:p>
-            <a:endParaRPr b="0" lang="en-US" sz="9260" spc="-1" strike="noStrike">
-              <a:solidFill>
-                <a:srgbClr val="000000"/>
-              </a:solidFill>
-              <a:latin typeface="Calibri"/>
+            <a:endParaRPr b="0" lang="en-US" sz="3200" spc="-1" strike="noStrike">
+              <a:latin typeface="Arial"/>
             </a:endParaRPr>
           </a:p>
         </p:txBody>
       </p:sp>
       <p:sp>
         <p:nvSpPr>
-          <p:cNvPr id="32" name="PlaceHolder 4"/>
+          <p:cNvPr id="28" name="PlaceHolder 4"/>
           <p:cNvSpPr>
             <a:spLocks noGrp="1"/>
           </p:cNvSpPr>
@@ -1034,18 +647,15 @@
             <a:normAutofit/>
           </a:bodyPr>
           <a:p>
-            <a:endParaRPr b="0" lang="en-US" sz="9260" spc="-1" strike="noStrike">
-              <a:solidFill>
-                <a:srgbClr val="000000"/>
-              </a:solidFill>
-              <a:latin typeface="Calibri"/>
+            <a:endParaRPr b="0" lang="en-US" sz="3200" spc="-1" strike="noStrike">
+              <a:latin typeface="Arial"/>
             </a:endParaRPr>
           </a:p>
         </p:txBody>
       </p:sp>
       <p:sp>
         <p:nvSpPr>
-          <p:cNvPr id="33" name="PlaceHolder 5"/>
+          <p:cNvPr id="29" name="PlaceHolder 5"/>
           <p:cNvSpPr>
             <a:spLocks noGrp="1"/>
           </p:cNvSpPr>
@@ -1067,11 +677,8 @@
             <a:normAutofit/>
           </a:bodyPr>
           <a:p>
-            <a:endParaRPr b="0" lang="en-US" sz="9260" spc="-1" strike="noStrike">
-              <a:solidFill>
-                <a:srgbClr val="000000"/>
-              </a:solidFill>
-              <a:latin typeface="Calibri"/>
+            <a:endParaRPr b="0" lang="en-US" sz="3200" spc="-1" strike="noStrike">
+              <a:latin typeface="Arial"/>
             </a:endParaRPr>
           </a:p>
         </p:txBody>
@@ -1100,7 +707,7 @@
       </p:grpSpPr>
       <p:sp>
         <p:nvSpPr>
-          <p:cNvPr id="34" name="PlaceHolder 1"/>
+          <p:cNvPr id="30" name="PlaceHolder 1"/>
           <p:cNvSpPr>
             <a:spLocks noGrp="1"/>
           </p:cNvSpPr>
@@ -1110,8 +717,8 @@
         </p:nvSpPr>
         <p:spPr>
           <a:xfrm>
-            <a:off x="1511640" y="1707840"/>
-            <a:ext cx="27214200" cy="7147800"/>
+            <a:off x="1511640" y="1707480"/>
+            <a:ext cx="27213840" cy="7148160"/>
           </a:xfrm>
           <a:prstGeom prst="rect">
             <a:avLst/>
@@ -1122,18 +729,16 @@
             <a:spAutoFit/>
           </a:bodyPr>
           <a:p>
-            <a:endParaRPr b="0" lang="en-US" sz="1800" spc="-1" strike="noStrike">
-              <a:solidFill>
-                <a:srgbClr val="000000"/>
-              </a:solidFill>
-              <a:latin typeface="Calibri"/>
+            <a:pPr algn="ctr"/>
+            <a:endParaRPr b="0" lang="en-US" sz="4400" spc="-1" strike="noStrike">
+              <a:latin typeface="Arial"/>
             </a:endParaRPr>
           </a:p>
         </p:txBody>
       </p:sp>
       <p:sp>
         <p:nvSpPr>
-          <p:cNvPr id="35" name="PlaceHolder 2"/>
+          <p:cNvPr id="31" name="PlaceHolder 2"/>
           <p:cNvSpPr>
             <a:spLocks noGrp="1"/>
           </p:cNvSpPr>
@@ -1155,18 +760,15 @@
             <a:normAutofit/>
           </a:bodyPr>
           <a:p>
-            <a:endParaRPr b="0" lang="en-US" sz="9260" spc="-1" strike="noStrike">
-              <a:solidFill>
-                <a:srgbClr val="000000"/>
-              </a:solidFill>
-              <a:latin typeface="Calibri"/>
+            <a:endParaRPr b="0" lang="en-US" sz="3200" spc="-1" strike="noStrike">
+              <a:latin typeface="Arial"/>
             </a:endParaRPr>
           </a:p>
         </p:txBody>
       </p:sp>
       <p:sp>
         <p:nvSpPr>
-          <p:cNvPr id="36" name="PlaceHolder 3"/>
+          <p:cNvPr id="32" name="PlaceHolder 3"/>
           <p:cNvSpPr>
             <a:spLocks noGrp="1"/>
           </p:cNvSpPr>
@@ -1188,18 +790,15 @@
             <a:normAutofit/>
           </a:bodyPr>
           <a:p>
-            <a:endParaRPr b="0" lang="en-US" sz="9260" spc="-1" strike="noStrike">
-              <a:solidFill>
-                <a:srgbClr val="000000"/>
-              </a:solidFill>
-              <a:latin typeface="Calibri"/>
+            <a:endParaRPr b="0" lang="en-US" sz="3200" spc="-1" strike="noStrike">
+              <a:latin typeface="Arial"/>
             </a:endParaRPr>
           </a:p>
         </p:txBody>
       </p:sp>
       <p:sp>
         <p:nvSpPr>
-          <p:cNvPr id="37" name="PlaceHolder 4"/>
+          <p:cNvPr id="33" name="PlaceHolder 4"/>
           <p:cNvSpPr>
             <a:spLocks noGrp="1"/>
           </p:cNvSpPr>
@@ -1221,18 +820,15 @@
             <a:normAutofit/>
           </a:bodyPr>
           <a:p>
-            <a:endParaRPr b="0" lang="en-US" sz="9260" spc="-1" strike="noStrike">
-              <a:solidFill>
-                <a:srgbClr val="000000"/>
-              </a:solidFill>
-              <a:latin typeface="Calibri"/>
+            <a:endParaRPr b="0" lang="en-US" sz="3200" spc="-1" strike="noStrike">
+              <a:latin typeface="Arial"/>
             </a:endParaRPr>
           </a:p>
         </p:txBody>
       </p:sp>
       <p:sp>
         <p:nvSpPr>
-          <p:cNvPr id="38" name="PlaceHolder 5"/>
+          <p:cNvPr id="34" name="PlaceHolder 5"/>
           <p:cNvSpPr>
             <a:spLocks noGrp="1"/>
           </p:cNvSpPr>
@@ -1254,18 +850,15 @@
             <a:normAutofit/>
           </a:bodyPr>
           <a:p>
-            <a:endParaRPr b="0" lang="en-US" sz="9260" spc="-1" strike="noStrike">
-              <a:solidFill>
-                <a:srgbClr val="000000"/>
-              </a:solidFill>
-              <a:latin typeface="Calibri"/>
+            <a:endParaRPr b="0" lang="en-US" sz="3200" spc="-1" strike="noStrike">
+              <a:latin typeface="Arial"/>
             </a:endParaRPr>
           </a:p>
         </p:txBody>
       </p:sp>
       <p:sp>
         <p:nvSpPr>
-          <p:cNvPr id="39" name="PlaceHolder 6"/>
+          <p:cNvPr id="35" name="PlaceHolder 6"/>
           <p:cNvSpPr>
             <a:spLocks noGrp="1"/>
           </p:cNvSpPr>
@@ -1287,18 +880,15 @@
             <a:normAutofit/>
           </a:bodyPr>
           <a:p>
-            <a:endParaRPr b="0" lang="en-US" sz="9260" spc="-1" strike="noStrike">
-              <a:solidFill>
-                <a:srgbClr val="000000"/>
-              </a:solidFill>
-              <a:latin typeface="Calibri"/>
+            <a:endParaRPr b="0" lang="en-US" sz="3200" spc="-1" strike="noStrike">
+              <a:latin typeface="Arial"/>
             </a:endParaRPr>
           </a:p>
         </p:txBody>
       </p:sp>
       <p:sp>
         <p:nvSpPr>
-          <p:cNvPr id="40" name="PlaceHolder 7"/>
+          <p:cNvPr id="36" name="PlaceHolder 7"/>
           <p:cNvSpPr>
             <a:spLocks noGrp="1"/>
           </p:cNvSpPr>
@@ -1320,11 +910,8 @@
             <a:normAutofit/>
           </a:bodyPr>
           <a:p>
-            <a:endParaRPr b="0" lang="en-US" sz="9260" spc="-1" strike="noStrike">
-              <a:solidFill>
-                <a:srgbClr val="000000"/>
-              </a:solidFill>
-              <a:latin typeface="Calibri"/>
+            <a:endParaRPr b="0" lang="en-US" sz="3200" spc="-1" strike="noStrike">
+              <a:latin typeface="Arial"/>
             </a:endParaRPr>
           </a:p>
         </p:txBody>
@@ -1353,7 +940,7 @@
       </p:grpSpPr>
       <p:sp>
         <p:nvSpPr>
-          <p:cNvPr id="5" name="PlaceHolder 1"/>
+          <p:cNvPr id="1" name="PlaceHolder 1"/>
           <p:cNvSpPr>
             <a:spLocks noGrp="1"/>
           </p:cNvSpPr>
@@ -1363,8 +950,8 @@
         </p:nvSpPr>
         <p:spPr>
           <a:xfrm>
-            <a:off x="1511640" y="1707840"/>
-            <a:ext cx="27214200" cy="7147800"/>
+            <a:off x="1511640" y="1707480"/>
+            <a:ext cx="27213840" cy="7148160"/>
           </a:xfrm>
           <a:prstGeom prst="rect">
             <a:avLst/>
@@ -1375,18 +962,16 @@
             <a:spAutoFit/>
           </a:bodyPr>
           <a:p>
-            <a:endParaRPr b="0" lang="en-US" sz="1800" spc="-1" strike="noStrike">
-              <a:solidFill>
-                <a:srgbClr val="000000"/>
-              </a:solidFill>
-              <a:latin typeface="Calibri"/>
+            <a:pPr algn="ctr"/>
+            <a:endParaRPr b="0" lang="en-US" sz="4400" spc="-1" strike="noStrike">
+              <a:latin typeface="Arial"/>
             </a:endParaRPr>
           </a:p>
         </p:txBody>
       </p:sp>
       <p:sp>
         <p:nvSpPr>
-          <p:cNvPr id="6" name="PlaceHolder 2"/>
+          <p:cNvPr id="2" name="PlaceHolder 2"/>
           <p:cNvSpPr>
             <a:spLocks noGrp="1"/>
           </p:cNvSpPr>
@@ -1439,7 +1024,7 @@
       </p:grpSpPr>
       <p:sp>
         <p:nvSpPr>
-          <p:cNvPr id="7" name="PlaceHolder 1"/>
+          <p:cNvPr id="3" name="PlaceHolder 1"/>
           <p:cNvSpPr>
             <a:spLocks noGrp="1"/>
           </p:cNvSpPr>
@@ -1449,8 +1034,8 @@
         </p:nvSpPr>
         <p:spPr>
           <a:xfrm>
-            <a:off x="1511640" y="1707840"/>
-            <a:ext cx="27214200" cy="7147800"/>
+            <a:off x="1511640" y="1707480"/>
+            <a:ext cx="27213840" cy="7148160"/>
           </a:xfrm>
           <a:prstGeom prst="rect">
             <a:avLst/>
@@ -1461,18 +1046,16 @@
             <a:spAutoFit/>
           </a:bodyPr>
           <a:p>
-            <a:endParaRPr b="0" lang="en-US" sz="1800" spc="-1" strike="noStrike">
-              <a:solidFill>
-                <a:srgbClr val="000000"/>
-              </a:solidFill>
-              <a:latin typeface="Calibri"/>
+            <a:pPr algn="ctr"/>
+            <a:endParaRPr b="0" lang="en-US" sz="4400" spc="-1" strike="noStrike">
+              <a:latin typeface="Arial"/>
             </a:endParaRPr>
           </a:p>
         </p:txBody>
       </p:sp>
       <p:sp>
         <p:nvSpPr>
-          <p:cNvPr id="8" name="PlaceHolder 2"/>
+          <p:cNvPr id="4" name="PlaceHolder 2"/>
           <p:cNvSpPr>
             <a:spLocks noGrp="1"/>
           </p:cNvSpPr>
@@ -1494,11 +1077,8 @@
             <a:normAutofit/>
           </a:bodyPr>
           <a:p>
-            <a:endParaRPr b="0" lang="en-US" sz="9260" spc="-1" strike="noStrike">
-              <a:solidFill>
-                <a:srgbClr val="000000"/>
-              </a:solidFill>
-              <a:latin typeface="Calibri"/>
+            <a:endParaRPr b="0" lang="en-US" sz="3200" spc="-1" strike="noStrike">
+              <a:latin typeface="Arial"/>
             </a:endParaRPr>
           </a:p>
         </p:txBody>
@@ -1527,7 +1107,7 @@
       </p:grpSpPr>
       <p:sp>
         <p:nvSpPr>
-          <p:cNvPr id="9" name="PlaceHolder 1"/>
+          <p:cNvPr id="5" name="PlaceHolder 1"/>
           <p:cNvSpPr>
             <a:spLocks noGrp="1"/>
           </p:cNvSpPr>
@@ -1537,8 +1117,8 @@
         </p:nvSpPr>
         <p:spPr>
           <a:xfrm>
-            <a:off x="1511640" y="1707840"/>
-            <a:ext cx="27214200" cy="7147800"/>
+            <a:off x="1511640" y="1707480"/>
+            <a:ext cx="27213840" cy="7148160"/>
           </a:xfrm>
           <a:prstGeom prst="rect">
             <a:avLst/>
@@ -1549,18 +1129,16 @@
             <a:spAutoFit/>
           </a:bodyPr>
           <a:p>
-            <a:endParaRPr b="0" lang="en-US" sz="1800" spc="-1" strike="noStrike">
-              <a:solidFill>
-                <a:srgbClr val="000000"/>
-              </a:solidFill>
-              <a:latin typeface="Calibri"/>
+            <a:pPr algn="ctr"/>
+            <a:endParaRPr b="0" lang="en-US" sz="4400" spc="-1" strike="noStrike">
+              <a:latin typeface="Arial"/>
             </a:endParaRPr>
           </a:p>
         </p:txBody>
       </p:sp>
       <p:sp>
         <p:nvSpPr>
-          <p:cNvPr id="10" name="PlaceHolder 2"/>
+          <p:cNvPr id="6" name="PlaceHolder 2"/>
           <p:cNvSpPr>
             <a:spLocks noGrp="1"/>
           </p:cNvSpPr>
@@ -1582,18 +1160,15 @@
             <a:normAutofit/>
           </a:bodyPr>
           <a:p>
-            <a:endParaRPr b="0" lang="en-US" sz="9260" spc="-1" strike="noStrike">
-              <a:solidFill>
-                <a:srgbClr val="000000"/>
-              </a:solidFill>
-              <a:latin typeface="Calibri"/>
+            <a:endParaRPr b="0" lang="en-US" sz="3200" spc="-1" strike="noStrike">
+              <a:latin typeface="Arial"/>
             </a:endParaRPr>
           </a:p>
         </p:txBody>
       </p:sp>
       <p:sp>
         <p:nvSpPr>
-          <p:cNvPr id="11" name="PlaceHolder 3"/>
+          <p:cNvPr id="7" name="PlaceHolder 3"/>
           <p:cNvSpPr>
             <a:spLocks noGrp="1"/>
           </p:cNvSpPr>
@@ -1615,11 +1190,8 @@
             <a:normAutofit/>
           </a:bodyPr>
           <a:p>
-            <a:endParaRPr b="0" lang="en-US" sz="9260" spc="-1" strike="noStrike">
-              <a:solidFill>
-                <a:srgbClr val="000000"/>
-              </a:solidFill>
-              <a:latin typeface="Calibri"/>
+            <a:endParaRPr b="0" lang="en-US" sz="3200" spc="-1" strike="noStrike">
+              <a:latin typeface="Arial"/>
             </a:endParaRPr>
           </a:p>
         </p:txBody>
@@ -1648,7 +1220,7 @@
       </p:grpSpPr>
       <p:sp>
         <p:nvSpPr>
-          <p:cNvPr id="12" name="PlaceHolder 1"/>
+          <p:cNvPr id="8" name="PlaceHolder 1"/>
           <p:cNvSpPr>
             <a:spLocks noGrp="1"/>
           </p:cNvSpPr>
@@ -1658,8 +1230,8 @@
         </p:nvSpPr>
         <p:spPr>
           <a:xfrm>
-            <a:off x="1511640" y="1707840"/>
-            <a:ext cx="27214200" cy="7147800"/>
+            <a:off x="1511640" y="1707480"/>
+            <a:ext cx="27213840" cy="7148160"/>
           </a:xfrm>
           <a:prstGeom prst="rect">
             <a:avLst/>
@@ -1670,11 +1242,9 @@
             <a:spAutoFit/>
           </a:bodyPr>
           <a:p>
-            <a:endParaRPr b="0" lang="en-US" sz="1800" spc="-1" strike="noStrike">
-              <a:solidFill>
-                <a:srgbClr val="000000"/>
-              </a:solidFill>
-              <a:latin typeface="Calibri"/>
+            <a:pPr algn="ctr"/>
+            <a:endParaRPr b="0" lang="en-US" sz="4400" spc="-1" strike="noStrike">
+              <a:latin typeface="Arial"/>
             </a:endParaRPr>
           </a:p>
         </p:txBody>
@@ -1703,7 +1273,7 @@
       </p:grpSpPr>
       <p:sp>
         <p:nvSpPr>
-          <p:cNvPr id="13" name="PlaceHolder 1"/>
+          <p:cNvPr id="9" name="PlaceHolder 1"/>
           <p:cNvSpPr>
             <a:spLocks noGrp="1"/>
           </p:cNvSpPr>
@@ -1713,8 +1283,8 @@
         </p:nvSpPr>
         <p:spPr>
           <a:xfrm>
-            <a:off x="1511640" y="1707840"/>
-            <a:ext cx="27214200" cy="33134400"/>
+            <a:off x="1511640" y="1707480"/>
+            <a:ext cx="27213840" cy="33135840"/>
           </a:xfrm>
           <a:prstGeom prst="rect">
             <a:avLst/>
@@ -1756,7 +1326,7 @@
       </p:grpSpPr>
       <p:sp>
         <p:nvSpPr>
-          <p:cNvPr id="14" name="PlaceHolder 1"/>
+          <p:cNvPr id="10" name="PlaceHolder 1"/>
           <p:cNvSpPr>
             <a:spLocks noGrp="1"/>
           </p:cNvSpPr>
@@ -1766,8 +1336,8 @@
         </p:nvSpPr>
         <p:spPr>
           <a:xfrm>
-            <a:off x="1511640" y="1707840"/>
-            <a:ext cx="27214200" cy="7147800"/>
+            <a:off x="1511640" y="1707480"/>
+            <a:ext cx="27213840" cy="7148160"/>
           </a:xfrm>
           <a:prstGeom prst="rect">
             <a:avLst/>
@@ -1778,18 +1348,16 @@
             <a:spAutoFit/>
           </a:bodyPr>
           <a:p>
-            <a:endParaRPr b="0" lang="en-US" sz="1800" spc="-1" strike="noStrike">
-              <a:solidFill>
-                <a:srgbClr val="000000"/>
-              </a:solidFill>
-              <a:latin typeface="Calibri"/>
+            <a:pPr algn="ctr"/>
+            <a:endParaRPr b="0" lang="en-US" sz="4400" spc="-1" strike="noStrike">
+              <a:latin typeface="Arial"/>
             </a:endParaRPr>
           </a:p>
         </p:txBody>
       </p:sp>
       <p:sp>
         <p:nvSpPr>
-          <p:cNvPr id="15" name="PlaceHolder 2"/>
+          <p:cNvPr id="11" name="PlaceHolder 2"/>
           <p:cNvSpPr>
             <a:spLocks noGrp="1"/>
           </p:cNvSpPr>
@@ -1811,18 +1379,15 @@
             <a:normAutofit/>
           </a:bodyPr>
           <a:p>
-            <a:endParaRPr b="0" lang="en-US" sz="9260" spc="-1" strike="noStrike">
-              <a:solidFill>
-                <a:srgbClr val="000000"/>
-              </a:solidFill>
-              <a:latin typeface="Calibri"/>
+            <a:endParaRPr b="0" lang="en-US" sz="3200" spc="-1" strike="noStrike">
+              <a:latin typeface="Arial"/>
             </a:endParaRPr>
           </a:p>
         </p:txBody>
       </p:sp>
       <p:sp>
         <p:nvSpPr>
-          <p:cNvPr id="16" name="PlaceHolder 3"/>
+          <p:cNvPr id="12" name="PlaceHolder 3"/>
           <p:cNvSpPr>
             <a:spLocks noGrp="1"/>
           </p:cNvSpPr>
@@ -1844,18 +1409,15 @@
             <a:normAutofit/>
           </a:bodyPr>
           <a:p>
-            <a:endParaRPr b="0" lang="en-US" sz="9260" spc="-1" strike="noStrike">
-              <a:solidFill>
-                <a:srgbClr val="000000"/>
-              </a:solidFill>
-              <a:latin typeface="Calibri"/>
+            <a:endParaRPr b="0" lang="en-US" sz="3200" spc="-1" strike="noStrike">
+              <a:latin typeface="Arial"/>
             </a:endParaRPr>
           </a:p>
         </p:txBody>
       </p:sp>
       <p:sp>
         <p:nvSpPr>
-          <p:cNvPr id="17" name="PlaceHolder 4"/>
+          <p:cNvPr id="13" name="PlaceHolder 4"/>
           <p:cNvSpPr>
             <a:spLocks noGrp="1"/>
           </p:cNvSpPr>
@@ -1877,11 +1439,8 @@
             <a:normAutofit/>
           </a:bodyPr>
           <a:p>
-            <a:endParaRPr b="0" lang="en-US" sz="9260" spc="-1" strike="noStrike">
-              <a:solidFill>
-                <a:srgbClr val="000000"/>
-              </a:solidFill>
-              <a:latin typeface="Calibri"/>
+            <a:endParaRPr b="0" lang="en-US" sz="3200" spc="-1" strike="noStrike">
+              <a:latin typeface="Arial"/>
             </a:endParaRPr>
           </a:p>
         </p:txBody>
@@ -1910,7 +1469,7 @@
       </p:grpSpPr>
       <p:sp>
         <p:nvSpPr>
-          <p:cNvPr id="18" name="PlaceHolder 1"/>
+          <p:cNvPr id="14" name="PlaceHolder 1"/>
           <p:cNvSpPr>
             <a:spLocks noGrp="1"/>
           </p:cNvSpPr>
@@ -1920,8 +1479,8 @@
         </p:nvSpPr>
         <p:spPr>
           <a:xfrm>
-            <a:off x="1511640" y="1707840"/>
-            <a:ext cx="27214200" cy="7147800"/>
+            <a:off x="1511640" y="1707480"/>
+            <a:ext cx="27213840" cy="7148160"/>
           </a:xfrm>
           <a:prstGeom prst="rect">
             <a:avLst/>
@@ -1932,18 +1491,16 @@
             <a:spAutoFit/>
           </a:bodyPr>
           <a:p>
-            <a:endParaRPr b="0" lang="en-US" sz="1800" spc="-1" strike="noStrike">
-              <a:solidFill>
-                <a:srgbClr val="000000"/>
-              </a:solidFill>
-              <a:latin typeface="Calibri"/>
+            <a:pPr algn="ctr"/>
+            <a:endParaRPr b="0" lang="en-US" sz="4400" spc="-1" strike="noStrike">
+              <a:latin typeface="Arial"/>
             </a:endParaRPr>
           </a:p>
         </p:txBody>
       </p:sp>
       <p:sp>
         <p:nvSpPr>
-          <p:cNvPr id="19" name="PlaceHolder 2"/>
+          <p:cNvPr id="15" name="PlaceHolder 2"/>
           <p:cNvSpPr>
             <a:spLocks noGrp="1"/>
           </p:cNvSpPr>
@@ -1965,18 +1522,15 @@
             <a:normAutofit/>
           </a:bodyPr>
           <a:p>
-            <a:endParaRPr b="0" lang="en-US" sz="9260" spc="-1" strike="noStrike">
-              <a:solidFill>
-                <a:srgbClr val="000000"/>
-              </a:solidFill>
-              <a:latin typeface="Calibri"/>
+            <a:endParaRPr b="0" lang="en-US" sz="3200" spc="-1" strike="noStrike">
+              <a:latin typeface="Arial"/>
             </a:endParaRPr>
           </a:p>
         </p:txBody>
       </p:sp>
       <p:sp>
         <p:nvSpPr>
-          <p:cNvPr id="20" name="PlaceHolder 3"/>
+          <p:cNvPr id="16" name="PlaceHolder 3"/>
           <p:cNvSpPr>
             <a:spLocks noGrp="1"/>
           </p:cNvSpPr>
@@ -1998,18 +1552,15 @@
             <a:normAutofit/>
           </a:bodyPr>
           <a:p>
-            <a:endParaRPr b="0" lang="en-US" sz="9260" spc="-1" strike="noStrike">
-              <a:solidFill>
-                <a:srgbClr val="000000"/>
-              </a:solidFill>
-              <a:latin typeface="Calibri"/>
+            <a:endParaRPr b="0" lang="en-US" sz="3200" spc="-1" strike="noStrike">
+              <a:latin typeface="Arial"/>
             </a:endParaRPr>
           </a:p>
         </p:txBody>
       </p:sp>
       <p:sp>
         <p:nvSpPr>
-          <p:cNvPr id="21" name="PlaceHolder 4"/>
+          <p:cNvPr id="17" name="PlaceHolder 4"/>
           <p:cNvSpPr>
             <a:spLocks noGrp="1"/>
           </p:cNvSpPr>
@@ -2031,11 +1582,8 @@
             <a:normAutofit/>
           </a:bodyPr>
           <a:p>
-            <a:endParaRPr b="0" lang="en-US" sz="9260" spc="-1" strike="noStrike">
-              <a:solidFill>
-                <a:srgbClr val="000000"/>
-              </a:solidFill>
-              <a:latin typeface="Calibri"/>
+            <a:endParaRPr b="0" lang="en-US" sz="3200" spc="-1" strike="noStrike">
+              <a:latin typeface="Arial"/>
             </a:endParaRPr>
           </a:p>
         </p:txBody>
@@ -2064,7 +1612,7 @@
       </p:grpSpPr>
       <p:sp>
         <p:nvSpPr>
-          <p:cNvPr id="22" name="PlaceHolder 1"/>
+          <p:cNvPr id="18" name="PlaceHolder 1"/>
           <p:cNvSpPr>
             <a:spLocks noGrp="1"/>
           </p:cNvSpPr>
@@ -2074,8 +1622,8 @@
         </p:nvSpPr>
         <p:spPr>
           <a:xfrm>
-            <a:off x="1511640" y="1707840"/>
-            <a:ext cx="27214200" cy="7147800"/>
+            <a:off x="1511640" y="1707480"/>
+            <a:ext cx="27213840" cy="7148160"/>
           </a:xfrm>
           <a:prstGeom prst="rect">
             <a:avLst/>
@@ -2086,18 +1634,16 @@
             <a:spAutoFit/>
           </a:bodyPr>
           <a:p>
-            <a:endParaRPr b="0" lang="en-US" sz="1800" spc="-1" strike="noStrike">
-              <a:solidFill>
-                <a:srgbClr val="000000"/>
-              </a:solidFill>
-              <a:latin typeface="Calibri"/>
+            <a:pPr algn="ctr"/>
+            <a:endParaRPr b="0" lang="en-US" sz="4400" spc="-1" strike="noStrike">
+              <a:latin typeface="Arial"/>
             </a:endParaRPr>
           </a:p>
         </p:txBody>
       </p:sp>
       <p:sp>
         <p:nvSpPr>
-          <p:cNvPr id="23" name="PlaceHolder 2"/>
+          <p:cNvPr id="19" name="PlaceHolder 2"/>
           <p:cNvSpPr>
             <a:spLocks noGrp="1"/>
           </p:cNvSpPr>
@@ -2119,18 +1665,15 @@
             <a:normAutofit/>
           </a:bodyPr>
           <a:p>
-            <a:endParaRPr b="0" lang="en-US" sz="9260" spc="-1" strike="noStrike">
-              <a:solidFill>
-                <a:srgbClr val="000000"/>
-              </a:solidFill>
-              <a:latin typeface="Calibri"/>
+            <a:endParaRPr b="0" lang="en-US" sz="3200" spc="-1" strike="noStrike">
+              <a:latin typeface="Arial"/>
             </a:endParaRPr>
           </a:p>
         </p:txBody>
       </p:sp>
       <p:sp>
         <p:nvSpPr>
-          <p:cNvPr id="24" name="PlaceHolder 3"/>
+          <p:cNvPr id="20" name="PlaceHolder 3"/>
           <p:cNvSpPr>
             <a:spLocks noGrp="1"/>
           </p:cNvSpPr>
@@ -2152,18 +1695,15 @@
             <a:normAutofit/>
           </a:bodyPr>
           <a:p>
-            <a:endParaRPr b="0" lang="en-US" sz="9260" spc="-1" strike="noStrike">
-              <a:solidFill>
-                <a:srgbClr val="000000"/>
-              </a:solidFill>
-              <a:latin typeface="Calibri"/>
+            <a:endParaRPr b="0" lang="en-US" sz="3200" spc="-1" strike="noStrike">
+              <a:latin typeface="Arial"/>
             </a:endParaRPr>
           </a:p>
         </p:txBody>
       </p:sp>
       <p:sp>
         <p:nvSpPr>
-          <p:cNvPr id="25" name="PlaceHolder 4"/>
+          <p:cNvPr id="21" name="PlaceHolder 4"/>
           <p:cNvSpPr>
             <a:spLocks noGrp="1"/>
           </p:cNvSpPr>
@@ -2185,11 +1725,8 @@
             <a:normAutofit/>
           </a:bodyPr>
           <a:p>
-            <a:endParaRPr b="0" lang="en-US" sz="9260" spc="-1" strike="noStrike">
-              <a:solidFill>
-                <a:srgbClr val="000000"/>
-              </a:solidFill>
-              <a:latin typeface="Calibri"/>
+            <a:endParaRPr b="0" lang="en-US" sz="3200" spc="-1" strike="noStrike">
+              <a:latin typeface="Arial"/>
             </a:endParaRPr>
           </a:p>
         </p:txBody>
@@ -2230,131 +1767,13 @@
             <a:spLocks noGrp="1"/>
           </p:cNvSpPr>
           <p:nvPr>
-            <p:ph type="dt"/>
-          </p:nvPr>
-        </p:nvSpPr>
-        <p:spPr>
-          <a:xfrm>
-            <a:off x="2079000" y="39672720"/>
-            <a:ext cx="6803280" cy="2278440"/>
-          </a:xfrm>
-          <a:prstGeom prst="rect">
-            <a:avLst/>
-          </a:prstGeom>
-        </p:spPr>
-        <p:txBody>
-          <a:bodyPr anchor="ctr">
-            <a:noAutofit/>
-          </a:bodyPr>
-          <a:p>
-            <a:pPr>
-              <a:lnSpc>
-                <a:spcPct val="100000"/>
-              </a:lnSpc>
-            </a:pPr>
-            <a:fld id="{209AE5DD-48C3-4343-89C1-CFBBD8BC5943}" type="datetime">
-              <a:rPr b="0" lang="en-US" sz="3970" spc="-1" strike="noStrike">
-                <a:solidFill>
-                  <a:srgbClr val="8b8b8b"/>
-                </a:solidFill>
-                <a:latin typeface="Calibri"/>
-              </a:rPr>
-              <a:t>6/21/19</a:t>
-            </a:fld>
-            <a:endParaRPr b="0" lang="en-US" sz="3970" spc="-1" strike="noStrike">
-              <a:latin typeface="Times New Roman"/>
-            </a:endParaRPr>
-          </a:p>
-        </p:txBody>
-      </p:sp>
-      <p:sp>
-        <p:nvSpPr>
-          <p:cNvPr id="1" name="PlaceHolder 2"/>
-          <p:cNvSpPr>
-            <a:spLocks noGrp="1"/>
-          </p:cNvSpPr>
-          <p:nvPr>
-            <p:ph type="ftr"/>
-          </p:nvPr>
-        </p:nvSpPr>
-        <p:spPr>
-          <a:xfrm>
-            <a:off x="10016640" y="39672720"/>
-            <a:ext cx="10205280" cy="2278440"/>
-          </a:xfrm>
-          <a:prstGeom prst="rect">
-            <a:avLst/>
-          </a:prstGeom>
-        </p:spPr>
-        <p:txBody>
-          <a:bodyPr anchor="ctr">
-            <a:noAutofit/>
-          </a:bodyPr>
-          <a:p>
-            <a:endParaRPr b="0" lang="en-US" sz="2400" spc="-1" strike="noStrike">
-              <a:latin typeface="Times New Roman"/>
-            </a:endParaRPr>
-          </a:p>
-        </p:txBody>
-      </p:sp>
-      <p:sp>
-        <p:nvSpPr>
-          <p:cNvPr id="2" name="PlaceHolder 3"/>
-          <p:cNvSpPr>
-            <a:spLocks noGrp="1"/>
-          </p:cNvSpPr>
-          <p:nvPr>
-            <p:ph type="sldNum"/>
-          </p:nvPr>
-        </p:nvSpPr>
-        <p:spPr>
-          <a:xfrm>
-            <a:off x="21355920" y="39672720"/>
-            <a:ext cx="6803280" cy="2278440"/>
-          </a:xfrm>
-          <a:prstGeom prst="rect">
-            <a:avLst/>
-          </a:prstGeom>
-        </p:spPr>
-        <p:txBody>
-          <a:bodyPr anchor="ctr">
-            <a:noAutofit/>
-          </a:bodyPr>
-          <a:p>
-            <a:pPr algn="r">
-              <a:lnSpc>
-                <a:spcPct val="100000"/>
-              </a:lnSpc>
-            </a:pPr>
-            <a:fld id="{3158AFBA-FFBF-4E8A-A6AD-66645FBDBBEE}" type="slidenum">
-              <a:rPr b="0" lang="en-US" sz="3970" spc="-1" strike="noStrike">
-                <a:solidFill>
-                  <a:srgbClr val="8b8b8b"/>
-                </a:solidFill>
-                <a:latin typeface="Calibri"/>
-              </a:rPr>
-              <a:t>1</a:t>
-            </a:fld>
-            <a:endParaRPr b="0" lang="en-US" sz="3970" spc="-1" strike="noStrike">
-              <a:latin typeface="Times New Roman"/>
-            </a:endParaRPr>
-          </a:p>
-        </p:txBody>
-      </p:sp>
-      <p:sp>
-        <p:nvSpPr>
-          <p:cNvPr id="3" name="PlaceHolder 4"/>
-          <p:cNvSpPr>
-            <a:spLocks noGrp="1"/>
-          </p:cNvSpPr>
-          <p:nvPr>
             <p:ph type="title"/>
           </p:nvPr>
         </p:nvSpPr>
         <p:spPr>
           <a:xfrm>
-            <a:off x="1511640" y="1707840"/>
-            <a:ext cx="27214200" cy="7147800"/>
+            <a:off x="1511640" y="1707480"/>
+            <a:ext cx="27213840" cy="7148160"/>
           </a:xfrm>
           <a:prstGeom prst="rect">
             <a:avLst/>
@@ -2362,244 +1781,17 @@
         </p:spPr>
         <p:txBody>
           <a:bodyPr lIns="0" rIns="0" tIns="0" bIns="0" anchor="ctr">
-            <a:noAutofit/>
+            <a:spAutoFit/>
           </a:bodyPr>
           <a:p>
             <a:r>
               <a:rPr b="0" lang="en-US" sz="1800" spc="-1" strike="noStrike">
-                <a:solidFill>
-                  <a:srgbClr val="000000"/>
-                </a:solidFill>
-                <a:latin typeface="Calibri"/>
+                <a:latin typeface="Arial"/>
               </a:rPr>
               <a:t>Click to edit the title text format</a:t>
             </a:r>
             <a:endParaRPr b="0" lang="en-US" sz="1800" spc="-1" strike="noStrike">
-              <a:solidFill>
-                <a:srgbClr val="000000"/>
-              </a:solidFill>
-              <a:latin typeface="Calibri"/>
-            </a:endParaRPr>
-          </a:p>
-        </p:txBody>
-      </p:sp>
-      <p:sp>
-        <p:nvSpPr>
-          <p:cNvPr id="4" name="PlaceHolder 5"/>
-          <p:cNvSpPr>
-            <a:spLocks noGrp="1"/>
-          </p:cNvSpPr>
-          <p:nvPr>
-            <p:ph type="body"/>
-          </p:nvPr>
-        </p:nvSpPr>
-        <p:spPr>
-          <a:xfrm>
-            <a:off x="1511640" y="10015920"/>
-            <a:ext cx="27214200" cy="24825600"/>
-          </a:xfrm>
-          <a:prstGeom prst="rect">
-            <a:avLst/>
-          </a:prstGeom>
-        </p:spPr>
-        <p:txBody>
-          <a:bodyPr lIns="0" rIns="0" tIns="0" bIns="0">
-            <a:normAutofit/>
-          </a:bodyPr>
-          <a:p>
-            <a:pPr marL="432000" indent="-324000">
-              <a:spcBef>
-                <a:spcPts val="1417"/>
-              </a:spcBef>
-              <a:buClr>
-                <a:srgbClr val="000000"/>
-              </a:buClr>
-              <a:buSzPct val="45000"/>
-              <a:buFont typeface="Wingdings" charset="2"/>
-              <a:buChar char=""/>
-            </a:pPr>
-            <a:r>
-              <a:rPr b="0" lang="en-US" sz="9260" spc="-1" strike="noStrike">
-                <a:solidFill>
-                  <a:srgbClr val="000000"/>
-                </a:solidFill>
-                <a:latin typeface="Calibri"/>
-              </a:rPr>
-              <a:t>Click to edit the outline text format</a:t>
-            </a:r>
-            <a:endParaRPr b="0" lang="en-US" sz="9260" spc="-1" strike="noStrike">
-              <a:solidFill>
-                <a:srgbClr val="000000"/>
-              </a:solidFill>
-              <a:latin typeface="Calibri"/>
-            </a:endParaRPr>
-          </a:p>
-          <a:p>
-            <a:pPr lvl="1" marL="864000" indent="-324000">
-              <a:spcBef>
-                <a:spcPts val="1134"/>
-              </a:spcBef>
-              <a:buClr>
-                <a:srgbClr val="000000"/>
-              </a:buClr>
-              <a:buSzPct val="75000"/>
-              <a:buFont typeface="Symbol" charset="2"/>
-              <a:buChar char=""/>
-            </a:pPr>
-            <a:r>
-              <a:rPr b="0" lang="en-US" sz="6619" spc="-1" strike="noStrike">
-                <a:solidFill>
-                  <a:srgbClr val="000000"/>
-                </a:solidFill>
-                <a:latin typeface="Calibri"/>
-              </a:rPr>
-              <a:t>Second Outline Level</a:t>
-            </a:r>
-            <a:endParaRPr b="0" lang="en-US" sz="6619" spc="-1" strike="noStrike">
-              <a:solidFill>
-                <a:srgbClr val="000000"/>
-              </a:solidFill>
-              <a:latin typeface="Calibri"/>
-            </a:endParaRPr>
-          </a:p>
-          <a:p>
-            <a:pPr lvl="2" marL="1296000" indent="-288000">
-              <a:spcBef>
-                <a:spcPts val="850"/>
-              </a:spcBef>
-              <a:buClr>
-                <a:srgbClr val="000000"/>
-              </a:buClr>
-              <a:buSzPct val="45000"/>
-              <a:buFont typeface="Wingdings" charset="2"/>
-              <a:buChar char=""/>
-            </a:pPr>
-            <a:r>
-              <a:rPr b="0" lang="en-US" sz="5950" spc="-1" strike="noStrike">
-                <a:solidFill>
-                  <a:srgbClr val="000000"/>
-                </a:solidFill>
-                <a:latin typeface="Calibri"/>
-              </a:rPr>
-              <a:t>Third Outline Level</a:t>
-            </a:r>
-            <a:endParaRPr b="0" lang="en-US" sz="5950" spc="-1" strike="noStrike">
-              <a:solidFill>
-                <a:srgbClr val="000000"/>
-              </a:solidFill>
-              <a:latin typeface="Calibri"/>
-            </a:endParaRPr>
-          </a:p>
-          <a:p>
-            <a:pPr lvl="3" marL="1728000" indent="-216000">
-              <a:spcBef>
-                <a:spcPts val="567"/>
-              </a:spcBef>
-              <a:buClr>
-                <a:srgbClr val="000000"/>
-              </a:buClr>
-              <a:buSzPct val="75000"/>
-              <a:buFont typeface="Symbol" charset="2"/>
-              <a:buChar char=""/>
-            </a:pPr>
-            <a:r>
-              <a:rPr b="0" lang="en-US" sz="5950" spc="-1" strike="noStrike">
-                <a:solidFill>
-                  <a:srgbClr val="000000"/>
-                </a:solidFill>
-                <a:latin typeface="Calibri"/>
-              </a:rPr>
-              <a:t>Fourth Outline Level</a:t>
-            </a:r>
-            <a:endParaRPr b="0" lang="en-US" sz="5950" spc="-1" strike="noStrike">
-              <a:solidFill>
-                <a:srgbClr val="000000"/>
-              </a:solidFill>
-              <a:latin typeface="Calibri"/>
-            </a:endParaRPr>
-          </a:p>
-          <a:p>
-            <a:pPr lvl="4" marL="2160000" indent="-216000">
-              <a:spcBef>
-                <a:spcPts val="283"/>
-              </a:spcBef>
-              <a:buClr>
-                <a:srgbClr val="000000"/>
-              </a:buClr>
-              <a:buSzPct val="45000"/>
-              <a:buFont typeface="Wingdings" charset="2"/>
-              <a:buChar char=""/>
-            </a:pPr>
-            <a:r>
-              <a:rPr b="0" lang="en-US" sz="2000" spc="-1" strike="noStrike">
-                <a:solidFill>
-                  <a:srgbClr val="000000"/>
-                </a:solidFill>
-                <a:latin typeface="Calibri"/>
-              </a:rPr>
-              <a:t>Fifth Outline Level</a:t>
-            </a:r>
-            <a:endParaRPr b="0" lang="en-US" sz="2000" spc="-1" strike="noStrike">
-              <a:solidFill>
-                <a:srgbClr val="000000"/>
-              </a:solidFill>
-              <a:latin typeface="Calibri"/>
-            </a:endParaRPr>
-          </a:p>
-          <a:p>
-            <a:pPr lvl="5" marL="2592000" indent="-216000">
-              <a:spcBef>
-                <a:spcPts val="283"/>
-              </a:spcBef>
-              <a:buClr>
-                <a:srgbClr val="000000"/>
-              </a:buClr>
-              <a:buSzPct val="45000"/>
-              <a:buFont typeface="Wingdings" charset="2"/>
-              <a:buChar char=""/>
-            </a:pPr>
-            <a:r>
-              <a:rPr b="0" lang="en-US" sz="2000" spc="-1" strike="noStrike">
-                <a:solidFill>
-                  <a:srgbClr val="000000"/>
-                </a:solidFill>
-                <a:latin typeface="Calibri"/>
-              </a:rPr>
-              <a:t>Sixth Outline Level</a:t>
-            </a:r>
-            <a:endParaRPr b="0" lang="en-US" sz="2000" spc="-1" strike="noStrike">
-              <a:solidFill>
-                <a:srgbClr val="000000"/>
-              </a:solidFill>
-              <a:latin typeface="Calibri"/>
-            </a:endParaRPr>
-          </a:p>
-          <a:p>
-            <a:pPr lvl="6" marL="3024000" indent="-216000">
-              <a:spcBef>
-                <a:spcPts val="283"/>
-              </a:spcBef>
-              <a:buClr>
-                <a:srgbClr val="000000"/>
-              </a:buClr>
-              <a:buSzPct val="45000"/>
-              <a:buFont typeface="Wingdings" charset="2"/>
-              <a:buChar char=""/>
-            </a:pPr>
-            <a:r>
-              <a:rPr b="0" lang="en-US" sz="2000" spc="-1" strike="noStrike">
-                <a:solidFill>
-                  <a:srgbClr val="000000"/>
-                </a:solidFill>
-                <a:latin typeface="Calibri"/>
-              </a:rPr>
-              <a:t>Seventh Outline Level</a:t>
-            </a:r>
-            <a:endParaRPr b="0" lang="en-US" sz="2000" spc="-1" strike="noStrike">
-              <a:solidFill>
-                <a:srgbClr val="000000"/>
-              </a:solidFill>
-              <a:latin typeface="Calibri"/>
+              <a:latin typeface="Arial"/>
             </a:endParaRPr>
           </a:p>
         </p:txBody>
@@ -2643,7 +1835,7 @@
       </p:grpSpPr>
       <p:pic>
         <p:nvPicPr>
-          <p:cNvPr id="47" name="" descr=""/>
+          <p:cNvPr id="43" name="" descr=""/>
           <p:cNvPicPr/>
           <p:nvPr/>
         </p:nvPicPr>
@@ -2655,7 +1847,7 @@
         <p:spPr>
           <a:xfrm>
             <a:off x="22922280" y="2377440"/>
-            <a:ext cx="6113160" cy="2634840"/>
+            <a:ext cx="6112800" cy="2634480"/>
           </a:xfrm>
           <a:prstGeom prst="rect">
             <a:avLst/>
@@ -2667,14 +1859,14 @@
       </p:pic>
       <p:sp>
         <p:nvSpPr>
-          <p:cNvPr id="48" name="CustomShape 1"/>
+          <p:cNvPr id="44" name="CustomShape 1"/>
           <p:cNvSpPr/>
           <p:nvPr/>
         </p:nvSpPr>
         <p:spPr>
           <a:xfrm>
             <a:off x="0" y="15359400"/>
-            <a:ext cx="14538240" cy="7500600"/>
+            <a:ext cx="14537880" cy="7500240"/>
           </a:xfrm>
           <a:prstGeom prst="roundRect">
             <a:avLst>
@@ -2700,14 +1892,14 @@
       </p:sp>
       <p:sp>
         <p:nvSpPr>
-          <p:cNvPr id="49" name="CustomShape 2"/>
+          <p:cNvPr id="45" name="CustomShape 2"/>
           <p:cNvSpPr/>
           <p:nvPr/>
         </p:nvSpPr>
         <p:spPr>
           <a:xfrm>
             <a:off x="38160" y="28550160"/>
-            <a:ext cx="14398920" cy="14253480"/>
+            <a:ext cx="14398560" cy="14253120"/>
           </a:xfrm>
           <a:prstGeom prst="roundRect">
             <a:avLst>
@@ -2733,14 +1925,14 @@
       </p:sp>
       <p:sp>
         <p:nvSpPr>
-          <p:cNvPr id="50" name="CustomShape 3"/>
+          <p:cNvPr id="46" name="CustomShape 3"/>
           <p:cNvSpPr/>
           <p:nvPr/>
         </p:nvSpPr>
         <p:spPr>
           <a:xfrm>
             <a:off x="0" y="9073800"/>
-            <a:ext cx="14996160" cy="6285600"/>
+            <a:ext cx="14995800" cy="6285240"/>
           </a:xfrm>
           <a:prstGeom prst="roundRect">
             <a:avLst>
@@ -2766,14 +1958,14 @@
       </p:sp>
       <p:sp>
         <p:nvSpPr>
-          <p:cNvPr id="51" name="CustomShape 4"/>
+          <p:cNvPr id="47" name="CustomShape 4"/>
           <p:cNvSpPr/>
           <p:nvPr/>
         </p:nvSpPr>
         <p:spPr>
           <a:xfrm>
             <a:off x="14447520" y="17574840"/>
-            <a:ext cx="15791040" cy="20388600"/>
+            <a:ext cx="15790680" cy="20388240"/>
           </a:xfrm>
           <a:prstGeom prst="roundRect">
             <a:avLst>
@@ -2799,14 +1991,14 @@
       </p:sp>
       <p:sp>
         <p:nvSpPr>
-          <p:cNvPr id="52" name="CustomShape 5"/>
+          <p:cNvPr id="48" name="CustomShape 5"/>
           <p:cNvSpPr/>
           <p:nvPr/>
         </p:nvSpPr>
         <p:spPr>
           <a:xfrm>
             <a:off x="4989960" y="-144360"/>
-            <a:ext cx="20338920" cy="2771640"/>
+            <a:ext cx="20338560" cy="2771280"/>
           </a:xfrm>
           <a:prstGeom prst="rect">
             <a:avLst/>
@@ -2838,107 +2030,9 @@
                   <a:srgbClr val="000000"/>
                 </a:solidFill>
                 <a:latin typeface="Luxi Sans"/>
-              </a:rPr>
-              <a:t>Atomi</a:t>
-            </a:r>
-            <a:r>
-              <a:rPr b="1" lang="en-US" sz="8800" spc="-1" strike="noStrike">
-                <a:solidFill>
-                  <a:srgbClr val="000000"/>
-                </a:solidFill>
-                <a:latin typeface="Luxi Sans"/>
-              </a:rPr>
-              <a:t>stic </a:t>
-            </a:r>
-            <a:r>
-              <a:rPr b="1" lang="en-US" sz="8800" spc="-1" strike="noStrike">
-                <a:solidFill>
-                  <a:srgbClr val="000000"/>
-                </a:solidFill>
-                <a:latin typeface="Luxi Sans"/>
-              </a:rPr>
-              <a:t>modell</a:t>
-            </a:r>
-            <a:r>
-              <a:rPr b="1" lang="en-US" sz="8800" spc="-1" strike="noStrike">
-                <a:solidFill>
-                  <a:srgbClr val="000000"/>
-                </a:solidFill>
-                <a:latin typeface="Luxi Sans"/>
-              </a:rPr>
-              <a:t>ing of </a:t>
-            </a:r>
-            <a:r>
-              <a:rPr b="1" lang="en-US" sz="8800" spc="-1" strike="noStrike">
-                <a:solidFill>
-                  <a:srgbClr val="000000"/>
-                </a:solidFill>
-                <a:latin typeface="Luxi Sans"/>
-              </a:rPr>
-              <a:t>oxyge</a:t>
-            </a:r>
-            <a:r>
-              <a:rPr b="1" lang="en-US" sz="8800" spc="-1" strike="noStrike">
-                <a:solidFill>
-                  <a:srgbClr val="000000"/>
-                </a:solidFill>
-                <a:latin typeface="Luxi Sans"/>
-              </a:rPr>
-              <a:t>n </a:t>
-            </a:r>
-            <a:r>
-              <a:rPr b="1" lang="en-US" sz="8800" spc="-1" strike="noStrike">
-                <a:solidFill>
-                  <a:srgbClr val="000000"/>
-                </a:solidFill>
-                <a:latin typeface="Luxi Sans"/>
-              </a:rPr>
-              <a:t>solute </a:t>
-            </a:r>
-            <a:r>
-              <a:rPr b="1" lang="en-US" sz="8800" spc="-1" strike="noStrike">
-                <a:solidFill>
-                  <a:srgbClr val="000000"/>
-                </a:solidFill>
-                <a:latin typeface="Luxi Sans"/>
-              </a:rPr>
-              <a:t>harde</a:t>
-            </a:r>
-            <a:r>
-              <a:rPr b="1" lang="en-US" sz="8800" spc="-1" strike="noStrike">
-                <a:solidFill>
-                  <a:srgbClr val="000000"/>
-                </a:solidFill>
-                <a:latin typeface="Luxi Sans"/>
-              </a:rPr>
-              <a:t>ning in </a:t>
-            </a:r>
-            <a:r>
-              <a:rPr b="1" lang="en-US" sz="8800" spc="-1" strike="noStrike">
-                <a:solidFill>
-                  <a:srgbClr val="000000"/>
-                </a:solidFill>
-                <a:latin typeface="Luxi Sans"/>
-              </a:rPr>
-              <a:t>titaniu</a:t>
-            </a:r>
-            <a:r>
-              <a:rPr b="1" lang="en-US" sz="8800" spc="-1" strike="noStrike">
-                <a:solidFill>
-                  <a:srgbClr val="000000"/>
-                </a:solidFill>
-                <a:latin typeface="Luxi Sans"/>
-              </a:rPr>
-              <a:t>m </a:t>
-            </a:r>
-            <a:r>
-              <a:rPr b="1" lang="en-US" sz="8800" spc="-1" strike="noStrike">
-                <a:solidFill>
-                  <a:srgbClr val="000000"/>
-                </a:solidFill>
-                <a:latin typeface="Luxi Sans"/>
-              </a:rPr>
-              <a:t>alloys.</a:t>
+                <a:ea typeface="DejaVu Sans"/>
+              </a:rPr>
+              <a:t>Atomistic modelling of oxygen solute hardening in titanium alloys.</a:t>
             </a:r>
             <a:endParaRPr b="0" lang="en-US" sz="8800" spc="-1" strike="noStrike">
               <a:latin typeface="Arial"/>
@@ -2948,7 +2042,7 @@
       </p:sp>
       <p:sp>
         <p:nvSpPr>
-          <p:cNvPr id="53" name="Line 6"/>
+          <p:cNvPr id="49" name="Line 6"/>
           <p:cNvSpPr/>
           <p:nvPr/>
         </p:nvSpPr>
@@ -2976,14 +2070,14 @@
       </p:sp>
       <p:sp>
         <p:nvSpPr>
-          <p:cNvPr id="54" name="CustomShape 7"/>
+          <p:cNvPr id="50" name="CustomShape 7"/>
           <p:cNvSpPr/>
           <p:nvPr/>
         </p:nvSpPr>
         <p:spPr>
           <a:xfrm>
             <a:off x="7986240" y="3291840"/>
-            <a:ext cx="14747400" cy="970920"/>
+            <a:ext cx="14747040" cy="970560"/>
           </a:xfrm>
           <a:prstGeom prst="rect">
             <a:avLst/>
@@ -3017,57 +2111,7 @@
                 <a:latin typeface="Arial"/>
                 <a:ea typeface="Times New Roman"/>
               </a:rPr>
-              <a:t>Tigany </a:t>
-            </a:r>
-            <a:r>
-              <a:rPr b="1" lang="en-US" sz="5400" spc="-1" strike="noStrike">
-                <a:solidFill>
-                  <a:srgbClr val="333333"/>
-                </a:solidFill>
-                <a:latin typeface="Arial"/>
-                <a:ea typeface="Times New Roman"/>
-              </a:rPr>
-              <a:t>Zarrouk, </a:t>
-            </a:r>
-            <a:r>
-              <a:rPr b="1" lang="en-US" sz="5400" spc="-1" strike="noStrike">
-                <a:solidFill>
-                  <a:srgbClr val="333333"/>
-                </a:solidFill>
-                <a:latin typeface="Arial"/>
-                <a:ea typeface="Times New Roman"/>
-              </a:rPr>
-              <a:t>Tony </a:t>
-            </a:r>
-            <a:r>
-              <a:rPr b="1" lang="en-US" sz="5400" spc="-1" strike="noStrike">
-                <a:solidFill>
-                  <a:srgbClr val="333333"/>
-                </a:solidFill>
-                <a:latin typeface="Arial"/>
-                <a:ea typeface="Times New Roman"/>
-              </a:rPr>
-              <a:t>Paxton </a:t>
-            </a:r>
-            <a:r>
-              <a:rPr b="1" lang="en-US" sz="5400" spc="-1" strike="noStrike">
-                <a:solidFill>
-                  <a:srgbClr val="333333"/>
-                </a:solidFill>
-                <a:latin typeface="Arial"/>
-                <a:ea typeface="Times New Roman"/>
-              </a:rPr>
-              <a:t>and Dave </a:t>
-            </a:r>
-            <a:r>
-              <a:rPr b="1" lang="en-US" sz="5400" spc="-1" strike="noStrike">
-                <a:solidFill>
-                  <a:srgbClr val="333333"/>
-                </a:solidFill>
-                <a:latin typeface="Arial"/>
-                <a:ea typeface="Times New Roman"/>
-              </a:rPr>
-              <a:t>Rugg</a:t>
+              <a:t>Tigany Zarrouk, Tony Paxton and Dave Rugg</a:t>
             </a:r>
             <a:endParaRPr b="0" lang="en-US" sz="5400" spc="-1" strike="noStrike">
               <a:latin typeface="Arial"/>
@@ -3077,14 +2121,14 @@
       </p:sp>
       <p:sp>
         <p:nvSpPr>
-          <p:cNvPr id="55" name="CustomShape 8"/>
+          <p:cNvPr id="51" name="CustomShape 8"/>
           <p:cNvSpPr/>
           <p:nvPr/>
         </p:nvSpPr>
         <p:spPr>
           <a:xfrm>
             <a:off x="-91080" y="3988440"/>
-            <a:ext cx="18287640" cy="1040760"/>
+            <a:ext cx="18287280" cy="1040400"/>
           </a:xfrm>
           <a:prstGeom prst="rect">
             <a:avLst/>
@@ -3119,26 +2163,9 @@
                   <a:srgbClr val="000000"/>
                 </a:solidFill>
                 <a:latin typeface="Arial"/>
-              </a:rPr>
-              <a:t>Email: </a:t>
-            </a:r>
-            <a:r>
-              <a:rPr b="0" lang="en-US" sz="2800" spc="-1" strike="noStrike">
-                <a:solidFill>
-                  <a:srgbClr val="000000"/>
-                </a:solidFill>
-                <a:latin typeface="Arial"/>
-              </a:rPr>
-              <a:t>tigany.zarrouk@kcl.ac.</a:t>
-            </a:r>
-            <a:r>
-              <a:rPr b="0" lang="en-US" sz="2800" spc="-1" strike="noStrike">
-                <a:solidFill>
-                  <a:srgbClr val="000000"/>
-                </a:solidFill>
-                <a:latin typeface="Arial"/>
-              </a:rPr>
-              <a:t>uk</a:t>
+                <a:ea typeface="DejaVu Sans"/>
+              </a:rPr>
+              <a:t>Email: tigany.zarrouk@kcl.ac.uk</a:t>
             </a:r>
             <a:r>
               <a:rPr b="0" i="1" lang="en-US" sz="2800" spc="-1" strike="noStrike" baseline="30000">
@@ -3171,37 +2198,7 @@
                 <a:latin typeface="Arial"/>
                 <a:ea typeface="MS Mincho"/>
               </a:rPr>
-              <a:t>Department of Physics, </a:t>
-            </a:r>
-            <a:r>
-              <a:rPr b="0" lang="en-US" sz="2800" spc="-1" strike="noStrike">
-                <a:solidFill>
-                  <a:srgbClr val="000000"/>
-                </a:solidFill>
-                <a:latin typeface="Arial"/>
-                <a:ea typeface="MS Mincho"/>
-              </a:rPr>
-              <a:t>King's College London, </a:t>
-            </a:r>
-            <a:r>
-              <a:rPr b="0" lang="en-US" sz="2800" spc="-1" strike="noStrike">
-                <a:solidFill>
-                  <a:srgbClr val="000000"/>
-                </a:solidFill>
-                <a:latin typeface="Arial"/>
-                <a:ea typeface="MS Mincho"/>
-              </a:rPr>
-              <a:t>Strand, London WC2R </a:t>
-            </a:r>
-            <a:r>
-              <a:rPr b="0" lang="en-US" sz="2800" spc="-1" strike="noStrike">
-                <a:solidFill>
-                  <a:srgbClr val="000000"/>
-                </a:solidFill>
-                <a:latin typeface="Arial"/>
-                <a:ea typeface="MS Mincho"/>
-              </a:rPr>
-              <a:t>2LS, UK</a:t>
+              <a:t>Department of Physics, King's College London, Strand, London WC2R 2LS, UK</a:t>
             </a:r>
             <a:endParaRPr b="0" lang="en-US" sz="2800" spc="-1" strike="noStrike">
               <a:latin typeface="Arial"/>
@@ -3211,7 +2208,7 @@
       </p:sp>
       <p:pic>
         <p:nvPicPr>
-          <p:cNvPr id="56" name="Picture 5" descr=""/>
+          <p:cNvPr id="52" name="Picture 5" descr=""/>
           <p:cNvPicPr/>
           <p:nvPr/>
         </p:nvPicPr>
@@ -3222,7 +2219,7 @@
         <p:spPr>
           <a:xfrm>
             <a:off x="23400" y="-32400"/>
-            <a:ext cx="4966560" cy="3979080"/>
+            <a:ext cx="4966200" cy="3978720"/>
           </a:xfrm>
           <a:prstGeom prst="rect">
             <a:avLst/>
@@ -3234,14 +2231,14 @@
       </p:pic>
       <p:sp>
         <p:nvSpPr>
-          <p:cNvPr id="57" name="CustomShape 9"/>
+          <p:cNvPr id="53" name="CustomShape 9"/>
           <p:cNvSpPr/>
           <p:nvPr/>
         </p:nvSpPr>
         <p:spPr>
           <a:xfrm>
             <a:off x="25912080" y="13602600"/>
-            <a:ext cx="106560" cy="115560"/>
+            <a:ext cx="106200" cy="115200"/>
           </a:xfrm>
           <a:prstGeom prst="ellipse">
             <a:avLst/>
@@ -3260,14 +2257,14 @@
       </p:sp>
       <p:sp>
         <p:nvSpPr>
-          <p:cNvPr id="58" name="CustomShape 10"/>
+          <p:cNvPr id="54" name="CustomShape 10"/>
           <p:cNvSpPr/>
           <p:nvPr/>
         </p:nvSpPr>
         <p:spPr>
           <a:xfrm>
             <a:off x="28185480" y="12013920"/>
-            <a:ext cx="106560" cy="113760"/>
+            <a:ext cx="106200" cy="113400"/>
           </a:xfrm>
           <a:prstGeom prst="ellipse">
             <a:avLst/>
@@ -3286,14 +2283,14 @@
       </p:sp>
       <p:sp>
         <p:nvSpPr>
-          <p:cNvPr id="59" name="CustomShape 11"/>
+          <p:cNvPr id="55" name="CustomShape 11"/>
           <p:cNvSpPr/>
           <p:nvPr/>
         </p:nvSpPr>
         <p:spPr>
           <a:xfrm>
             <a:off x="15113520" y="18379440"/>
-            <a:ext cx="14904720" cy="1673640"/>
+            <a:ext cx="14904360" cy="1673640"/>
           </a:xfrm>
           <a:prstGeom prst="rect">
             <a:avLst/>
@@ -3325,60 +2322,16 @@
                   <a:srgbClr val="000000"/>
                 </a:solidFill>
                 <a:latin typeface="Arial"/>
-              </a:rPr>
-              <a:t>Gamma surfaces are </a:t>
-            </a:r>
-            <a:r>
-              <a:rPr b="1" i="1" lang="en-US" sz="2600" spc="-1" strike="noStrike">
-                <a:solidFill>
-                  <a:srgbClr val="000000"/>
-                </a:solidFill>
-                <a:latin typeface="Arial"/>
-              </a:rPr>
-              <a:t>plots of the excess </a:t>
-            </a:r>
-            <a:r>
-              <a:rPr b="1" i="1" lang="en-US" sz="2600" spc="-1" strike="noStrike">
-                <a:solidFill>
-                  <a:srgbClr val="000000"/>
-                </a:solidFill>
-                <a:latin typeface="Arial"/>
-              </a:rPr>
-              <a:t>energy of a faulted </a:t>
-            </a:r>
-            <a:r>
-              <a:rPr b="1" i="1" lang="en-US" sz="2600" spc="-1" strike="noStrike">
-                <a:solidFill>
-                  <a:srgbClr val="000000"/>
-                </a:solidFill>
-                <a:latin typeface="Arial"/>
-              </a:rPr>
-              <a:t>lattice, compared to an </a:t>
-            </a:r>
-            <a:r>
-              <a:rPr b="1" i="1" lang="en-US" sz="2600" spc="-1" strike="noStrike">
-                <a:solidFill>
-                  <a:srgbClr val="000000"/>
-                </a:solidFill>
-                <a:latin typeface="Arial"/>
-              </a:rPr>
-              <a:t>unfaulted one, with </a:t>
-            </a:r>
-            <a:r>
-              <a:rPr b="1" i="1" lang="en-US" sz="2600" spc="-1" strike="noStrike">
-                <a:solidFill>
-                  <a:srgbClr val="000000"/>
-                </a:solidFill>
-                <a:latin typeface="Arial"/>
-              </a:rPr>
-              <a:t>respect to fault vector. </a:t>
+                <a:ea typeface="DejaVu Sans"/>
+              </a:rPr>
+              <a:t>Gamma surfaces are plots of the excess energy of a faulted lattice, compared to an unfaulted one, with respect to fault vector. </a:t>
             </a:r>
             <a:endParaRPr b="0" lang="en-US" sz="2600" spc="-1" strike="noStrike">
               <a:latin typeface="Arial"/>
             </a:endParaRPr>
           </a:p>
           <a:p>
-            <a:pPr marL="216000" indent="-216000">
+            <a:pPr marL="216000" indent="-215640">
               <a:lnSpc>
                 <a:spcPct val="100000"/>
               </a:lnSpc>
@@ -3395,33 +2348,16 @@
                   <a:srgbClr val="000000"/>
                 </a:solidFill>
                 <a:latin typeface="Arial"/>
-              </a:rPr>
-              <a:t>Minima show areas </a:t>
-            </a:r>
-            <a:r>
-              <a:rPr b="1" i="1" lang="en-US" sz="2600" spc="-1" strike="noStrike">
-                <a:solidFill>
-                  <a:srgbClr val="000000"/>
-                </a:solidFill>
-                <a:latin typeface="Arial"/>
-              </a:rPr>
-              <a:t>where stable stacking </a:t>
-            </a:r>
-            <a:r>
-              <a:rPr b="1" i="1" lang="en-US" sz="2600" spc="-1" strike="noStrike">
-                <a:solidFill>
-                  <a:srgbClr val="000000"/>
-                </a:solidFill>
-                <a:latin typeface="Arial"/>
-              </a:rPr>
-              <a:t>faults occur.</a:t>
+                <a:ea typeface="DejaVu Sans"/>
+              </a:rPr>
+              <a:t>Minima show areas where stable stacking faults occur.</a:t>
             </a:r>
             <a:endParaRPr b="0" lang="en-US" sz="2600" spc="-1" strike="noStrike">
               <a:latin typeface="Arial"/>
             </a:endParaRPr>
           </a:p>
           <a:p>
-            <a:pPr marL="216000" indent="-216000">
+            <a:pPr marL="216000" indent="-215640">
               <a:lnSpc>
                 <a:spcPct val="100000"/>
               </a:lnSpc>
@@ -3438,35 +2374,9 @@
                   <a:srgbClr val="000000"/>
                 </a:solidFill>
                 <a:latin typeface="Arial"/>
-              </a:rPr>
-              <a:t>These predict </a:t>
-            </a:r>
-            <a:r>
-              <a:rPr b="1" i="1" lang="en-US" sz="2600" spc="-1" strike="noStrike">
-                <a:solidFill>
-                  <a:srgbClr val="000000"/>
-                </a:solidFill>
-                <a:latin typeface="Arial"/>
-              </a:rPr>
-              <a:t>possible dislocation </a:t>
-            </a:r>
-            <a:r>
-              <a:rPr b="1" i="1" lang="en-US" sz="2600" spc="-1" strike="noStrike">
-                <a:solidFill>
-                  <a:srgbClr val="000000"/>
-                </a:solidFill>
-                <a:latin typeface="Arial"/>
-              </a:rPr>
-              <a:t>dissociations in the </a:t>
-            </a:r>
-            <a:r>
-              <a:rPr b="1" i="1" lang="en-US" sz="2600" spc="-1" strike="noStrike">
-                <a:solidFill>
-                  <a:srgbClr val="000000"/>
-                </a:solidFill>
-                <a:latin typeface="Arial"/>
-              </a:rPr>
-              <a:t>model. </a:t>
+                <a:ea typeface="DejaVu Sans"/>
+              </a:rPr>
+              <a:t>These predict possible dislocation dissociations in the model. </a:t>
             </a:r>
             <a:endParaRPr b="0" lang="en-US" sz="2600" spc="-1" strike="noStrike">
               <a:latin typeface="Arial"/>
@@ -3476,14 +2386,14 @@
       </p:sp>
       <p:sp>
         <p:nvSpPr>
-          <p:cNvPr id="60" name="CustomShape 12"/>
+          <p:cNvPr id="56" name="CustomShape 12"/>
           <p:cNvSpPr/>
           <p:nvPr/>
         </p:nvSpPr>
         <p:spPr>
           <a:xfrm>
             <a:off x="0" y="5104080"/>
-            <a:ext cx="30238560" cy="4314240"/>
+            <a:ext cx="30238200" cy="4313880"/>
           </a:xfrm>
           <a:prstGeom prst="roundRect">
             <a:avLst>
@@ -3509,14 +2419,14 @@
       </p:sp>
       <p:sp>
         <p:nvSpPr>
-          <p:cNvPr id="61" name="CustomShape 13"/>
+          <p:cNvPr id="57" name="CustomShape 13"/>
           <p:cNvSpPr/>
           <p:nvPr/>
         </p:nvSpPr>
         <p:spPr>
           <a:xfrm>
             <a:off x="457200" y="5012640"/>
-            <a:ext cx="29781360" cy="4112280"/>
+            <a:ext cx="29781000" cy="4111920"/>
           </a:xfrm>
           <a:prstGeom prst="rect">
             <a:avLst/>
@@ -3548,51 +2458,16 @@
                   <a:srgbClr val="000000"/>
                 </a:solidFill>
                 <a:latin typeface="Arial"/>
-              </a:rPr>
-              <a:t>Screw </a:t>
-            </a:r>
-            <a:r>
-              <a:rPr b="1" i="1" lang="en-US" sz="4400" spc="-1" strike="noStrike">
-                <a:solidFill>
-                  <a:srgbClr val="000000"/>
-                </a:solidFill>
-                <a:latin typeface="Arial"/>
-              </a:rPr>
-              <a:t>dislocations </a:t>
-            </a:r>
-            <a:r>
-              <a:rPr b="1" i="1" lang="en-US" sz="4400" spc="-1" strike="noStrike">
-                <a:solidFill>
-                  <a:srgbClr val="000000"/>
-                </a:solidFill>
-                <a:latin typeface="Arial"/>
-              </a:rPr>
-              <a:t>control </a:t>
-            </a:r>
-            <a:r>
-              <a:rPr b="1" i="1" lang="en-US" sz="4400" spc="-1" strike="noStrike">
-                <a:solidFill>
-                  <a:srgbClr val="000000"/>
-                </a:solidFill>
-                <a:latin typeface="Arial"/>
-              </a:rPr>
-              <a:t>plasticity in </a:t>
-            </a:r>
-            <a:r>
-              <a:rPr b="1" i="1" lang="en-US" sz="4400" spc="-1" strike="noStrike">
-                <a:solidFill>
-                  <a:srgbClr val="000000"/>
-                </a:solidFill>
-                <a:latin typeface="Arial"/>
-              </a:rPr>
-              <a:t>titanium.</a:t>
+                <a:ea typeface="DejaVu Sans"/>
+              </a:rPr>
+              <a:t>Screw dislocations control plasticity in titanium.</a:t>
             </a:r>
             <a:endParaRPr b="0" lang="en-US" sz="4400" spc="-1" strike="noStrike">
               <a:latin typeface="Arial"/>
             </a:endParaRPr>
           </a:p>
           <a:p>
-            <a:pPr lvl="1" marL="1028880" indent="-571320">
+            <a:pPr lvl="1" marL="1028880" indent="-570960">
               <a:lnSpc>
                 <a:spcPct val="100000"/>
               </a:lnSpc>
@@ -3608,78 +2483,16 @@
                   <a:srgbClr val="000000"/>
                 </a:solidFill>
                 <a:latin typeface="Arial"/>
-              </a:rPr>
-              <a:t>Solute-</a:t>
-            </a:r>
-            <a:r>
-              <a:rPr b="1" i="1" lang="en-US" sz="4400" spc="-1" strike="noStrike">
-                <a:solidFill>
-                  <a:srgbClr val="000000"/>
-                </a:solidFill>
-                <a:latin typeface="Arial"/>
-              </a:rPr>
-              <a:t>hardenin</a:t>
-            </a:r>
-            <a:r>
-              <a:rPr b="1" i="1" lang="en-US" sz="4400" spc="-1" strike="noStrike">
-                <a:solidFill>
-                  <a:srgbClr val="000000"/>
-                </a:solidFill>
-                <a:latin typeface="Arial"/>
-              </a:rPr>
-              <a:t>g is not </a:t>
-            </a:r>
-            <a:r>
-              <a:rPr b="1" i="1" lang="en-US" sz="4400" spc="-1" strike="noStrike">
-                <a:solidFill>
-                  <a:srgbClr val="000000"/>
-                </a:solidFill>
-                <a:latin typeface="Arial"/>
-              </a:rPr>
-              <a:t>well </a:t>
-            </a:r>
-            <a:r>
-              <a:rPr b="1" i="1" lang="en-US" sz="4400" spc="-1" strike="noStrike">
-                <a:solidFill>
-                  <a:srgbClr val="000000"/>
-                </a:solidFill>
-                <a:latin typeface="Arial"/>
-              </a:rPr>
-              <a:t>understo</a:t>
-            </a:r>
-            <a:r>
-              <a:rPr b="1" i="1" lang="en-US" sz="4400" spc="-1" strike="noStrike">
-                <a:solidFill>
-                  <a:srgbClr val="000000"/>
-                </a:solidFill>
-                <a:latin typeface="Arial"/>
-              </a:rPr>
-              <a:t>od on an </a:t>
-            </a:r>
-            <a:r>
-              <a:rPr b="1" i="1" lang="en-US" sz="4400" spc="-1" strike="noStrike">
-                <a:solidFill>
-                  <a:srgbClr val="000000"/>
-                </a:solidFill>
-                <a:latin typeface="Arial"/>
-              </a:rPr>
-              <a:t>atomistic </a:t>
-            </a:r>
-            <a:r>
-              <a:rPr b="1" i="1" lang="en-US" sz="4400" spc="-1" strike="noStrike">
-                <a:solidFill>
-                  <a:srgbClr val="000000"/>
-                </a:solidFill>
-                <a:latin typeface="Arial"/>
-              </a:rPr>
-              <a:t>scale.</a:t>
+                <a:ea typeface="DejaVu Sans"/>
+              </a:rPr>
+              <a:t>Solute-hardening is not well understood on an atomistic scale.</a:t>
             </a:r>
             <a:endParaRPr b="0" lang="en-US" sz="4400" spc="-1" strike="noStrike">
               <a:latin typeface="Arial"/>
             </a:endParaRPr>
           </a:p>
           <a:p>
-            <a:pPr lvl="1" marL="1028880" indent="-571320">
+            <a:pPr lvl="1" marL="1028880" indent="-570960">
               <a:lnSpc>
                 <a:spcPct val="100000"/>
               </a:lnSpc>
@@ -3695,78 +2508,16 @@
                   <a:srgbClr val="000000"/>
                 </a:solidFill>
                 <a:latin typeface="Arial"/>
-              </a:rPr>
-              <a:t>Ab initio </a:t>
-            </a:r>
-            <a:r>
-              <a:rPr b="1" i="1" lang="en-US" sz="4400" spc="-1" strike="noStrike">
-                <a:solidFill>
-                  <a:srgbClr val="000000"/>
-                </a:solidFill>
-                <a:latin typeface="Arial"/>
-              </a:rPr>
-              <a:t>quantum </a:t>
-            </a:r>
-            <a:r>
-              <a:rPr b="1" i="1" lang="en-US" sz="4400" spc="-1" strike="noStrike">
-                <a:solidFill>
-                  <a:srgbClr val="000000"/>
-                </a:solidFill>
-                <a:latin typeface="Arial"/>
-              </a:rPr>
-              <a:t>mechanic</a:t>
-            </a:r>
-            <a:r>
-              <a:rPr b="1" i="1" lang="en-US" sz="4400" spc="-1" strike="noStrike">
-                <a:solidFill>
-                  <a:srgbClr val="000000"/>
-                </a:solidFill>
-                <a:latin typeface="Arial"/>
-              </a:rPr>
-              <a:t>s is too </a:t>
-            </a:r>
-            <a:r>
-              <a:rPr b="1" i="1" lang="en-US" sz="4400" spc="-1" strike="noStrike">
-                <a:solidFill>
-                  <a:srgbClr val="000000"/>
-                </a:solidFill>
-                <a:latin typeface="Arial"/>
-              </a:rPr>
-              <a:t>computat</a:t>
-            </a:r>
-            <a:r>
-              <a:rPr b="1" i="1" lang="en-US" sz="4400" spc="-1" strike="noStrike">
-                <a:solidFill>
-                  <a:srgbClr val="000000"/>
-                </a:solidFill>
-                <a:latin typeface="Arial"/>
-              </a:rPr>
-              <a:t>ionally </a:t>
-            </a:r>
-            <a:r>
-              <a:rPr b="1" i="1" lang="en-US" sz="4400" spc="-1" strike="noStrike">
-                <a:solidFill>
-                  <a:srgbClr val="000000"/>
-                </a:solidFill>
-                <a:latin typeface="Arial"/>
-              </a:rPr>
-              <a:t>expensiv</a:t>
-            </a:r>
-            <a:r>
-              <a:rPr b="1" i="1" lang="en-US" sz="4400" spc="-1" strike="noStrike">
-                <a:solidFill>
-                  <a:srgbClr val="000000"/>
-                </a:solidFill>
-                <a:latin typeface="Arial"/>
-              </a:rPr>
-              <a:t>e.</a:t>
+                <a:ea typeface="DejaVu Sans"/>
+              </a:rPr>
+              <a:t>Ab initio quantum mechanics is too computationally expensive.</a:t>
             </a:r>
             <a:endParaRPr b="0" lang="en-US" sz="4400" spc="-1" strike="noStrike">
               <a:latin typeface="Arial"/>
             </a:endParaRPr>
           </a:p>
           <a:p>
-            <a:pPr lvl="1" marL="1028880" indent="-571320">
+            <a:pPr lvl="1" marL="1028880" indent="-570960">
               <a:lnSpc>
                 <a:spcPct val="100000"/>
               </a:lnSpc>
@@ -3782,96 +2533,16 @@
                   <a:srgbClr val="000000"/>
                 </a:solidFill>
                 <a:latin typeface="Arial"/>
-              </a:rPr>
-              <a:t>Tight-</a:t>
-            </a:r>
-            <a:r>
-              <a:rPr b="1" i="1" lang="en-US" sz="4400" spc="-1" strike="noStrike">
-                <a:solidFill>
-                  <a:srgbClr val="000000"/>
-                </a:solidFill>
-                <a:latin typeface="Arial"/>
-              </a:rPr>
-              <a:t>binding </a:t>
-            </a:r>
-            <a:r>
-              <a:rPr b="1" i="1" lang="en-US" sz="4400" spc="-1" strike="noStrike">
-                <a:solidFill>
-                  <a:srgbClr val="000000"/>
-                </a:solidFill>
-                <a:latin typeface="Arial"/>
-              </a:rPr>
-              <a:t>approxim</a:t>
-            </a:r>
-            <a:r>
-              <a:rPr b="1" i="1" lang="en-US" sz="4400" spc="-1" strike="noStrike">
-                <a:solidFill>
-                  <a:srgbClr val="000000"/>
-                </a:solidFill>
-                <a:latin typeface="Arial"/>
-              </a:rPr>
-              <a:t>ation is </a:t>
-            </a:r>
-            <a:r>
-              <a:rPr b="1" i="1" lang="en-US" sz="4400" spc="-1" strike="noStrike">
-                <a:solidFill>
-                  <a:srgbClr val="000000"/>
-                </a:solidFill>
-                <a:latin typeface="Arial"/>
-              </a:rPr>
-              <a:t>quantum </a:t>
-            </a:r>
-            <a:r>
-              <a:rPr b="1" i="1" lang="en-US" sz="4400" spc="-1" strike="noStrike">
-                <a:solidFill>
-                  <a:srgbClr val="000000"/>
-                </a:solidFill>
-                <a:latin typeface="Arial"/>
-              </a:rPr>
-              <a:t>mechanic</a:t>
-            </a:r>
-            <a:r>
-              <a:rPr b="1" i="1" lang="en-US" sz="4400" spc="-1" strike="noStrike">
-                <a:solidFill>
-                  <a:srgbClr val="000000"/>
-                </a:solidFill>
-                <a:latin typeface="Arial"/>
-              </a:rPr>
-              <a:t>al yet </a:t>
-            </a:r>
-            <a:r>
-              <a:rPr b="1" i="1" lang="en-US" sz="4400" spc="-1" strike="noStrike">
-                <a:solidFill>
-                  <a:srgbClr val="000000"/>
-                </a:solidFill>
-                <a:latin typeface="Arial"/>
-              </a:rPr>
-              <a:t>less </a:t>
-            </a:r>
-            <a:r>
-              <a:rPr b="1" i="1" lang="en-US" sz="4400" spc="-1" strike="noStrike">
-                <a:solidFill>
-                  <a:srgbClr val="000000"/>
-                </a:solidFill>
-                <a:latin typeface="Arial"/>
-              </a:rPr>
-              <a:t>expensiv</a:t>
-            </a:r>
-            <a:r>
-              <a:rPr b="1" i="1" lang="en-US" sz="4400" spc="-1" strike="noStrike">
-                <a:solidFill>
-                  <a:srgbClr val="000000"/>
-                </a:solidFill>
-                <a:latin typeface="Arial"/>
-              </a:rPr>
-              <a:t>e. </a:t>
+                <a:ea typeface="DejaVu Sans"/>
+              </a:rPr>
+              <a:t>Tight-binding approximation is quantum mechanical yet less expensive. </a:t>
             </a:r>
             <a:endParaRPr b="0" lang="en-US" sz="4400" spc="-1" strike="noStrike">
               <a:latin typeface="Arial"/>
             </a:endParaRPr>
           </a:p>
           <a:p>
-            <a:pPr lvl="1" marL="1028880" indent="-571320">
+            <a:pPr lvl="1" marL="1028880" indent="-570960">
               <a:lnSpc>
                 <a:spcPct val="100000"/>
               </a:lnSpc>
@@ -3887,161 +2558,9 @@
                   <a:srgbClr val="000000"/>
                 </a:solidFill>
                 <a:latin typeface="Arial"/>
-              </a:rPr>
-              <a:t>We have </a:t>
-            </a:r>
-            <a:r>
-              <a:rPr b="1" i="1" lang="en-US" sz="4400" spc="-1" strike="noStrike">
-                <a:solidFill>
-                  <a:srgbClr val="000000"/>
-                </a:solidFill>
-                <a:latin typeface="Arial"/>
-              </a:rPr>
-              <a:t>made a </a:t>
-            </a:r>
-            <a:r>
-              <a:rPr b="1" i="1" lang="en-US" sz="4400" spc="-1" strike="noStrike">
-                <a:solidFill>
-                  <a:srgbClr val="000000"/>
-                </a:solidFill>
-                <a:latin typeface="Arial"/>
-              </a:rPr>
-              <a:t>tight-</a:t>
-            </a:r>
-            <a:r>
-              <a:rPr b="1" i="1" lang="en-US" sz="4400" spc="-1" strike="noStrike">
-                <a:solidFill>
-                  <a:srgbClr val="000000"/>
-                </a:solidFill>
-                <a:latin typeface="Arial"/>
-              </a:rPr>
-              <a:t>binding </a:t>
-            </a:r>
-            <a:r>
-              <a:rPr b="1" i="1" lang="en-US" sz="4400" spc="-1" strike="noStrike">
-                <a:solidFill>
-                  <a:srgbClr val="000000"/>
-                </a:solidFill>
-                <a:latin typeface="Arial"/>
-              </a:rPr>
-              <a:t>model for </a:t>
-            </a:r>
-            <a:r>
-              <a:rPr b="1" i="1" lang="en-US" sz="4400" spc="-1" strike="noStrike">
-                <a:solidFill>
-                  <a:srgbClr val="000000"/>
-                </a:solidFill>
-                <a:latin typeface="Arial"/>
-              </a:rPr>
-              <a:t>titanium </a:t>
-            </a:r>
-            <a:r>
-              <a:rPr b="1" i="1" lang="en-US" sz="4400" spc="-1" strike="noStrike">
-                <a:solidFill>
-                  <a:srgbClr val="000000"/>
-                </a:solidFill>
-                <a:latin typeface="Arial"/>
-              </a:rPr>
-              <a:t>with </a:t>
-            </a:r>
-            <a:r>
-              <a:rPr b="1" i="1" lang="en-US" sz="4400" spc="-1" strike="noStrike">
-                <a:solidFill>
-                  <a:srgbClr val="000000"/>
-                </a:solidFill>
-                <a:latin typeface="Arial"/>
-              </a:rPr>
-              <a:t>which we </a:t>
-            </a:r>
-            <a:r>
-              <a:rPr b="1" i="1" lang="en-US" sz="4400" spc="-1" strike="noStrike">
-                <a:solidFill>
-                  <a:srgbClr val="000000"/>
-                </a:solidFill>
-                <a:latin typeface="Arial"/>
-              </a:rPr>
-              <a:t>can </a:t>
-            </a:r>
-            <a:r>
-              <a:rPr b="1" i="1" lang="en-US" sz="4400" spc="-1" strike="noStrike">
-                <a:solidFill>
-                  <a:srgbClr val="000000"/>
-                </a:solidFill>
-                <a:latin typeface="Arial"/>
-              </a:rPr>
-              <a:t>investigat</a:t>
-            </a:r>
-            <a:r>
-              <a:rPr b="1" i="1" lang="en-US" sz="4400" spc="-1" strike="noStrike">
-                <a:solidFill>
-                  <a:srgbClr val="000000"/>
-                </a:solidFill>
-                <a:latin typeface="Arial"/>
-              </a:rPr>
-              <a:t>e </a:t>
-            </a:r>
-            <a:r>
-              <a:rPr b="1" i="1" lang="en-US" sz="4400" spc="-1" strike="noStrike">
-                <a:solidFill>
-                  <a:srgbClr val="000000"/>
-                </a:solidFill>
-                <a:latin typeface="Arial"/>
-              </a:rPr>
-              <a:t>atomistic </a:t>
-            </a:r>
-            <a:r>
-              <a:rPr b="1" i="1" lang="en-US" sz="4400" spc="-1" strike="noStrike">
-                <a:solidFill>
-                  <a:srgbClr val="000000"/>
-                </a:solidFill>
-                <a:latin typeface="Arial"/>
-              </a:rPr>
-              <a:t>mechanis</a:t>
-            </a:r>
-            <a:r>
-              <a:rPr b="1" i="1" lang="en-US" sz="4400" spc="-1" strike="noStrike">
-                <a:solidFill>
-                  <a:srgbClr val="000000"/>
-                </a:solidFill>
-                <a:latin typeface="Arial"/>
-              </a:rPr>
-              <a:t>ms for </a:t>
-            </a:r>
-            <a:r>
-              <a:rPr b="1" i="1" lang="en-US" sz="4400" spc="-1" strike="noStrike">
-                <a:solidFill>
-                  <a:srgbClr val="000000"/>
-                </a:solidFill>
-                <a:latin typeface="Arial"/>
-              </a:rPr>
-              <a:t>oxygen </a:t>
-            </a:r>
-            <a:r>
-              <a:rPr b="1" i="1" lang="en-US" sz="4400" spc="-1" strike="noStrike">
-                <a:solidFill>
-                  <a:srgbClr val="000000"/>
-                </a:solidFill>
-                <a:latin typeface="Arial"/>
-              </a:rPr>
-              <a:t>solute-</a:t>
-            </a:r>
-            <a:r>
-              <a:rPr b="1" i="1" lang="en-US" sz="4400" spc="-1" strike="noStrike">
-                <a:solidFill>
-                  <a:srgbClr val="000000"/>
-                </a:solidFill>
-                <a:latin typeface="Arial"/>
-              </a:rPr>
-              <a:t>hardenin</a:t>
-            </a:r>
-            <a:r>
-              <a:rPr b="1" i="1" lang="en-US" sz="4400" spc="-1" strike="noStrike">
-                <a:solidFill>
-                  <a:srgbClr val="000000"/>
-                </a:solidFill>
-                <a:latin typeface="Arial"/>
-              </a:rPr>
-              <a:t>g.</a:t>
+                <a:ea typeface="DejaVu Sans"/>
+              </a:rPr>
+              <a:t>We have made a tight-binding model for titanium with which we can investigate atomistic mechanisms for oxygen solute-hardening.</a:t>
             </a:r>
             <a:endParaRPr b="0" lang="en-US" sz="4400" spc="-1" strike="noStrike">
               <a:latin typeface="Arial"/>
@@ -4051,14 +2570,14 @@
       </p:sp>
       <p:sp>
         <p:nvSpPr>
-          <p:cNvPr id="62" name="CustomShape 14"/>
+          <p:cNvPr id="58" name="CustomShape 14"/>
           <p:cNvSpPr/>
           <p:nvPr/>
         </p:nvSpPr>
         <p:spPr>
           <a:xfrm>
             <a:off x="14732280" y="38221920"/>
-            <a:ext cx="15077160" cy="2528280"/>
+            <a:ext cx="15076800" cy="2527920"/>
           </a:xfrm>
           <a:prstGeom prst="rect">
             <a:avLst/>
@@ -4093,6 +2612,7 @@
                   <a:srgbClr val="000000"/>
                 </a:solidFill>
                 <a:latin typeface="Arial"/>
+                <a:ea typeface="DejaVu Sans"/>
               </a:rPr>
               <a:t>Applications:</a:t>
             </a:r>
@@ -4101,7 +2621,7 @@
             </a:endParaRPr>
           </a:p>
           <a:p>
-            <a:pPr marL="1143000" indent="-1142640">
+            <a:pPr marL="1143000" indent="-1142280">
               <a:lnSpc>
                 <a:spcPct val="100000"/>
               </a:lnSpc>
@@ -4117,24 +2637,16 @@
                   <a:srgbClr val="000000"/>
                 </a:solidFill>
                 <a:latin typeface="Arial"/>
-              </a:rPr>
-              <a:t>Alloy </a:t>
-            </a:r>
-            <a:r>
-              <a:rPr b="1" i="1" lang="en-US" sz="4000" spc="-1" strike="noStrike">
-                <a:solidFill>
-                  <a:srgbClr val="000000"/>
-                </a:solidFill>
-                <a:latin typeface="Arial"/>
-              </a:rPr>
-              <a:t>design. </a:t>
+                <a:ea typeface="DejaVu Sans"/>
+              </a:rPr>
+              <a:t>Alloy design. </a:t>
             </a:r>
             <a:endParaRPr b="0" lang="en-US" sz="4000" spc="-1" strike="noStrike">
               <a:latin typeface="Arial"/>
             </a:endParaRPr>
           </a:p>
           <a:p>
-            <a:pPr marL="1143000" indent="-1142640">
+            <a:pPr marL="1143000" indent="-1142280">
               <a:lnSpc>
                 <a:spcPct val="100000"/>
               </a:lnSpc>
@@ -4150,33 +2662,16 @@
                   <a:srgbClr val="000000"/>
                 </a:solidFill>
                 <a:latin typeface="Arial"/>
-              </a:rPr>
-              <a:t>Stress-</a:t>
-            </a:r>
-            <a:r>
-              <a:rPr b="1" i="1" lang="en-US" sz="4000" spc="-1" strike="noStrike">
-                <a:solidFill>
-                  <a:srgbClr val="000000"/>
-                </a:solidFill>
-                <a:latin typeface="Arial"/>
-              </a:rPr>
-              <a:t>corrosion </a:t>
-            </a:r>
-            <a:r>
-              <a:rPr b="1" i="1" lang="en-US" sz="4000" spc="-1" strike="noStrike">
-                <a:solidFill>
-                  <a:srgbClr val="000000"/>
-                </a:solidFill>
-                <a:latin typeface="Arial"/>
-              </a:rPr>
-              <a:t>cracking.</a:t>
+                <a:ea typeface="DejaVu Sans"/>
+              </a:rPr>
+              <a:t>Stress-corrosion cracking.</a:t>
             </a:r>
             <a:endParaRPr b="0" lang="en-US" sz="4000" spc="-1" strike="noStrike">
               <a:latin typeface="Arial"/>
             </a:endParaRPr>
           </a:p>
           <a:p>
-            <a:pPr marL="1143000" indent="-1142640">
+            <a:pPr marL="1143000" indent="-1142280">
               <a:lnSpc>
                 <a:spcPct val="100000"/>
               </a:lnSpc>
@@ -4192,17 +2687,9 @@
                   <a:srgbClr val="000000"/>
                 </a:solidFill>
                 <a:latin typeface="Arial"/>
-              </a:rPr>
-              <a:t>Electroch</a:t>
-            </a:r>
-            <a:r>
-              <a:rPr b="1" i="1" lang="en-US" sz="4000" spc="-1" strike="noStrike">
-                <a:solidFill>
-                  <a:srgbClr val="000000"/>
-                </a:solidFill>
-                <a:latin typeface="Arial"/>
-              </a:rPr>
-              <a:t>emistry.</a:t>
+                <a:ea typeface="DejaVu Sans"/>
+              </a:rPr>
+              <a:t>Electrochemistry.</a:t>
             </a:r>
             <a:endParaRPr b="0" lang="en-US" sz="4000" spc="-1" strike="noStrike">
               <a:latin typeface="Arial"/>
@@ -4212,7 +2699,7 @@
       </p:sp>
       <p:pic>
         <p:nvPicPr>
-          <p:cNvPr id="63" name="" descr=""/>
+          <p:cNvPr id="59" name="" descr=""/>
           <p:cNvPicPr/>
           <p:nvPr/>
         </p:nvPicPr>
@@ -4224,7 +2711,7 @@
         <p:spPr>
           <a:xfrm>
             <a:off x="3665520" y="37199520"/>
-            <a:ext cx="6392880" cy="5230440"/>
+            <a:ext cx="6392520" cy="5230080"/>
           </a:xfrm>
           <a:prstGeom prst="rect">
             <a:avLst/>
@@ -4239,14 +2726,14 @@
       </p:pic>
       <p:sp>
         <p:nvSpPr>
-          <p:cNvPr id="64" name="CustomShape 15"/>
+          <p:cNvPr id="60" name="CustomShape 15"/>
           <p:cNvSpPr/>
           <p:nvPr/>
         </p:nvSpPr>
         <p:spPr>
           <a:xfrm rot="16200000">
-            <a:off x="3877200" y="41017320"/>
-            <a:ext cx="3508560" cy="322200"/>
+            <a:off x="3877200" y="41017680"/>
+            <a:ext cx="3508200" cy="321840"/>
           </a:xfrm>
           <a:prstGeom prst="rect">
             <a:avLst/>
@@ -4265,7 +2752,7 @@
       </p:sp>
       <p:pic>
         <p:nvPicPr>
-          <p:cNvPr id="65" name="" descr=""/>
+          <p:cNvPr id="61" name="" descr=""/>
           <p:cNvPicPr/>
           <p:nvPr/>
         </p:nvPicPr>
@@ -4276,7 +2763,7 @@
         <p:spPr>
           <a:xfrm>
             <a:off x="27706320" y="365760"/>
-            <a:ext cx="2286000" cy="3713040"/>
+            <a:ext cx="2285640" cy="3712680"/>
           </a:xfrm>
           <a:prstGeom prst="rect">
             <a:avLst/>
@@ -4288,19 +2775,19 @@
       </p:pic>
       <p:pic>
         <p:nvPicPr>
-          <p:cNvPr id="66" name="" descr=""/>
+          <p:cNvPr id="62" name="" descr=""/>
           <p:cNvPicPr/>
           <p:nvPr/>
         </p:nvPicPr>
         <p:blipFill>
           <a:blip r:embed="rId5"/>
-          <a:srcRect l="19714" t="12702" r="19289" b="11988"/>
+          <a:srcRect l="19711" t="12700" r="19286" b="11986"/>
           <a:stretch/>
         </p:blipFill>
         <p:spPr>
           <a:xfrm>
             <a:off x="3665520" y="31710600"/>
-            <a:ext cx="6392880" cy="5359680"/>
+            <a:ext cx="6392520" cy="5359320"/>
           </a:xfrm>
           <a:prstGeom prst="rect">
             <a:avLst/>
@@ -4315,14 +2802,14 @@
       </p:pic>
       <p:sp>
         <p:nvSpPr>
-          <p:cNvPr id="67" name="CustomShape 16"/>
+          <p:cNvPr id="63" name="CustomShape 16"/>
           <p:cNvSpPr/>
           <p:nvPr/>
         </p:nvSpPr>
         <p:spPr>
           <a:xfrm>
             <a:off x="6506640" y="34293240"/>
-            <a:ext cx="193680" cy="194040"/>
+            <a:ext cx="193320" cy="193680"/>
           </a:xfrm>
           <a:prstGeom prst="rect">
             <a:avLst/>
@@ -4334,7 +2821,7 @@
             <a:noFill/>
           </a:ln>
           <a:effectLst>
-            <a:outerShdw dist="76320" dir="5400000">
+            <a:outerShdw dir="5400000" dist="76320">
               <a:srgbClr val="cccccc">
                 <a:alpha val="84000"/>
               </a:srgbClr>
@@ -4350,14 +2837,14 @@
       </p:sp>
       <p:sp>
         <p:nvSpPr>
-          <p:cNvPr id="68" name="CustomShape 17"/>
+          <p:cNvPr id="64" name="CustomShape 17"/>
           <p:cNvSpPr/>
           <p:nvPr/>
         </p:nvSpPr>
         <p:spPr>
           <a:xfrm>
             <a:off x="365760" y="34216560"/>
-            <a:ext cx="3200400" cy="603000"/>
+            <a:ext cx="3200040" cy="602640"/>
           </a:xfrm>
           <a:prstGeom prst="rect">
             <a:avLst/>
@@ -4394,6 +2881,7 @@
                   <a:srgbClr val="000000"/>
                 </a:solidFill>
                 <a:latin typeface="Arial"/>
+                <a:ea typeface="DejaVu Sans"/>
               </a:rPr>
               <a:t> </a:t>
             </a:r>
@@ -4403,6 +2891,7 @@
                   <a:srgbClr val="000000"/>
                 </a:solidFill>
                 <a:latin typeface="Arial"/>
+                <a:ea typeface="DejaVu Sans"/>
               </a:rPr>
               <a:t>Tight-binding</a:t>
             </a:r>
@@ -4412,6 +2901,7 @@
                   <a:srgbClr val="000000"/>
                 </a:solidFill>
                 <a:latin typeface="Arial"/>
+                <a:ea typeface="DejaVu Sans"/>
               </a:rPr>
               <a:t>  </a:t>
             </a:r>
@@ -4423,14 +2913,14 @@
       </p:sp>
       <p:sp>
         <p:nvSpPr>
-          <p:cNvPr id="69" name="CustomShape 18"/>
+          <p:cNvPr id="65" name="CustomShape 18"/>
           <p:cNvSpPr/>
           <p:nvPr/>
         </p:nvSpPr>
         <p:spPr>
           <a:xfrm>
             <a:off x="905040" y="39528720"/>
-            <a:ext cx="1838160" cy="594360"/>
+            <a:ext cx="1837800" cy="594000"/>
           </a:xfrm>
           <a:prstGeom prst="rect">
             <a:avLst/>
@@ -4467,6 +2957,7 @@
                   <a:srgbClr val="000000"/>
                 </a:solidFill>
                 <a:latin typeface="Arial"/>
+                <a:ea typeface="DejaVu Sans"/>
               </a:rPr>
               <a:t>DFT [1]</a:t>
             </a:r>
@@ -4476,6 +2967,7 @@
                   <a:srgbClr val="000000"/>
                 </a:solidFill>
                 <a:latin typeface="Arial"/>
+                <a:ea typeface="DejaVu Sans"/>
               </a:rPr>
               <a:t> </a:t>
             </a:r>
@@ -4487,14 +2979,14 @@
       </p:sp>
       <p:sp>
         <p:nvSpPr>
-          <p:cNvPr id="70" name="CustomShape 19"/>
+          <p:cNvPr id="66" name="CustomShape 19"/>
           <p:cNvSpPr/>
           <p:nvPr/>
         </p:nvSpPr>
         <p:spPr>
           <a:xfrm>
             <a:off x="0" y="29169360"/>
-            <a:ext cx="14581800" cy="2465640"/>
+            <a:ext cx="14581440" cy="2465640"/>
           </a:xfrm>
           <a:prstGeom prst="rect">
             <a:avLst/>
@@ -4515,7 +3007,7 @@
             <a:spAutoFit/>
           </a:bodyPr>
           <a:p>
-            <a:pPr marL="216000" indent="-216000">
+            <a:pPr marL="216000" indent="-215640">
               <a:lnSpc>
                 <a:spcPct val="100000"/>
               </a:lnSpc>
@@ -4533,7 +3025,7 @@
                 <a:latin typeface="Arial"/>
                 <a:ea typeface="Droid Sans Fallback"/>
               </a:rPr>
-              <a:t>Differential </a:t>
+              <a:t>Differential Displacement maps of screw dislocation core upon relaxation in tight-binding (TB) and Density Functional Theory (DFT / </a:t>
             </a:r>
             <a:r>
               <a:rPr b="1" lang="en-US" sz="2600" spc="-1" strike="noStrike">
@@ -4541,9 +3033,19 @@
                   <a:srgbClr val="000000"/>
                 </a:solidFill>
                 <a:latin typeface="Arial"/>
-                <a:ea typeface="Droid Sans Fallback"/>
-              </a:rPr>
-              <a:t>Displacement maps </a:t>
+                <a:ea typeface="DejaVu Sans"/>
+              </a:rPr>
+              <a:t>a</a:t>
+            </a:r>
+            <a:r>
+              <a:rPr b="1" i="1" lang="en-US" sz="2600" spc="-1" strike="noStrike">
+                <a:solidFill>
+                  <a:srgbClr val="000000"/>
+                </a:solidFill>
+                <a:latin typeface="Arial"/>
+                <a:ea typeface="DejaVu Sans"/>
+              </a:rPr>
+              <a:t>b initio</a:t>
             </a:r>
             <a:r>
               <a:rPr b="1" lang="en-US" sz="2600" spc="-1" strike="noStrike">
@@ -4551,84 +3053,7 @@
                   <a:srgbClr val="000000"/>
                 </a:solidFill>
                 <a:latin typeface="Arial"/>
-                <a:ea typeface="Droid Sans Fallback"/>
-              </a:rPr>
-              <a:t>of screw dislocation </a:t>
-            </a:r>
-            <a:r>
-              <a:rPr b="1" lang="en-US" sz="2600" spc="-1" strike="noStrike">
-                <a:solidFill>
-                  <a:srgbClr val="000000"/>
-                </a:solidFill>
-                <a:latin typeface="Arial"/>
-                <a:ea typeface="Droid Sans Fallback"/>
-              </a:rPr>
-              <a:t>core upon relaxation </a:t>
-            </a:r>
-            <a:r>
-              <a:rPr b="1" lang="en-US" sz="2600" spc="-1" strike="noStrike">
-                <a:solidFill>
-                  <a:srgbClr val="000000"/>
-                </a:solidFill>
-                <a:latin typeface="Arial"/>
-                <a:ea typeface="Droid Sans Fallback"/>
-              </a:rPr>
-              <a:t>in tight-binding (TB) </a:t>
-            </a:r>
-            <a:r>
-              <a:rPr b="1" lang="en-US" sz="2600" spc="-1" strike="noStrike">
-                <a:solidFill>
-                  <a:srgbClr val="000000"/>
-                </a:solidFill>
-                <a:latin typeface="Arial"/>
-                <a:ea typeface="Droid Sans Fallback"/>
-              </a:rPr>
-              <a:t>and Density </a:t>
-            </a:r>
-            <a:r>
-              <a:rPr b="1" lang="en-US" sz="2600" spc="-1" strike="noStrike">
-                <a:solidFill>
-                  <a:srgbClr val="000000"/>
-                </a:solidFill>
-                <a:latin typeface="Arial"/>
-                <a:ea typeface="Droid Sans Fallback"/>
-              </a:rPr>
-              <a:t>Functional Theory </a:t>
-            </a:r>
-            <a:r>
-              <a:rPr b="1" lang="en-US" sz="2600" spc="-1" strike="noStrike">
-                <a:solidFill>
-                  <a:srgbClr val="000000"/>
-                </a:solidFill>
-                <a:latin typeface="Arial"/>
-                <a:ea typeface="Droid Sans Fallback"/>
-              </a:rPr>
-              <a:t>(DFT / </a:t>
-            </a:r>
-            <a:r>
-              <a:rPr b="1" lang="en-US" sz="2600" spc="-1" strike="noStrike">
-                <a:solidFill>
-                  <a:srgbClr val="000000"/>
-                </a:solidFill>
-                <a:latin typeface="Arial"/>
-              </a:rPr>
-              <a:t>a</a:t>
-            </a:r>
-            <a:r>
-              <a:rPr b="1" i="1" lang="en-US" sz="2600" spc="-1" strike="noStrike">
-                <a:solidFill>
-                  <a:srgbClr val="000000"/>
-                </a:solidFill>
-                <a:latin typeface="Arial"/>
-              </a:rPr>
-              <a:t>b initio</a:t>
-            </a:r>
-            <a:r>
-              <a:rPr b="1" lang="en-US" sz="2600" spc="-1" strike="noStrike">
-                <a:solidFill>
-                  <a:srgbClr val="000000"/>
-                </a:solidFill>
-                <a:latin typeface="Arial"/>
+                <a:ea typeface="DejaVu Sans"/>
               </a:rPr>
               <a:t>). </a:t>
             </a:r>
@@ -4637,7 +3062,7 @@
             </a:endParaRPr>
           </a:p>
           <a:p>
-            <a:pPr marL="216000" indent="-216000">
+            <a:pPr marL="216000" indent="-215640">
               <a:lnSpc>
                 <a:spcPct val="100000"/>
               </a:lnSpc>
@@ -4653,6 +3078,7 @@
                   <a:srgbClr val="000000"/>
                 </a:solidFill>
                 <a:latin typeface="Arial"/>
+                <a:ea typeface="DejaVu Sans"/>
               </a:rPr>
               <a:t> </a:t>
             </a:r>
@@ -4662,33 +3088,16 @@
                   <a:srgbClr val="000000"/>
                 </a:solidFill>
                 <a:latin typeface="Arial"/>
-              </a:rPr>
-              <a:t>Arrows denote out-</a:t>
-            </a:r>
-            <a:r>
-              <a:rPr b="1" lang="en-US" sz="2600" spc="-1" strike="noStrike">
-                <a:solidFill>
-                  <a:srgbClr val="000000"/>
-                </a:solidFill>
-                <a:latin typeface="Arial"/>
-              </a:rPr>
-              <a:t>of-plane </a:t>
-            </a:r>
-            <a:r>
-              <a:rPr b="1" lang="en-US" sz="2600" spc="-1" strike="noStrike">
-                <a:solidFill>
-                  <a:srgbClr val="000000"/>
-                </a:solidFill>
-                <a:latin typeface="Arial"/>
-              </a:rPr>
-              <a:t>displacements. </a:t>
+                <a:ea typeface="DejaVu Sans"/>
+              </a:rPr>
+              <a:t>Arrows denote out-of-plane displacements. </a:t>
             </a:r>
             <a:endParaRPr b="0" lang="en-US" sz="2600" spc="-1" strike="noStrike">
               <a:latin typeface="Arial"/>
             </a:endParaRPr>
           </a:p>
           <a:p>
-            <a:pPr marL="216000" indent="-216000">
+            <a:pPr marL="216000" indent="-215640">
               <a:lnSpc>
                 <a:spcPct val="100000"/>
               </a:lnSpc>
@@ -4704,6 +3113,7 @@
                   <a:srgbClr val="000000"/>
                 </a:solidFill>
                 <a:latin typeface="Arial"/>
+                <a:ea typeface="DejaVu Sans"/>
               </a:rPr>
               <a:t> </a:t>
             </a:r>
@@ -4713,42 +3123,16 @@
                   <a:srgbClr val="000000"/>
                 </a:solidFill>
                 <a:latin typeface="Arial"/>
-              </a:rPr>
-              <a:t>An arrow joining two </a:t>
-            </a:r>
-            <a:r>
-              <a:rPr b="1" lang="en-US" sz="2600" spc="-1" strike="noStrike">
-                <a:solidFill>
-                  <a:srgbClr val="000000"/>
-                </a:solidFill>
-                <a:latin typeface="Arial"/>
-              </a:rPr>
-              <a:t>columns corresponds </a:t>
-            </a:r>
-            <a:r>
-              <a:rPr b="1" lang="en-US" sz="2600" spc="-1" strike="noStrike">
-                <a:solidFill>
-                  <a:srgbClr val="000000"/>
-                </a:solidFill>
-                <a:latin typeface="Arial"/>
-              </a:rPr>
-              <a:t>to displacement by a </a:t>
-            </a:r>
-            <a:r>
-              <a:rPr b="1" lang="en-US" sz="2600" spc="-1" strike="noStrike">
-                <a:solidFill>
-                  <a:srgbClr val="000000"/>
-                </a:solidFill>
-                <a:latin typeface="Arial"/>
-              </a:rPr>
-              <a:t>full Burger’s vector. </a:t>
+                <a:ea typeface="DejaVu Sans"/>
+              </a:rPr>
+              <a:t>An arrow joining two columns corresponds to displacement by a full Burger’s vector. </a:t>
             </a:r>
             <a:endParaRPr b="0" lang="en-US" sz="2600" spc="-1" strike="noStrike">
               <a:latin typeface="Arial"/>
             </a:endParaRPr>
           </a:p>
           <a:p>
-            <a:pPr marL="216000" indent="-216000">
+            <a:pPr marL="216000" indent="-215640">
               <a:lnSpc>
                 <a:spcPct val="100000"/>
               </a:lnSpc>
@@ -4764,6 +3148,7 @@
                   <a:srgbClr val="000000"/>
                 </a:solidFill>
                 <a:latin typeface="Arial"/>
+                <a:ea typeface="DejaVu Sans"/>
               </a:rPr>
               <a:t> </a:t>
             </a:r>
@@ -4773,42 +3158,16 @@
                   <a:srgbClr val="000000"/>
                 </a:solidFill>
                 <a:latin typeface="Arial"/>
-              </a:rPr>
-              <a:t>Position of elastic </a:t>
-            </a:r>
-            <a:r>
-              <a:rPr b="1" lang="en-US" sz="2600" spc="-1" strike="noStrike">
-                <a:solidFill>
-                  <a:srgbClr val="000000"/>
-                </a:solidFill>
-                <a:latin typeface="Arial"/>
-              </a:rPr>
-              <a:t>centre of dislocation </a:t>
-            </a:r>
-            <a:r>
-              <a:rPr b="1" lang="en-US" sz="2600" spc="-1" strike="noStrike">
-                <a:solidFill>
-                  <a:srgbClr val="000000"/>
-                </a:solidFill>
-                <a:latin typeface="Arial"/>
-              </a:rPr>
-              <a:t>core is marked by the </a:t>
-            </a:r>
-            <a:r>
-              <a:rPr b="1" lang="en-US" sz="2600" spc="-1" strike="noStrike">
-                <a:solidFill>
-                  <a:srgbClr val="000000"/>
-                </a:solidFill>
-                <a:latin typeface="Arial"/>
-              </a:rPr>
-              <a:t>red square.</a:t>
+                <a:ea typeface="DejaVu Sans"/>
+              </a:rPr>
+              <a:t>Position of elastic centre of dislocation core is marked by the red square.</a:t>
             </a:r>
             <a:endParaRPr b="0" lang="en-US" sz="2600" spc="-1" strike="noStrike">
               <a:latin typeface="Arial"/>
             </a:endParaRPr>
           </a:p>
           <a:p>
-            <a:pPr marL="216000" indent="-216000">
+            <a:pPr marL="216000" indent="-215640">
               <a:lnSpc>
                 <a:spcPct val="100000"/>
               </a:lnSpc>
@@ -4824,6 +3183,7 @@
                   <a:srgbClr val="000000"/>
                 </a:solidFill>
                 <a:latin typeface="Arial"/>
+                <a:ea typeface="DejaVu Sans"/>
               </a:rPr>
               <a:t> </a:t>
             </a:r>
@@ -4833,35 +3193,9 @@
                   <a:srgbClr val="000000"/>
                 </a:solidFill>
                 <a:latin typeface="Arial"/>
-              </a:rPr>
-              <a:t>Good agreement </a:t>
-            </a:r>
-            <a:r>
-              <a:rPr b="1" lang="en-US" sz="2600" spc="-1" strike="noStrike">
-                <a:solidFill>
-                  <a:srgbClr val="000000"/>
-                </a:solidFill>
-                <a:latin typeface="Arial"/>
-              </a:rPr>
-              <a:t>between model and </a:t>
-            </a:r>
-            <a:r>
-              <a:rPr b="1" lang="en-US" sz="2600" spc="-1" strike="noStrike">
-                <a:solidFill>
-                  <a:srgbClr val="000000"/>
-                </a:solidFill>
-                <a:latin typeface="Arial"/>
-              </a:rPr>
-              <a:t>DFT thus validating </a:t>
-            </a:r>
-            <a:r>
-              <a:rPr b="1" lang="en-US" sz="2600" spc="-1" strike="noStrike">
-                <a:solidFill>
-                  <a:srgbClr val="000000"/>
-                </a:solidFill>
-                <a:latin typeface="Arial"/>
-              </a:rPr>
-              <a:t>model.</a:t>
+                <a:ea typeface="DejaVu Sans"/>
+              </a:rPr>
+              <a:t>Good agreement between model and DFT thus validating model.</a:t>
             </a:r>
             <a:endParaRPr b="0" lang="en-US" sz="2600" spc="-1" strike="noStrike">
               <a:latin typeface="Arial"/>
@@ -4869,6 +3203,99 @@
           </a:p>
         </p:txBody>
       </p:sp>
+      <p:pic>
+        <p:nvPicPr>
+          <p:cNvPr id="67" name="" descr=""/>
+          <p:cNvPicPr/>
+          <p:nvPr/>
+        </p:nvPicPr>
+        <p:blipFill>
+          <a:blip r:embed="rId6"/>
+          <a:stretch/>
+        </p:blipFill>
+        <p:spPr>
+          <a:xfrm>
+            <a:off x="1324800" y="23591520"/>
+            <a:ext cx="5258520" cy="4845240"/>
+          </a:xfrm>
+          <a:prstGeom prst="rect">
+            <a:avLst/>
+          </a:prstGeom>
+          <a:ln w="54720">
+            <a:noFill/>
+          </a:ln>
+        </p:spPr>
+      </p:pic>
+      <p:pic>
+        <p:nvPicPr>
+          <p:cNvPr id="68" name="" descr=""/>
+          <p:cNvPicPr/>
+          <p:nvPr/>
+        </p:nvPicPr>
+        <p:blipFill>
+          <a:blip r:embed="rId7"/>
+          <a:srcRect l="6734" t="19420" r="16960" b="12586"/>
+          <a:stretch/>
+        </p:blipFill>
+        <p:spPr>
+          <a:xfrm>
+            <a:off x="15231240" y="25720200"/>
+            <a:ext cx="6909120" cy="3882240"/>
+          </a:xfrm>
+          <a:prstGeom prst="rect">
+            <a:avLst/>
+          </a:prstGeom>
+          <a:ln w="54720">
+            <a:noFill/>
+          </a:ln>
+        </p:spPr>
+      </p:pic>
+      <p:pic>
+        <p:nvPicPr>
+          <p:cNvPr id="69" name="" descr=""/>
+          <p:cNvPicPr/>
+          <p:nvPr/>
+        </p:nvPicPr>
+        <p:blipFill>
+          <a:blip r:embed="rId8"/>
+          <a:stretch/>
+        </p:blipFill>
+        <p:spPr>
+          <a:xfrm>
+            <a:off x="18244080" y="34124760"/>
+            <a:ext cx="8844480" cy="2445480"/>
+          </a:xfrm>
+          <a:prstGeom prst="rect">
+            <a:avLst/>
+          </a:prstGeom>
+          <a:ln w="54720">
+            <a:noFill/>
+          </a:ln>
+        </p:spPr>
+      </p:pic>
+      <p:pic>
+        <p:nvPicPr>
+          <p:cNvPr id="70" name="" descr=""/>
+          <p:cNvPicPr/>
+          <p:nvPr/>
+        </p:nvPicPr>
+        <p:blipFill>
+          <a:blip r:embed="rId9"/>
+          <a:stretch/>
+        </p:blipFill>
+        <p:spPr>
+          <a:xfrm>
+            <a:off x="22140720" y="25720200"/>
+            <a:ext cx="7354800" cy="3942360"/>
+          </a:xfrm>
+          <a:prstGeom prst="rect">
+            <a:avLst/>
+          </a:prstGeom>
+          <a:ln w="54720">
+            <a:noFill/>
+          </a:ln>
+        </p:spPr>
+      </p:pic>
       <p:pic>
         <p:nvPicPr>
           <p:cNvPr id="71" name="" descr=""/>
@@ -4876,13 +3303,13 @@
           <p:nvPr/>
         </p:nvPicPr>
         <p:blipFill>
-          <a:blip r:embed="rId6"/>
+          <a:blip r:embed="rId10"/>
           <a:stretch/>
         </p:blipFill>
         <p:spPr>
           <a:xfrm>
-            <a:off x="1324800" y="23591520"/>
-            <a:ext cx="5258880" cy="4845600"/>
+            <a:off x="22145400" y="20644560"/>
+            <a:ext cx="7329960" cy="3571560"/>
           </a:xfrm>
           <a:prstGeom prst="rect">
             <a:avLst/>
@@ -4899,14 +3326,13 @@
           <p:nvPr/>
         </p:nvPicPr>
         <p:blipFill>
-          <a:blip r:embed="rId7"/>
-          <a:srcRect l="6734" t="19420" r="16960" b="12586"/>
+          <a:blip r:embed="rId11"/>
           <a:stretch/>
         </p:blipFill>
         <p:spPr>
           <a:xfrm>
-            <a:off x="15231240" y="25720200"/>
-            <a:ext cx="6909480" cy="3882600"/>
+            <a:off x="18244080" y="31345560"/>
+            <a:ext cx="9397440" cy="2658960"/>
           </a:xfrm>
           <a:prstGeom prst="rect">
             <a:avLst/>
@@ -4923,98 +3349,6 @@
           <p:nvPr/>
         </p:nvPicPr>
         <p:blipFill>
-          <a:blip r:embed="rId8"/>
-          <a:stretch/>
-        </p:blipFill>
-        <p:spPr>
-          <a:xfrm>
-            <a:off x="18244080" y="34124760"/>
-            <a:ext cx="8844840" cy="2445840"/>
-          </a:xfrm>
-          <a:prstGeom prst="rect">
-            <a:avLst/>
-          </a:prstGeom>
-          <a:ln w="54720">
-            <a:noFill/>
-          </a:ln>
-        </p:spPr>
-      </p:pic>
-      <p:pic>
-        <p:nvPicPr>
-          <p:cNvPr id="74" name="" descr=""/>
-          <p:cNvPicPr/>
-          <p:nvPr/>
-        </p:nvPicPr>
-        <p:blipFill>
-          <a:blip r:embed="rId9"/>
-          <a:stretch/>
-        </p:blipFill>
-        <p:spPr>
-          <a:xfrm>
-            <a:off x="22140720" y="25720200"/>
-            <a:ext cx="7355160" cy="3942720"/>
-          </a:xfrm>
-          <a:prstGeom prst="rect">
-            <a:avLst/>
-          </a:prstGeom>
-          <a:ln w="54720">
-            <a:noFill/>
-          </a:ln>
-        </p:spPr>
-      </p:pic>
-      <p:pic>
-        <p:nvPicPr>
-          <p:cNvPr id="75" name="" descr=""/>
-          <p:cNvPicPr/>
-          <p:nvPr/>
-        </p:nvPicPr>
-        <p:blipFill>
-          <a:blip r:embed="rId10"/>
-          <a:stretch/>
-        </p:blipFill>
-        <p:spPr>
-          <a:xfrm>
-            <a:off x="22145400" y="20644560"/>
-            <a:ext cx="7330320" cy="3571920"/>
-          </a:xfrm>
-          <a:prstGeom prst="rect">
-            <a:avLst/>
-          </a:prstGeom>
-          <a:ln w="54720">
-            <a:noFill/>
-          </a:ln>
-        </p:spPr>
-      </p:pic>
-      <p:pic>
-        <p:nvPicPr>
-          <p:cNvPr id="76" name="" descr=""/>
-          <p:cNvPicPr/>
-          <p:nvPr/>
-        </p:nvPicPr>
-        <p:blipFill>
-          <a:blip r:embed="rId11"/>
-          <a:stretch/>
-        </p:blipFill>
-        <p:spPr>
-          <a:xfrm>
-            <a:off x="18244080" y="31345560"/>
-            <a:ext cx="9397800" cy="2659320"/>
-          </a:xfrm>
-          <a:prstGeom prst="rect">
-            <a:avLst/>
-          </a:prstGeom>
-          <a:ln w="54720">
-            <a:noFill/>
-          </a:ln>
-        </p:spPr>
-      </p:pic>
-      <p:pic>
-        <p:nvPicPr>
-          <p:cNvPr id="77" name="" descr=""/>
-          <p:cNvPicPr/>
-          <p:nvPr/>
-        </p:nvPicPr>
-        <p:blipFill>
           <a:blip r:embed="rId12"/>
           <a:srcRect l="7892" t="18034" r="3951" b="7990"/>
           <a:stretch/>
@@ -5022,7 +3356,7 @@
         <p:spPr>
           <a:xfrm>
             <a:off x="15236280" y="20648160"/>
-            <a:ext cx="6909120" cy="3632400"/>
+            <a:ext cx="6908760" cy="3632040"/>
           </a:xfrm>
           <a:prstGeom prst="rect">
             <a:avLst/>
@@ -5034,14 +3368,14 @@
       </p:pic>
       <p:sp>
         <p:nvSpPr>
-          <p:cNvPr id="78" name="CustomShape 20"/>
+          <p:cNvPr id="74" name="CustomShape 20"/>
           <p:cNvSpPr/>
           <p:nvPr/>
         </p:nvSpPr>
         <p:spPr>
           <a:xfrm>
             <a:off x="20927520" y="23874480"/>
-            <a:ext cx="2767680" cy="602280"/>
+            <a:ext cx="2767320" cy="602280"/>
           </a:xfrm>
           <a:prstGeom prst="rect">
             <a:avLst/>
@@ -5078,6 +3412,7 @@
                   <a:srgbClr val="000000"/>
                 </a:solidFill>
                 <a:latin typeface="Arial"/>
+                <a:ea typeface="DejaVu Sans"/>
               </a:rPr>
               <a:t> </a:t>
             </a:r>
@@ -5087,6 +3422,7 @@
                   <a:srgbClr val="000000"/>
                 </a:solidFill>
                 <a:latin typeface="Arial"/>
+                <a:ea typeface="DejaVu Sans"/>
               </a:rPr>
               <a:t>Basal Plane</a:t>
             </a:r>
@@ -5096,6 +3432,7 @@
                   <a:srgbClr val="000000"/>
                 </a:solidFill>
                 <a:latin typeface="Arial"/>
+                <a:ea typeface="DejaVu Sans"/>
               </a:rPr>
               <a:t>  </a:t>
             </a:r>
@@ -5107,14 +3444,14 @@
       </p:sp>
       <p:sp>
         <p:nvSpPr>
-          <p:cNvPr id="79" name="CustomShape 21"/>
+          <p:cNvPr id="75" name="CustomShape 21"/>
           <p:cNvSpPr/>
           <p:nvPr/>
         </p:nvSpPr>
         <p:spPr>
           <a:xfrm>
             <a:off x="20563920" y="29262600"/>
-            <a:ext cx="3685320" cy="602280"/>
+            <a:ext cx="3684960" cy="602280"/>
           </a:xfrm>
           <a:prstGeom prst="rect">
             <a:avLst/>
@@ -5151,6 +3488,7 @@
                   <a:srgbClr val="000000"/>
                 </a:solidFill>
                 <a:latin typeface="Arial"/>
+                <a:ea typeface="DejaVu Sans"/>
               </a:rPr>
               <a:t> </a:t>
             </a:r>
@@ -5160,6 +3498,7 @@
                   <a:srgbClr val="000000"/>
                 </a:solidFill>
                 <a:latin typeface="Arial"/>
+                <a:ea typeface="DejaVu Sans"/>
               </a:rPr>
               <a:t>Prismatic Plane</a:t>
             </a:r>
@@ -5169,6 +3508,7 @@
                   <a:srgbClr val="000000"/>
                 </a:solidFill>
                 <a:latin typeface="Arial"/>
+                <a:ea typeface="DejaVu Sans"/>
               </a:rPr>
               <a:t>  </a:t>
             </a:r>
@@ -5180,14 +3520,14 @@
       </p:sp>
       <p:sp>
         <p:nvSpPr>
-          <p:cNvPr id="80" name="CustomShape 22"/>
+          <p:cNvPr id="76" name="CustomShape 22"/>
           <p:cNvSpPr/>
           <p:nvPr/>
         </p:nvSpPr>
         <p:spPr>
           <a:xfrm>
             <a:off x="27088920" y="34004880"/>
-            <a:ext cx="2303280" cy="1577160"/>
+            <a:ext cx="2302920" cy="1577160"/>
           </a:xfrm>
           <a:prstGeom prst="rect">
             <a:avLst/>
@@ -5224,17 +3564,9 @@
                   <a:srgbClr val="000000"/>
                 </a:solidFill>
                 <a:latin typeface="Arial"/>
-              </a:rPr>
-              <a:t>First order Pyramidal </a:t>
-            </a:r>
-            <a:r>
-              <a:rPr b="1" lang="en-US" sz="3200" spc="-1" strike="noStrike">
-                <a:solidFill>
-                  <a:srgbClr val="000000"/>
-                </a:solidFill>
-                <a:latin typeface="Arial"/>
-              </a:rPr>
-              <a:t>Plane.</a:t>
+                <a:ea typeface="DejaVu Sans"/>
+              </a:rPr>
+              <a:t>First order Pyramidal Plane.</a:t>
             </a:r>
             <a:r>
               <a:rPr b="1" lang="en-US" sz="2400" spc="-1" strike="noStrike">
@@ -5242,6 +3574,7 @@
                   <a:srgbClr val="000000"/>
                 </a:solidFill>
                 <a:latin typeface="Arial"/>
+                <a:ea typeface="DejaVu Sans"/>
               </a:rPr>
               <a:t> </a:t>
             </a:r>
@@ -5253,14 +3586,14 @@
       </p:sp>
       <p:sp>
         <p:nvSpPr>
-          <p:cNvPr id="81" name="CustomShape 23"/>
+          <p:cNvPr id="77" name="CustomShape 23"/>
           <p:cNvSpPr/>
           <p:nvPr/>
         </p:nvSpPr>
         <p:spPr>
           <a:xfrm>
             <a:off x="17401320" y="20091240"/>
-            <a:ext cx="3133440" cy="602280"/>
+            <a:ext cx="3133080" cy="602280"/>
           </a:xfrm>
           <a:prstGeom prst="rect">
             <a:avLst/>
@@ -5297,6 +3630,7 @@
                   <a:srgbClr val="000000"/>
                 </a:solidFill>
                 <a:latin typeface="Arial"/>
+                <a:ea typeface="DejaVu Sans"/>
               </a:rPr>
               <a:t> </a:t>
             </a:r>
@@ -5306,6 +3640,7 @@
                   <a:srgbClr val="000000"/>
                 </a:solidFill>
                 <a:latin typeface="Arial"/>
+                <a:ea typeface="DejaVu Sans"/>
               </a:rPr>
               <a:t>Tight Binding</a:t>
             </a:r>
@@ -5315,6 +3650,7 @@
                   <a:srgbClr val="000000"/>
                 </a:solidFill>
                 <a:latin typeface="Arial"/>
+                <a:ea typeface="DejaVu Sans"/>
               </a:rPr>
               <a:t>  </a:t>
             </a:r>
@@ -5326,14 +3662,14 @@
       </p:sp>
       <p:sp>
         <p:nvSpPr>
-          <p:cNvPr id="82" name="Line 24"/>
+          <p:cNvPr id="78" name="Line 24"/>
           <p:cNvSpPr/>
           <p:nvPr/>
         </p:nvSpPr>
         <p:spPr>
           <a:xfrm flipH="1">
             <a:off x="14956920" y="20388960"/>
-            <a:ext cx="2444400" cy="0"/>
+            <a:ext cx="2444400" cy="360"/>
           </a:xfrm>
           <a:prstGeom prst="line">
             <a:avLst/>
@@ -5354,14 +3690,14 @@
       </p:sp>
       <p:sp>
         <p:nvSpPr>
-          <p:cNvPr id="83" name="Line 25"/>
+          <p:cNvPr id="79" name="Line 25"/>
           <p:cNvSpPr/>
           <p:nvPr/>
         </p:nvSpPr>
         <p:spPr>
           <a:xfrm flipH="1">
             <a:off x="27027000" y="20388960"/>
-            <a:ext cx="2669760" cy="0"/>
+            <a:ext cx="2669760" cy="360"/>
           </a:xfrm>
           <a:prstGeom prst="line">
             <a:avLst/>
@@ -5382,14 +3718,14 @@
       </p:sp>
       <p:sp>
         <p:nvSpPr>
-          <p:cNvPr id="84" name="Line 26"/>
+          <p:cNvPr id="80" name="Line 26"/>
           <p:cNvSpPr/>
           <p:nvPr/>
         </p:nvSpPr>
         <p:spPr>
           <a:xfrm flipV="1">
             <a:off x="14956920" y="20388960"/>
-            <a:ext cx="0" cy="10945800"/>
+            <a:ext cx="360" cy="10945800"/>
           </a:xfrm>
           <a:prstGeom prst="line">
             <a:avLst/>
@@ -5410,14 +3746,14 @@
       </p:sp>
       <p:sp>
         <p:nvSpPr>
-          <p:cNvPr id="85" name="Line 27"/>
+          <p:cNvPr id="81" name="Line 27"/>
           <p:cNvSpPr/>
           <p:nvPr/>
         </p:nvSpPr>
         <p:spPr>
           <a:xfrm flipH="1">
             <a:off x="14956920" y="31334760"/>
-            <a:ext cx="548640" cy="0"/>
+            <a:ext cx="548640" cy="360"/>
           </a:xfrm>
           <a:prstGeom prst="line">
             <a:avLst/>
@@ -5438,14 +3774,14 @@
       </p:sp>
       <p:sp>
         <p:nvSpPr>
-          <p:cNvPr id="86" name="Line 28"/>
+          <p:cNvPr id="82" name="Line 28"/>
           <p:cNvSpPr/>
           <p:nvPr/>
         </p:nvSpPr>
         <p:spPr>
           <a:xfrm flipV="1">
             <a:off x="29696760" y="20388960"/>
-            <a:ext cx="0" cy="10945800"/>
+            <a:ext cx="360" cy="10945800"/>
           </a:xfrm>
           <a:prstGeom prst="line">
             <a:avLst/>
@@ -5466,14 +3802,14 @@
       </p:sp>
       <p:sp>
         <p:nvSpPr>
-          <p:cNvPr id="87" name="Line 29"/>
+          <p:cNvPr id="83" name="Line 29"/>
           <p:cNvSpPr/>
           <p:nvPr/>
         </p:nvSpPr>
         <p:spPr>
           <a:xfrm flipH="1">
             <a:off x="29148120" y="31334760"/>
-            <a:ext cx="548640" cy="0"/>
+            <a:ext cx="548640" cy="360"/>
           </a:xfrm>
           <a:prstGeom prst="line">
             <a:avLst/>
@@ -5494,14 +3830,14 @@
       </p:sp>
       <p:sp>
         <p:nvSpPr>
-          <p:cNvPr id="88" name="Line 30"/>
+          <p:cNvPr id="84" name="Line 30"/>
           <p:cNvSpPr/>
           <p:nvPr/>
         </p:nvSpPr>
         <p:spPr>
           <a:xfrm>
             <a:off x="22148280" y="20388960"/>
-            <a:ext cx="0" cy="251280"/>
+            <a:ext cx="360" cy="251280"/>
           </a:xfrm>
           <a:prstGeom prst="line">
             <a:avLst/>
@@ -5522,14 +3858,14 @@
       </p:sp>
       <p:sp>
         <p:nvSpPr>
-          <p:cNvPr id="89" name="Line 31"/>
+          <p:cNvPr id="85" name="Line 31"/>
           <p:cNvSpPr/>
           <p:nvPr/>
         </p:nvSpPr>
         <p:spPr>
           <a:xfrm flipH="1">
             <a:off x="20534760" y="20388960"/>
-            <a:ext cx="1613520" cy="0"/>
+            <a:ext cx="1613520" cy="360"/>
           </a:xfrm>
           <a:prstGeom prst="line">
             <a:avLst/>
@@ -5550,14 +3886,14 @@
       </p:sp>
       <p:sp>
         <p:nvSpPr>
-          <p:cNvPr id="90" name="Line 32"/>
+          <p:cNvPr id="86" name="Line 32"/>
           <p:cNvSpPr/>
           <p:nvPr/>
         </p:nvSpPr>
         <p:spPr>
           <a:xfrm flipH="1">
             <a:off x="23127480" y="20388960"/>
-            <a:ext cx="2162160" cy="0"/>
+            <a:ext cx="2162160" cy="360"/>
           </a:xfrm>
           <a:prstGeom prst="line">
             <a:avLst/>
@@ -5578,14 +3914,14 @@
       </p:sp>
       <p:sp>
         <p:nvSpPr>
-          <p:cNvPr id="91" name="Line 33"/>
+          <p:cNvPr id="87" name="Line 33"/>
           <p:cNvSpPr/>
           <p:nvPr/>
         </p:nvSpPr>
         <p:spPr>
           <a:xfrm flipV="1">
             <a:off x="23127480" y="20388960"/>
-            <a:ext cx="0" cy="251280"/>
+            <a:ext cx="360" cy="251280"/>
           </a:xfrm>
           <a:prstGeom prst="line">
             <a:avLst/>
@@ -5606,14 +3942,14 @@
       </p:sp>
       <p:sp>
         <p:nvSpPr>
-          <p:cNvPr id="92" name="CustomShape 34"/>
+          <p:cNvPr id="88" name="CustomShape 34"/>
           <p:cNvSpPr/>
           <p:nvPr/>
         </p:nvSpPr>
         <p:spPr>
           <a:xfrm>
             <a:off x="25289640" y="20087640"/>
-            <a:ext cx="1737360" cy="602280"/>
+            <a:ext cx="1737000" cy="602280"/>
           </a:xfrm>
           <a:prstGeom prst="rect">
             <a:avLst/>
@@ -5650,6 +3986,7 @@
                   <a:srgbClr val="000000"/>
                 </a:solidFill>
                 <a:latin typeface="Arial"/>
+                <a:ea typeface="DejaVu Sans"/>
               </a:rPr>
               <a:t>DFT [3]</a:t>
             </a:r>
@@ -5659,6 +3996,7 @@
                   <a:srgbClr val="000000"/>
                 </a:solidFill>
                 <a:latin typeface="Arial"/>
+                <a:ea typeface="DejaVu Sans"/>
               </a:rPr>
               <a:t>  </a:t>
             </a:r>
@@ -5670,14 +4008,14 @@
       </p:sp>
       <p:sp>
         <p:nvSpPr>
-          <p:cNvPr id="93" name="CustomShape 35"/>
+          <p:cNvPr id="89" name="CustomShape 35"/>
           <p:cNvSpPr/>
           <p:nvPr/>
         </p:nvSpPr>
         <p:spPr>
           <a:xfrm>
             <a:off x="14757840" y="32407560"/>
-            <a:ext cx="3130560" cy="602280"/>
+            <a:ext cx="3130200" cy="602280"/>
           </a:xfrm>
           <a:prstGeom prst="rect">
             <a:avLst/>
@@ -5714,6 +4052,7 @@
                   <a:srgbClr val="000000"/>
                 </a:solidFill>
                 <a:latin typeface="Arial"/>
+                <a:ea typeface="DejaVu Sans"/>
               </a:rPr>
               <a:t> </a:t>
             </a:r>
@@ -5723,6 +4062,7 @@
                   <a:srgbClr val="000000"/>
                 </a:solidFill>
                 <a:latin typeface="Arial"/>
+                <a:ea typeface="DejaVu Sans"/>
               </a:rPr>
               <a:t>Tight Binding</a:t>
             </a:r>
@@ -5732,6 +4072,7 @@
                   <a:srgbClr val="000000"/>
                 </a:solidFill>
                 <a:latin typeface="Arial"/>
+                <a:ea typeface="DejaVu Sans"/>
               </a:rPr>
               <a:t>  </a:t>
             </a:r>
@@ -5743,14 +4084,14 @@
       </p:sp>
       <p:sp>
         <p:nvSpPr>
-          <p:cNvPr id="94" name="CustomShape 36"/>
+          <p:cNvPr id="90" name="CustomShape 36"/>
           <p:cNvSpPr/>
           <p:nvPr/>
         </p:nvSpPr>
         <p:spPr>
           <a:xfrm>
             <a:off x="14543640" y="34930080"/>
-            <a:ext cx="3561480" cy="603000"/>
+            <a:ext cx="3561120" cy="602640"/>
           </a:xfrm>
           <a:prstGeom prst="rect">
             <a:avLst/>
@@ -5787,17 +4128,9 @@
                   <a:srgbClr val="000000"/>
                 </a:solidFill>
                 <a:latin typeface="Arial"/>
-              </a:rPr>
-              <a:t>Pseudop</a:t>
-            </a:r>
-            <a:r>
-              <a:rPr b="1" lang="en-US" sz="3200" spc="-1" strike="noStrike">
-                <a:solidFill>
-                  <a:srgbClr val="000000"/>
-                </a:solidFill>
-                <a:latin typeface="Arial"/>
-              </a:rPr>
-              <a:t>ot. [4] </a:t>
+                <a:ea typeface="DejaVu Sans"/>
+              </a:rPr>
+              <a:t>Pseudopot. [4] </a:t>
             </a:r>
             <a:endParaRPr b="0" lang="en-US" sz="3200" spc="-1" strike="noStrike">
               <a:latin typeface="Arial"/>
@@ -5807,14 +4140,14 @@
       </p:sp>
       <p:sp>
         <p:nvSpPr>
-          <p:cNvPr id="95" name="CustomShape 37"/>
+          <p:cNvPr id="91" name="CustomShape 37"/>
           <p:cNvSpPr/>
           <p:nvPr/>
         </p:nvSpPr>
         <p:spPr>
           <a:xfrm>
             <a:off x="14732280" y="40935960"/>
-            <a:ext cx="15077160" cy="1675080"/>
+            <a:ext cx="15076800" cy="1675080"/>
           </a:xfrm>
           <a:prstGeom prst="rect">
             <a:avLst/>
@@ -5849,17 +4182,9 @@
                   <a:srgbClr val="000000"/>
                 </a:solidFill>
                 <a:latin typeface="Arial"/>
-              </a:rPr>
-              <a:t>References</a:t>
-            </a:r>
-            <a:r>
-              <a:rPr b="1" lang="en-US" sz="2400" spc="-1" strike="noStrike">
-                <a:solidFill>
-                  <a:srgbClr val="000000"/>
-                </a:solidFill>
-                <a:latin typeface="Arial"/>
-              </a:rPr>
-              <a:t>:</a:t>
+                <a:ea typeface="DejaVu Sans"/>
+              </a:rPr>
+              <a:t>References:</a:t>
             </a:r>
             <a:endParaRPr b="0" lang="en-US" sz="2400" spc="-1" strike="noStrike">
               <a:latin typeface="Arial"/>
@@ -5877,26 +4202,9 @@
                   <a:srgbClr val="000000"/>
                 </a:solidFill>
                 <a:latin typeface="Arial"/>
-              </a:rPr>
-              <a:t>[1] </a:t>
-            </a:r>
-            <a:r>
-              <a:rPr b="1" lang="en-US" sz="2000" spc="-1" strike="noStrike">
-                <a:solidFill>
-                  <a:srgbClr val="000000"/>
-                </a:solidFill>
-                <a:latin typeface="Arial"/>
-              </a:rPr>
-              <a:t>Ghazisaeidi, </a:t>
-            </a:r>
-            <a:r>
-              <a:rPr b="1" lang="en-US" sz="2000" spc="-1" strike="noStrike">
-                <a:solidFill>
-                  <a:srgbClr val="000000"/>
-                </a:solidFill>
-                <a:latin typeface="Arial"/>
-              </a:rPr>
-              <a:t>(2012),</a:t>
+                <a:ea typeface="DejaVu Sans"/>
+              </a:rPr>
+              <a:t>[1] Ghazisaeidi, (2012),</a:t>
             </a:r>
             <a:r>
               <a:rPr b="1" i="1" lang="en-US" sz="2000" spc="-1" strike="noStrike">
@@ -5904,89 +4212,9 @@
                   <a:srgbClr val="000000"/>
                 </a:solidFill>
                 <a:latin typeface="Arial"/>
-              </a:rPr>
-              <a:t> Core </a:t>
-            </a:r>
-            <a:r>
-              <a:rPr b="1" i="1" lang="en-US" sz="2000" spc="-1" strike="noStrike">
-                <a:solidFill>
-                  <a:srgbClr val="000000"/>
-                </a:solidFill>
-                <a:latin typeface="Arial"/>
-              </a:rPr>
-              <a:t>structure of a </a:t>
-            </a:r>
-            <a:r>
-              <a:rPr b="1" i="1" lang="en-US" sz="2000" spc="-1" strike="noStrike">
-                <a:solidFill>
-                  <a:srgbClr val="000000"/>
-                </a:solidFill>
-                <a:latin typeface="Arial"/>
-              </a:rPr>
-              <a:t>screw </a:t>
-            </a:r>
-            <a:r>
-              <a:rPr b="1" i="1" lang="en-US" sz="2000" spc="-1" strike="noStrike">
-                <a:solidFill>
-                  <a:srgbClr val="000000"/>
-                </a:solidFill>
-                <a:latin typeface="Arial"/>
-              </a:rPr>
-              <a:t>dislocation in </a:t>
-            </a:r>
-            <a:r>
-              <a:rPr b="1" i="1" lang="en-US" sz="2000" spc="-1" strike="noStrike">
-                <a:solidFill>
-                  <a:srgbClr val="000000"/>
-                </a:solidFill>
-                <a:latin typeface="Arial"/>
-              </a:rPr>
-              <a:t>Ti from </a:t>
-            </a:r>
-            <a:r>
-              <a:rPr b="1" i="1" lang="en-US" sz="2000" spc="-1" strike="noStrike">
-                <a:solidFill>
-                  <a:srgbClr val="000000"/>
-                </a:solidFill>
-                <a:latin typeface="Arial"/>
-              </a:rPr>
-              <a:t>density </a:t>
-            </a:r>
-            <a:r>
-              <a:rPr b="1" i="1" lang="en-US" sz="2000" spc="-1" strike="noStrike">
-                <a:solidFill>
-                  <a:srgbClr val="000000"/>
-                </a:solidFill>
-                <a:latin typeface="Arial"/>
-              </a:rPr>
-              <a:t>functional </a:t>
-            </a:r>
-            <a:r>
-              <a:rPr b="1" i="1" lang="en-US" sz="2000" spc="-1" strike="noStrike">
-                <a:solidFill>
-                  <a:srgbClr val="000000"/>
-                </a:solidFill>
-                <a:latin typeface="Arial"/>
-              </a:rPr>
-              <a:t>theory and </a:t>
-            </a:r>
-            <a:r>
-              <a:rPr b="1" i="1" lang="en-US" sz="2000" spc="-1" strike="noStrike">
-                <a:solidFill>
-                  <a:srgbClr val="000000"/>
-                </a:solidFill>
-                <a:latin typeface="Arial"/>
-              </a:rPr>
-              <a:t>classical </a:t>
-            </a:r>
-            <a:r>
-              <a:rPr b="1" i="1" lang="en-US" sz="2000" spc="-1" strike="noStrike">
-                <a:solidFill>
-                  <a:srgbClr val="000000"/>
-                </a:solidFill>
-                <a:latin typeface="Arial"/>
-              </a:rPr>
-              <a:t>potentials</a:t>
+                <a:ea typeface="DejaVu Sans"/>
+              </a:rPr>
+              <a:t> Core structure of a screw dislocation in Ti from density functional theory and classical potentials</a:t>
             </a:r>
             <a:endParaRPr b="0" lang="en-US" sz="2000" spc="-1" strike="noStrike">
               <a:latin typeface="Arial"/>
@@ -6004,26 +4232,9 @@
                   <a:srgbClr val="000000"/>
                 </a:solidFill>
                 <a:latin typeface="Arial"/>
-              </a:rPr>
-              <a:t>[2] Stassis, D. </a:t>
-            </a:r>
-            <a:r>
-              <a:rPr b="1" lang="en-US" sz="2000" spc="-1" strike="noStrike">
-                <a:solidFill>
-                  <a:srgbClr val="000000"/>
-                </a:solidFill>
-                <a:latin typeface="Arial"/>
-              </a:rPr>
-              <a:t>Arch, B. </a:t>
-            </a:r>
-            <a:r>
-              <a:rPr b="1" lang="en-US" sz="2000" spc="-1" strike="noStrike">
-                <a:solidFill>
-                  <a:srgbClr val="000000"/>
-                </a:solidFill>
-                <a:latin typeface="Arial"/>
-              </a:rPr>
-              <a:t>(1979), </a:t>
+                <a:ea typeface="DejaVu Sans"/>
+              </a:rPr>
+              <a:t>[2] Stassis, D. Arch, B. (1979), </a:t>
             </a:r>
             <a:r>
               <a:rPr b="1" i="1" lang="en-US" sz="2000" spc="-1" strike="noStrike">
@@ -6031,26 +4242,9 @@
                   <a:srgbClr val="000000"/>
                 </a:solidFill>
                 <a:latin typeface="Arial"/>
-              </a:rPr>
-              <a:t>Lattice </a:t>
-            </a:r>
-            <a:r>
-              <a:rPr b="1" i="1" lang="en-US" sz="2000" spc="-1" strike="noStrike">
-                <a:solidFill>
-                  <a:srgbClr val="000000"/>
-                </a:solidFill>
-                <a:latin typeface="Arial"/>
-              </a:rPr>
-              <a:t>Dynamics of </a:t>
-            </a:r>
-            <a:r>
-              <a:rPr b="1" i="1" lang="en-US" sz="2000" spc="-1" strike="noStrike">
-                <a:solidFill>
-                  <a:srgbClr val="000000"/>
-                </a:solidFill>
-                <a:latin typeface="Arial"/>
-              </a:rPr>
-              <a:t>hcp Ti.</a:t>
+                <a:ea typeface="DejaVu Sans"/>
+              </a:rPr>
+              <a:t>Lattice Dynamics of hcp Ti.</a:t>
             </a:r>
             <a:endParaRPr b="0" lang="en-US" sz="2000" spc="-1" strike="noStrike">
               <a:latin typeface="Arial"/>
@@ -6068,26 +4262,9 @@
                   <a:srgbClr val="000000"/>
                 </a:solidFill>
                 <a:latin typeface="Arial"/>
-              </a:rPr>
-              <a:t>[3] Rodney, </a:t>
-            </a:r>
-            <a:r>
-              <a:rPr b="1" lang="en-US" sz="2000" spc="-1" strike="noStrike">
-                <a:solidFill>
-                  <a:srgbClr val="000000"/>
-                </a:solidFill>
-                <a:latin typeface="Arial"/>
-              </a:rPr>
-              <a:t>Ventelon </a:t>
-            </a:r>
-            <a:r>
-              <a:rPr b="1" lang="en-US" sz="2000" spc="-1" strike="noStrike">
-                <a:solidFill>
-                  <a:srgbClr val="000000"/>
-                </a:solidFill>
-                <a:latin typeface="Arial"/>
-              </a:rPr>
-              <a:t>(2016),</a:t>
+                <a:ea typeface="DejaVu Sans"/>
+              </a:rPr>
+              <a:t>[3] Rodney, Ventelon (2016),</a:t>
             </a:r>
             <a:r>
               <a:rPr b="1" i="1" lang="en-US" sz="2000" spc="-1" strike="noStrike">
@@ -6095,80 +4272,9 @@
                   <a:srgbClr val="000000"/>
                 </a:solidFill>
                 <a:latin typeface="Arial"/>
-              </a:rPr>
-              <a:t> Ab </a:t>
-            </a:r>
-            <a:r>
-              <a:rPr b="1" i="1" lang="en-US" sz="2000" spc="-1" strike="noStrike">
-                <a:solidFill>
-                  <a:srgbClr val="000000"/>
-                </a:solidFill>
-                <a:latin typeface="Arial"/>
-              </a:rPr>
-              <a:t>initio </a:t>
-            </a:r>
-            <a:r>
-              <a:rPr b="1" i="1" lang="en-US" sz="2000" spc="-1" strike="noStrike">
-                <a:solidFill>
-                  <a:srgbClr val="000000"/>
-                </a:solidFill>
-                <a:latin typeface="Arial"/>
-              </a:rPr>
-              <a:t>modelling of </a:t>
-            </a:r>
-            <a:r>
-              <a:rPr b="1" i="1" lang="en-US" sz="2000" spc="-1" strike="noStrike">
-                <a:solidFill>
-                  <a:srgbClr val="000000"/>
-                </a:solidFill>
-                <a:latin typeface="Arial"/>
-              </a:rPr>
-              <a:t>dislocation </a:t>
-            </a:r>
-            <a:r>
-              <a:rPr b="1" i="1" lang="en-US" sz="2000" spc="-1" strike="noStrike">
-                <a:solidFill>
-                  <a:srgbClr val="000000"/>
-                </a:solidFill>
-                <a:latin typeface="Arial"/>
-              </a:rPr>
-              <a:t>core </a:t>
-            </a:r>
-            <a:r>
-              <a:rPr b="1" i="1" lang="en-US" sz="2000" spc="-1" strike="noStrike">
-                <a:solidFill>
-                  <a:srgbClr val="000000"/>
-                </a:solidFill>
-                <a:latin typeface="Arial"/>
-              </a:rPr>
-              <a:t>properties in </a:t>
-            </a:r>
-            <a:r>
-              <a:rPr b="1" i="1" lang="en-US" sz="2000" spc="-1" strike="noStrike">
-                <a:solidFill>
-                  <a:srgbClr val="000000"/>
-                </a:solidFill>
-                <a:latin typeface="Arial"/>
-              </a:rPr>
-              <a:t>metals and </a:t>
-            </a:r>
-            <a:r>
-              <a:rPr b="1" i="1" lang="en-US" sz="2000" spc="-1" strike="noStrike">
-                <a:solidFill>
-                  <a:srgbClr val="000000"/>
-                </a:solidFill>
-                <a:latin typeface="Arial"/>
-              </a:rPr>
-              <a:t>semiconducto</a:t>
-            </a:r>
-            <a:r>
-              <a:rPr b="1" i="1" lang="en-US" sz="2000" spc="-1" strike="noStrike">
-                <a:solidFill>
-                  <a:srgbClr val="000000"/>
-                </a:solidFill>
-                <a:latin typeface="Arial"/>
-              </a:rPr>
-              <a:t>rs</a:t>
+                <a:ea typeface="DejaVu Sans"/>
+              </a:rPr>
+              <a:t> Ab initio modelling of dislocation core properties in metals and semiconductors</a:t>
             </a:r>
             <a:endParaRPr b="0" lang="en-US" sz="2000" spc="-1" strike="noStrike">
               <a:latin typeface="Arial"/>
@@ -6186,17 +4292,9 @@
                   <a:srgbClr val="000000"/>
                 </a:solidFill>
                 <a:latin typeface="Arial"/>
-              </a:rPr>
-              <a:t>[4] Ready </a:t>
-            </a:r>
-            <a:r>
-              <a:rPr b="1" lang="en-US" sz="2000" spc="-1" strike="noStrike">
-                <a:solidFill>
-                  <a:srgbClr val="000000"/>
-                </a:solidFill>
-                <a:latin typeface="Arial"/>
-              </a:rPr>
-              <a:t>(2019), </a:t>
+                <a:ea typeface="DejaVu Sans"/>
+              </a:rPr>
+              <a:t>[4] Ready (2019), </a:t>
             </a:r>
             <a:r>
               <a:rPr b="1" i="1" lang="en-US" sz="2000" spc="-1" strike="noStrike">
@@ -6204,62 +4302,9 @@
                   <a:srgbClr val="000000"/>
                 </a:solidFill>
                 <a:latin typeface="Arial"/>
-              </a:rPr>
-              <a:t>Stacking </a:t>
-            </a:r>
-            <a:r>
-              <a:rPr b="1" i="1" lang="en-US" sz="2000" spc="-1" strike="noStrike">
-                <a:solidFill>
-                  <a:srgbClr val="000000"/>
-                </a:solidFill>
-                <a:latin typeface="Arial"/>
-              </a:rPr>
-              <a:t>faults and the </a:t>
-            </a:r>
-            <a:r>
-              <a:rPr b="1" i="1" lang="en-US" sz="2000" spc="-1" strike="noStrike">
-                <a:solidFill>
-                  <a:srgbClr val="000000"/>
-                </a:solidFill>
-                <a:latin typeface="Arial"/>
-              </a:rPr>
-              <a:t>γ-surface on </a:t>
-            </a:r>
-            <a:r>
-              <a:rPr b="1" i="1" lang="en-US" sz="2000" spc="-1" strike="noStrike">
-                <a:solidFill>
-                  <a:srgbClr val="000000"/>
-                </a:solidFill>
-                <a:latin typeface="Arial"/>
-              </a:rPr>
-              <a:t>{1-101} </a:t>
-            </a:r>
-            <a:r>
-              <a:rPr b="1" i="1" lang="en-US" sz="2000" spc="-1" strike="noStrike">
-                <a:solidFill>
-                  <a:srgbClr val="000000"/>
-                </a:solidFill>
-                <a:latin typeface="Arial"/>
-              </a:rPr>
-              <a:t>pyramidal </a:t>
-            </a:r>
-            <a:r>
-              <a:rPr b="1" i="1" lang="en-US" sz="2000" spc="-1" strike="noStrike">
-                <a:solidFill>
-                  <a:srgbClr val="000000"/>
-                </a:solidFill>
-                <a:latin typeface="Arial"/>
-              </a:rPr>
-              <a:t>planes in α-</a:t>
-            </a:r>
-            <a:r>
-              <a:rPr b="1" i="1" lang="en-US" sz="2000" spc="-1" strike="noStrike">
-                <a:solidFill>
-                  <a:srgbClr val="000000"/>
-                </a:solidFill>
-                <a:latin typeface="Arial"/>
-              </a:rPr>
-              <a:t>titanium.</a:t>
+                <a:ea typeface="DejaVu Sans"/>
+              </a:rPr>
+              <a:t>Stacking faults and the γ-surface on {1-101} pyramidal planes in α-titanium.</a:t>
             </a:r>
             <a:endParaRPr b="0" lang="en-US" sz="2000" spc="-1" strike="noStrike">
               <a:latin typeface="Arial"/>
@@ -6269,14 +4314,14 @@
       </p:sp>
       <p:sp>
         <p:nvSpPr>
-          <p:cNvPr id="96" name="CustomShape 38"/>
+          <p:cNvPr id="92" name="CustomShape 38"/>
           <p:cNvSpPr/>
           <p:nvPr/>
         </p:nvSpPr>
         <p:spPr>
           <a:xfrm>
             <a:off x="19346040" y="24476760"/>
-            <a:ext cx="5852160" cy="1272960"/>
+            <a:ext cx="5851800" cy="1272960"/>
           </a:xfrm>
           <a:prstGeom prst="rect">
             <a:avLst/>
@@ -6313,17 +4358,9 @@
                   <a:srgbClr val="000000"/>
                 </a:solidFill>
                 <a:latin typeface="Arial"/>
-              </a:rPr>
-              <a:t>Predicted </a:t>
-            </a:r>
-            <a:r>
-              <a:rPr b="1" lang="en-US" sz="2800" spc="-1" strike="noStrike">
-                <a:solidFill>
-                  <a:srgbClr val="000000"/>
-                </a:solidFill>
-                <a:latin typeface="Arial"/>
-              </a:rPr>
-              <a:t>Splitting:</a:t>
+                <a:ea typeface="DejaVu Sans"/>
+              </a:rPr>
+              <a:t>Predicted Splitting:</a:t>
             </a:r>
             <a:endParaRPr b="0" lang="en-US" sz="2800" spc="-1" strike="noStrike">
               <a:latin typeface="Arial"/>
@@ -6343,17 +4380,7 @@
                 <a:latin typeface="Arial"/>
                 <a:ea typeface="github-octicons"/>
               </a:rPr>
-              <a:t>DFT: 1/3[1-</a:t>
-            </a:r>
-            <a:r>
-              <a:rPr b="1" lang="en-US" sz="2400" spc="-1" strike="noStrike">
-                <a:solidFill>
-                  <a:srgbClr val="000000"/>
-                </a:solidFill>
-                <a:latin typeface="Arial"/>
-                <a:ea typeface="github-octicons"/>
-              </a:rPr>
-              <a:t>210] </a:t>
+              <a:t>DFT: 1/3[1-210] </a:t>
             </a:r>
             <a:r>
               <a:rPr b="1" lang="en-US" sz="2400" spc="-1" strike="noStrike">
@@ -6373,37 +4400,7 @@
                 <a:latin typeface="Arial"/>
                 <a:ea typeface="github-octicons"/>
               </a:rPr>
-              <a:t> </a:t>
-            </a:r>
-            <a:r>
-              <a:rPr b="1" lang="en-US" sz="2400" spc="-1" strike="noStrike">
-                <a:solidFill>
-                  <a:srgbClr val="000000"/>
-                </a:solidFill>
-                <a:latin typeface="Arial"/>
-                <a:ea typeface="github-octicons"/>
-              </a:rPr>
-              <a:t>1/3[1-</a:t>
-            </a:r>
-            <a:r>
-              <a:rPr b="1" lang="en-US" sz="2400" spc="-1" strike="noStrike">
-                <a:solidFill>
-                  <a:srgbClr val="000000"/>
-                </a:solidFill>
-                <a:latin typeface="Arial"/>
-                <a:ea typeface="github-octicons"/>
-              </a:rPr>
-              <a:t>100] + </a:t>
-            </a:r>
-            <a:r>
-              <a:rPr b="1" lang="en-US" sz="2400" spc="-1" strike="noStrike">
-                <a:solidFill>
-                  <a:srgbClr val="000000"/>
-                </a:solidFill>
-                <a:latin typeface="Arial"/>
-                <a:ea typeface="github-octicons"/>
-              </a:rPr>
-              <a:t>1/3[0-110]</a:t>
+              <a:t> 1/3[1-100] + 1/3[0-110]</a:t>
             </a:r>
             <a:endParaRPr b="0" lang="en-US" sz="2400" spc="-1" strike="noStrike">
               <a:latin typeface="Arial"/>
@@ -6421,17 +4418,9 @@
                   <a:srgbClr val="000000"/>
                 </a:solidFill>
                 <a:latin typeface="Arial"/>
-              </a:rPr>
-              <a:t>TB:   1/3[1-</a:t>
-            </a:r>
-            <a:r>
-              <a:rPr b="1" lang="en-US" sz="2400" spc="-1" strike="noStrike">
-                <a:solidFill>
-                  <a:srgbClr val="000000"/>
-                </a:solidFill>
-                <a:latin typeface="Arial"/>
-              </a:rPr>
-              <a:t>210] </a:t>
+                <a:ea typeface="DejaVu Sans"/>
+              </a:rPr>
+              <a:t>TB:   1/3[1-210] </a:t>
             </a:r>
             <a:r>
               <a:rPr b="1" lang="en-US" sz="2400" spc="-1" strike="noStrike">
@@ -6451,37 +4440,7 @@
                 <a:latin typeface="Arial"/>
                 <a:ea typeface="github-octicons"/>
               </a:rPr>
-              <a:t> </a:t>
-            </a:r>
-            <a:r>
-              <a:rPr b="1" lang="en-US" sz="2400" spc="-1" strike="noStrike">
-                <a:solidFill>
-                  <a:srgbClr val="000000"/>
-                </a:solidFill>
-                <a:latin typeface="Arial"/>
-                <a:ea typeface="github-octicons"/>
-              </a:rPr>
-              <a:t>1/3[1-</a:t>
-            </a:r>
-            <a:r>
-              <a:rPr b="1" lang="en-US" sz="2400" spc="-1" strike="noStrike">
-                <a:solidFill>
-                  <a:srgbClr val="000000"/>
-                </a:solidFill>
-                <a:latin typeface="Arial"/>
-                <a:ea typeface="github-octicons"/>
-              </a:rPr>
-              <a:t>100] + </a:t>
-            </a:r>
-            <a:r>
-              <a:rPr b="1" lang="en-US" sz="2400" spc="-1" strike="noStrike">
-                <a:solidFill>
-                  <a:srgbClr val="000000"/>
-                </a:solidFill>
-                <a:latin typeface="Arial"/>
-                <a:ea typeface="github-octicons"/>
-              </a:rPr>
-              <a:t>1/3[0-110]</a:t>
+              <a:t> 1/3[1-100] + 1/3[0-110]</a:t>
             </a:r>
             <a:endParaRPr b="0" lang="en-US" sz="2400" spc="-1" strike="noStrike">
               <a:latin typeface="Arial"/>
@@ -6491,14 +4450,14 @@
       </p:sp>
       <p:sp>
         <p:nvSpPr>
-          <p:cNvPr id="97" name="CustomShape 39"/>
+          <p:cNvPr id="93" name="CustomShape 39"/>
           <p:cNvSpPr/>
           <p:nvPr/>
         </p:nvSpPr>
         <p:spPr>
           <a:xfrm>
             <a:off x="17595000" y="29878920"/>
-            <a:ext cx="9889200" cy="1272960"/>
+            <a:ext cx="9888840" cy="1272960"/>
           </a:xfrm>
           <a:prstGeom prst="rect">
             <a:avLst/>
@@ -6535,17 +4494,9 @@
                   <a:srgbClr val="000000"/>
                 </a:solidFill>
                 <a:latin typeface="Arial"/>
-              </a:rPr>
-              <a:t>Predicted </a:t>
-            </a:r>
-            <a:r>
-              <a:rPr b="1" lang="en-US" sz="2800" spc="-1" strike="noStrike">
-                <a:solidFill>
-                  <a:srgbClr val="000000"/>
-                </a:solidFill>
-                <a:latin typeface="Arial"/>
-              </a:rPr>
-              <a:t>Splitting:</a:t>
+                <a:ea typeface="DejaVu Sans"/>
+              </a:rPr>
+              <a:t>Predicted Splitting:</a:t>
             </a:r>
             <a:endParaRPr b="0" lang="en-US" sz="2800" spc="-1" strike="noStrike">
               <a:latin typeface="Arial"/>
@@ -6565,17 +4516,7 @@
                 <a:latin typeface="Arial"/>
                 <a:ea typeface="github-octicons"/>
               </a:rPr>
-              <a:t>DFT: 1/3[1-</a:t>
-            </a:r>
-            <a:r>
-              <a:rPr b="1" lang="en-US" sz="2400" spc="-1" strike="noStrike">
-                <a:solidFill>
-                  <a:srgbClr val="000000"/>
-                </a:solidFill>
-                <a:latin typeface="Arial"/>
-                <a:ea typeface="github-octicons"/>
-              </a:rPr>
-              <a:t>210] </a:t>
+              <a:t>DFT: 1/3[1-210] </a:t>
             </a:r>
             <a:r>
               <a:rPr b="1" lang="en-US" sz="2400" spc="-1" strike="noStrike">
@@ -6595,37 +4536,7 @@
                 <a:latin typeface="Arial"/>
                 <a:ea typeface="github-octicons"/>
               </a:rPr>
-              <a:t> </a:t>
-            </a:r>
-            <a:r>
-              <a:rPr b="1" lang="en-US" sz="2400" spc="-1" strike="noStrike">
-                <a:solidFill>
-                  <a:srgbClr val="000000"/>
-                </a:solidFill>
-                <a:latin typeface="Arial"/>
-                <a:ea typeface="github-octicons"/>
-              </a:rPr>
-              <a:t>1/6[1-</a:t>
-            </a:r>
-            <a:r>
-              <a:rPr b="1" lang="en-US" sz="2400" spc="-1" strike="noStrike">
-                <a:solidFill>
-                  <a:srgbClr val="000000"/>
-                </a:solidFill>
-                <a:latin typeface="Arial"/>
-                <a:ea typeface="github-octicons"/>
-              </a:rPr>
-              <a:t>210] + </a:t>
-            </a:r>
-            <a:r>
-              <a:rPr b="1" lang="en-US" sz="2400" spc="-1" strike="noStrike">
-                <a:solidFill>
-                  <a:srgbClr val="000000"/>
-                </a:solidFill>
-                <a:latin typeface="Arial"/>
-                <a:ea typeface="github-octicons"/>
-              </a:rPr>
-              <a:t>1/6[1-210]</a:t>
+              <a:t> 1/6[1-210] + 1/6[1-210]</a:t>
             </a:r>
             <a:endParaRPr b="0" lang="en-US" sz="2400" spc="-1" strike="noStrike">
               <a:latin typeface="Arial"/>
@@ -6643,17 +4554,9 @@
                   <a:srgbClr val="000000"/>
                 </a:solidFill>
                 <a:latin typeface="Arial"/>
-              </a:rPr>
-              <a:t>TB:   1/3[1-</a:t>
-            </a:r>
-            <a:r>
-              <a:rPr b="1" lang="en-US" sz="2400" spc="-1" strike="noStrike">
-                <a:solidFill>
-                  <a:srgbClr val="000000"/>
-                </a:solidFill>
-                <a:latin typeface="Arial"/>
-              </a:rPr>
-              <a:t>210] </a:t>
+                <a:ea typeface="DejaVu Sans"/>
+              </a:rPr>
+              <a:t>TB:   1/3[1-210] </a:t>
             </a:r>
             <a:r>
               <a:rPr b="1" lang="en-US" sz="2400" spc="-1" strike="noStrike">
@@ -6673,77 +4576,7 @@
                 <a:latin typeface="Arial"/>
                 <a:ea typeface="github-octicons"/>
               </a:rPr>
-              <a:t> </a:t>
-            </a:r>
-            <a:r>
-              <a:rPr b="1" lang="en-US" sz="2400" spc="-1" strike="noStrike">
-                <a:solidFill>
-                  <a:srgbClr val="000000"/>
-                </a:solidFill>
-                <a:latin typeface="Arial"/>
-                <a:ea typeface="github-octicons"/>
-              </a:rPr>
-              <a:t>(</a:t>
-            </a:r>
-            <a:r>
-              <a:rPr b="1" lang="en-US" sz="2400" spc="-1" strike="noStrike">
-                <a:solidFill>
-                  <a:srgbClr val="000000"/>
-                </a:solidFill>
-                <a:latin typeface="Arial"/>
-                <a:ea typeface="github-octicons"/>
-              </a:rPr>
-              <a:t>1/6[1-210] </a:t>
-            </a:r>
-            <a:r>
-              <a:rPr b="1" lang="en-US" sz="2400" spc="-1" strike="noStrike">
-                <a:solidFill>
-                  <a:srgbClr val="000000"/>
-                </a:solidFill>
-                <a:latin typeface="Arial"/>
-                <a:ea typeface="github-octicons"/>
-              </a:rPr>
-              <a:t>+ </a:t>
-            </a:r>
-            <a:r>
-              <a:rPr b="1" lang="en-US" sz="2400" spc="-1" strike="noStrike">
-                <a:solidFill>
-                  <a:srgbClr val="000000"/>
-                </a:solidFill>
-                <a:latin typeface="Arial"/>
-                <a:ea typeface="github-octicons"/>
-              </a:rPr>
-              <a:t>0.15[0001]) </a:t>
-            </a:r>
-            <a:r>
-              <a:rPr b="1" lang="en-US" sz="2400" spc="-1" strike="noStrike">
-                <a:solidFill>
-                  <a:srgbClr val="000000"/>
-                </a:solidFill>
-                <a:latin typeface="Arial"/>
-                <a:ea typeface="github-octicons"/>
-              </a:rPr>
-              <a:t>+ (1/6[1-</a:t>
-            </a:r>
-            <a:r>
-              <a:rPr b="1" lang="en-US" sz="2400" spc="-1" strike="noStrike">
-                <a:solidFill>
-                  <a:srgbClr val="000000"/>
-                </a:solidFill>
-                <a:latin typeface="Arial"/>
-                <a:ea typeface="github-octicons"/>
-              </a:rPr>
-              <a:t>210] - </a:t>
-            </a:r>
-            <a:r>
-              <a:rPr b="1" lang="en-US" sz="2400" spc="-1" strike="noStrike">
-                <a:solidFill>
-                  <a:srgbClr val="000000"/>
-                </a:solidFill>
-                <a:latin typeface="Arial"/>
-                <a:ea typeface="github-octicons"/>
-              </a:rPr>
-              <a:t>0.15[0001])</a:t>
+              <a:t> (1/6[1-210] + 0.15[0001]) + (1/6[1-210] - 0.15[0001])</a:t>
             </a:r>
             <a:endParaRPr b="0" lang="en-US" sz="2400" spc="-1" strike="noStrike">
               <a:latin typeface="Arial"/>
@@ -6753,20 +4586,18 @@
       </p:sp>
       <p:pic>
         <p:nvPicPr>
-          <p:cNvPr id="98" name="" descr=""/>
+          <p:cNvPr id="94" name="" descr=""/>
           <p:cNvPicPr/>
           <p:nvPr/>
         </p:nvPicPr>
         <p:blipFill>
-          <a:blip r:embed="rId13">
-            <a:alphaModFix amt="50000"/>
-          </a:blip>
+          <a:blip r:embed="rId13"/>
           <a:stretch/>
         </p:blipFill>
         <p:spPr>
           <a:xfrm>
             <a:off x="3765600" y="35578440"/>
-            <a:ext cx="2197440" cy="1219680"/>
+            <a:ext cx="2197080" cy="1219320"/>
           </a:xfrm>
           <a:prstGeom prst="rect">
             <a:avLst/>
@@ -6778,7 +4609,7 @@
       </p:pic>
       <p:pic>
         <p:nvPicPr>
-          <p:cNvPr id="99" name="" descr=""/>
+          <p:cNvPr id="95" name="" descr=""/>
           <p:cNvPicPr/>
           <p:nvPr/>
         </p:nvPicPr>
@@ -6789,7 +4620,7 @@
         <p:spPr>
           <a:xfrm>
             <a:off x="3767400" y="41013000"/>
-            <a:ext cx="2197800" cy="1220040"/>
+            <a:ext cx="2197440" cy="1219680"/>
           </a:xfrm>
           <a:prstGeom prst="rect">
             <a:avLst/>
@@ -6801,14 +4632,14 @@
       </p:pic>
       <p:sp>
         <p:nvSpPr>
-          <p:cNvPr id="100" name="CustomShape 40"/>
+          <p:cNvPr id="96" name="CustomShape 40"/>
           <p:cNvSpPr/>
           <p:nvPr/>
         </p:nvSpPr>
         <p:spPr>
           <a:xfrm>
             <a:off x="17691840" y="36593640"/>
-            <a:ext cx="10241280" cy="1273680"/>
+            <a:ext cx="10240920" cy="1273320"/>
           </a:xfrm>
           <a:prstGeom prst="rect">
             <a:avLst/>
@@ -6845,6 +4676,7 @@
                   <a:srgbClr val="000000"/>
                 </a:solidFill>
                 <a:latin typeface="Arial"/>
+                <a:ea typeface="DejaVu Sans"/>
               </a:rPr>
               <a:t>Predicted Splitting:</a:t>
             </a:r>
@@ -6886,17 +4718,7 @@
                 <a:latin typeface="Arial"/>
                 <a:ea typeface="github-octicons"/>
               </a:rPr>
-              <a:t> 4</a:t>
-            </a:r>
-            <a:r>
-              <a:rPr b="1" lang="en-US" sz="2400" spc="-1" strike="noStrike">
-                <a:solidFill>
-                  <a:srgbClr val="000000"/>
-                </a:solidFill>
-                <a:latin typeface="Arial"/>
-                <a:ea typeface="github-octicons"/>
-              </a:rPr>
-              <a:t>/18[1-102] + 4/18[42-62] + 4/18[2-1-13]</a:t>
+              <a:t> 4/18[1-102] + 4/18[42-62] + 4/18[2-1-13]</a:t>
             </a:r>
             <a:endParaRPr b="0" lang="en-US" sz="2400" spc="-1" strike="noStrike">
               <a:latin typeface="Arial"/>
@@ -6956,17 +4778,7 @@
                 <a:latin typeface="Arial"/>
                 <a:ea typeface="github-octicons"/>
               </a:rPr>
-              <a:t> 4</a:t>
-            </a:r>
-            <a:r>
-              <a:rPr b="1" lang="en-US" sz="2400" spc="-1" strike="noStrike">
-                <a:solidFill>
-                  <a:srgbClr val="000000"/>
-                </a:solidFill>
-                <a:latin typeface="Arial"/>
-                <a:ea typeface="github-octicons"/>
-              </a:rPr>
-              <a:t>/18[1-102] + 4/18[42-62] + 4/18[2-1-13]</a:t>
+              <a:t> 4/18[1-102] + 4/18[42-62] + 4/18[2-1-13]</a:t>
             </a:r>
             <a:endParaRPr b="0" lang="en-US" sz="2400" spc="-1" strike="noStrike">
               <a:latin typeface="Arial"/>
@@ -6976,7 +4788,7 @@
       </p:sp>
       <p:graphicFrame>
         <p:nvGraphicFramePr>
-          <p:cNvPr id="101" name="Table 41"/>
+          <p:cNvPr id="97" name="Table 41"/>
           <p:cNvGraphicFramePr/>
           <p:nvPr/>
         </p:nvGraphicFramePr>
@@ -6997,10 +4809,15 @@
               <a:tr h="581400">
                 <a:tc>
                   <a:txBody>
-                    <a:bodyPr lIns="90000" rIns="90000" tIns="46800" bIns="46800">
+                    <a:bodyPr lIns="90000" rIns="90000">
                       <a:noAutofit/>
                     </a:bodyPr>
                     <a:p>
+                      <a:pPr>
+                        <a:lnSpc>
+                          <a:spcPct val="100000"/>
+                        </a:lnSpc>
+                      </a:pPr>
                       <a:r>
                         <a:rPr b="1" lang="en-US" sz="3200" spc="-1" strike="noStrike">
                           <a:solidFill>
@@ -7043,11 +4860,14 @@
                 </a:tc>
                 <a:tc>
                   <a:txBody>
-                    <a:bodyPr lIns="90000" rIns="90000" tIns="46800" bIns="46800">
+                    <a:bodyPr lIns="90000" rIns="90000">
                       <a:noAutofit/>
                     </a:bodyPr>
                     <a:p>
-                      <a:pPr marL="216000" indent="-216000">
+                      <a:pPr marL="216000" indent="-215640">
+                        <a:lnSpc>
+                          <a:spcPct val="100000"/>
+                        </a:lnSpc>
                         <a:buClr>
                           <a:srgbClr val="000000"/>
                         </a:buClr>
@@ -7064,10 +4884,7 @@
                         </a:rPr>
                         <a:t>Units</a:t>
                       </a:r>
-                      <a:endParaRPr b="1" lang="en-US" sz="3200" spc="-1" strike="noStrike">
-                        <a:solidFill>
-                          <a:srgbClr val="ffffff"/>
-                        </a:solidFill>
+                      <a:endParaRPr b="0" lang="en-US" sz="3200" spc="-1" strike="noStrike">
                         <a:latin typeface="Arial"/>
                       </a:endParaRPr>
                     </a:p>
@@ -7100,11 +4917,15 @@
                 </a:tc>
                 <a:tc>
                   <a:txBody>
-                    <a:bodyPr lIns="90000" rIns="90000" tIns="46800" bIns="46800">
+                    <a:bodyPr lIns="90000" rIns="90000">
                       <a:noAutofit/>
                     </a:bodyPr>
                     <a:p>
-                      <a:pPr algn="ctr"/>
+                      <a:pPr algn="ctr">
+                        <a:lnSpc>
+                          <a:spcPct val="100000"/>
+                        </a:lnSpc>
+                      </a:pPr>
                       <a:r>
                         <a:rPr b="1" lang="en-US" sz="3200" spc="-1" strike="noStrike">
                           <a:solidFill>
@@ -7114,10 +4935,7 @@
                         </a:rPr>
                         <a:t>TB model</a:t>
                       </a:r>
-                      <a:endParaRPr b="1" lang="en-US" sz="3200" spc="-1" strike="noStrike">
-                        <a:solidFill>
-                          <a:srgbClr val="ffffff"/>
-                        </a:solidFill>
+                      <a:endParaRPr b="0" lang="en-US" sz="3200" spc="-1" strike="noStrike">
                         <a:latin typeface="Arial"/>
                       </a:endParaRPr>
                     </a:p>
@@ -7150,11 +4968,14 @@
                 </a:tc>
                 <a:tc>
                   <a:txBody>
-                    <a:bodyPr lIns="90000" rIns="90000" tIns="46800" bIns="46800">
+                    <a:bodyPr lIns="90000" rIns="90000">
                       <a:noAutofit/>
                     </a:bodyPr>
                     <a:p>
-                      <a:pPr marL="216000" indent="-216000" algn="ctr">
+                      <a:pPr marL="216000" indent="-215640" algn="ctr">
+                        <a:lnSpc>
+                          <a:spcPct val="100000"/>
+                        </a:lnSpc>
                         <a:buClr>
                           <a:srgbClr val="000000"/>
                         </a:buClr>
@@ -7171,10 +4992,7 @@
                         </a:rPr>
                         <a:t>Target</a:t>
                       </a:r>
-                      <a:endParaRPr b="1" lang="en-US" sz="3200" spc="-1" strike="noStrike">
-                        <a:solidFill>
-                          <a:srgbClr val="ffffff"/>
-                        </a:solidFill>
+                      <a:endParaRPr b="0" lang="en-US" sz="3200" spc="-1" strike="noStrike">
                         <a:latin typeface="Arial"/>
                       </a:endParaRPr>
                     </a:p>
@@ -7209,11 +5027,15 @@
               <a:tr h="681120">
                 <a:tc>
                   <a:txBody>
-                    <a:bodyPr lIns="90000" rIns="90000" tIns="46800" bIns="46800">
+                    <a:bodyPr lIns="90000" rIns="90000">
                       <a:noAutofit/>
                     </a:bodyPr>
                     <a:p>
-                      <a:pPr algn="ctr"/>
+                      <a:pPr algn="ctr">
+                        <a:lnSpc>
+                          <a:spcPct val="100000"/>
+                        </a:lnSpc>
+                      </a:pPr>
                       <a:r>
                         <a:rPr b="0" lang="en-US" sz="3200" spc="-1" strike="noStrike">
                           <a:latin typeface="Arial"/>
@@ -7224,12 +5046,14 @@
                       <a:r>
                         <a:rPr b="0" lang="en-US" sz="3200" spc="-1" strike="noStrike" baseline="-33000">
                           <a:latin typeface="Arial"/>
+                          <a:ea typeface="Droid Sans Fallback"/>
                         </a:rPr>
                         <a:t>α</a:t>
                       </a:r>
                       <a:r>
                         <a:rPr b="0" lang="en-US" sz="3200" spc="-1" strike="noStrike">
                           <a:latin typeface="Arial"/>
+                          <a:ea typeface="Droid Sans Fallback"/>
                         </a:rPr>
                         <a:t>  </a:t>
                       </a:r>
@@ -7266,11 +5090,15 @@
                 </a:tc>
                 <a:tc>
                   <a:txBody>
-                    <a:bodyPr lIns="90000" rIns="90000" tIns="46800" bIns="46800">
+                    <a:bodyPr lIns="90000" rIns="90000">
                       <a:noAutofit/>
                     </a:bodyPr>
                     <a:p>
-                      <a:pPr algn="ctr"/>
+                      <a:pPr algn="ctr">
+                        <a:lnSpc>
+                          <a:spcPct val="100000"/>
+                        </a:lnSpc>
+                      </a:pPr>
                       <a:r>
                         <a:rPr b="0" lang="en-US" sz="3200" spc="-1" strike="noStrike">
                           <a:latin typeface="Arial"/>
@@ -7310,11 +5138,15 @@
                 </a:tc>
                 <a:tc>
                   <a:txBody>
-                    <a:bodyPr lIns="90000" rIns="90000" tIns="46800" bIns="46800">
+                    <a:bodyPr lIns="90000" rIns="90000">
                       <a:noAutofit/>
                     </a:bodyPr>
                     <a:p>
-                      <a:pPr algn="ctr"/>
+                      <a:pPr algn="ctr">
+                        <a:lnSpc>
+                          <a:spcPct val="100000"/>
+                        </a:lnSpc>
+                      </a:pPr>
                       <a:r>
                         <a:rPr b="0" lang="en-US" sz="3200" spc="-1" strike="noStrike">
                           <a:latin typeface="Arial"/>
@@ -7354,11 +5186,15 @@
                 </a:tc>
                 <a:tc>
                   <a:txBody>
-                    <a:bodyPr lIns="90000" rIns="90000" tIns="46800" bIns="46800">
+                    <a:bodyPr lIns="90000" rIns="90000">
                       <a:noAutofit/>
                     </a:bodyPr>
                     <a:p>
-                      <a:pPr algn="ctr"/>
+                      <a:pPr algn="ctr">
+                        <a:lnSpc>
+                          <a:spcPct val="100000"/>
+                        </a:lnSpc>
+                      </a:pPr>
                       <a:r>
                         <a:rPr b="0" lang="en-US" sz="3200" spc="-1" strike="noStrike">
                           <a:latin typeface="Arial"/>
@@ -7400,23 +5236,21 @@
               <a:tr h="581400">
                 <a:tc>
                   <a:txBody>
-                    <a:bodyPr lIns="90000" rIns="90000" tIns="46800" bIns="46800">
+                    <a:bodyPr lIns="90000" rIns="90000">
                       <a:noAutofit/>
                     </a:bodyPr>
                     <a:p>
-                      <a:pPr algn="ctr"/>
+                      <a:pPr algn="ctr">
+                        <a:lnSpc>
+                          <a:spcPct val="100000"/>
+                        </a:lnSpc>
+                      </a:pPr>
                       <a:r>
                         <a:rPr b="0" lang="en-US" sz="3200" spc="-1" strike="noStrike">
                           <a:latin typeface="Arial"/>
                           <a:ea typeface="Droid Sans Fallback"/>
                         </a:rPr>
-                        <a:t>c/a</a:t>
-                      </a:r>
-                      <a:r>
-                        <a:rPr b="0" lang="en-US" sz="3200" spc="-1" strike="noStrike">
-                          <a:latin typeface="Arial"/>
-                        </a:rPr>
-                        <a:t> </a:t>
+                        <a:t>c/a </a:t>
                       </a:r>
                       <a:endParaRPr b="0" lang="en-US" sz="3200" spc="-1" strike="noStrike">
                         <a:latin typeface="Arial"/>
@@ -7451,11 +5285,15 @@
                 </a:tc>
                 <a:tc>
                   <a:txBody>
-                    <a:bodyPr lIns="90000" rIns="90000" tIns="46800" bIns="46800">
+                    <a:bodyPr lIns="90000" rIns="90000">
                       <a:noAutofit/>
                     </a:bodyPr>
                     <a:p>
-                      <a:pPr algn="ctr"/>
+                      <a:pPr algn="ctr">
+                        <a:lnSpc>
+                          <a:spcPct val="100000"/>
+                        </a:lnSpc>
+                      </a:pPr>
                       <a:r>
                         <a:rPr b="0" lang="en-US" sz="3200" spc="-1" strike="noStrike">
                           <a:latin typeface="Arial"/>
@@ -7495,11 +5333,15 @@
                 </a:tc>
                 <a:tc>
                   <a:txBody>
-                    <a:bodyPr lIns="90000" rIns="90000" tIns="46800" bIns="46800">
+                    <a:bodyPr lIns="90000" rIns="90000">
                       <a:noAutofit/>
                     </a:bodyPr>
                     <a:p>
-                      <a:pPr algn="ctr"/>
+                      <a:pPr algn="ctr">
+                        <a:lnSpc>
+                          <a:spcPct val="100000"/>
+                        </a:lnSpc>
+                      </a:pPr>
                       <a:r>
                         <a:rPr b="0" lang="en-US" sz="3200" spc="-1" strike="noStrike">
                           <a:latin typeface="Arial"/>
@@ -7539,11 +5381,15 @@
                 </a:tc>
                 <a:tc>
                   <a:txBody>
-                    <a:bodyPr lIns="90000" rIns="90000" tIns="46800" bIns="46800">
+                    <a:bodyPr lIns="90000" rIns="90000">
                       <a:noAutofit/>
                     </a:bodyPr>
                     <a:p>
-                      <a:pPr algn="ctr"/>
+                      <a:pPr algn="ctr">
+                        <a:lnSpc>
+                          <a:spcPct val="100000"/>
+                        </a:lnSpc>
+                      </a:pPr>
                       <a:r>
                         <a:rPr b="0" lang="en-US" sz="3200" spc="-1" strike="noStrike">
                           <a:latin typeface="Arial"/>
@@ -7585,11 +5431,15 @@
               <a:tr h="681120">
                 <a:tc>
                   <a:txBody>
-                    <a:bodyPr lIns="90000" rIns="90000" tIns="46800" bIns="46800">
+                    <a:bodyPr lIns="90000" rIns="90000">
                       <a:noAutofit/>
                     </a:bodyPr>
                     <a:p>
-                      <a:pPr algn="ctr"/>
+                      <a:pPr algn="ctr">
+                        <a:lnSpc>
+                          <a:spcPct val="100000"/>
+                        </a:lnSpc>
+                      </a:pPr>
                       <a:r>
                         <a:rPr b="0" lang="en-US" sz="3200" spc="-1" strike="noStrike">
                           <a:latin typeface="Arial"/>
@@ -7637,11 +5487,15 @@
                 </a:tc>
                 <a:tc>
                   <a:txBody>
-                    <a:bodyPr lIns="90000" rIns="90000" tIns="46800" bIns="46800">
+                    <a:bodyPr lIns="90000" rIns="90000">
                       <a:noAutofit/>
                     </a:bodyPr>
                     <a:p>
-                      <a:pPr algn="ctr"/>
+                      <a:pPr algn="ctr">
+                        <a:lnSpc>
+                          <a:spcPct val="100000"/>
+                        </a:lnSpc>
+                      </a:pPr>
                       <a:r>
                         <a:rPr b="0" lang="en-US" sz="3200" spc="-1" strike="noStrike">
                           <a:latin typeface="Arial"/>
@@ -7681,11 +5535,15 @@
                 </a:tc>
                 <a:tc>
                   <a:txBody>
-                    <a:bodyPr lIns="90000" rIns="90000" tIns="46800" bIns="46800">
+                    <a:bodyPr lIns="90000" rIns="90000">
                       <a:noAutofit/>
                     </a:bodyPr>
                     <a:p>
-                      <a:pPr algn="ctr"/>
+                      <a:pPr algn="ctr">
+                        <a:lnSpc>
+                          <a:spcPct val="100000"/>
+                        </a:lnSpc>
+                      </a:pPr>
                       <a:r>
                         <a:rPr b="0" lang="en-US" sz="3200" spc="-1" strike="noStrike">
                           <a:latin typeface="Arial"/>
@@ -7725,11 +5583,15 @@
                 </a:tc>
                 <a:tc>
                   <a:txBody>
-                    <a:bodyPr lIns="90000" rIns="90000" tIns="46800" bIns="46800">
+                    <a:bodyPr lIns="90000" rIns="90000">
                       <a:noAutofit/>
                     </a:bodyPr>
                     <a:p>
-                      <a:pPr algn="ctr"/>
+                      <a:pPr algn="ctr">
+                        <a:lnSpc>
+                          <a:spcPct val="100000"/>
+                        </a:lnSpc>
+                      </a:pPr>
                       <a:r>
                         <a:rPr b="0" lang="en-US" sz="3200" spc="-1" strike="noStrike">
                           <a:latin typeface="Arial"/>
@@ -7771,11 +5633,15 @@
               <a:tr h="681120">
                 <a:tc>
                   <a:txBody>
-                    <a:bodyPr lIns="90000" rIns="90000" tIns="46800" bIns="46800">
+                    <a:bodyPr lIns="90000" rIns="90000">
                       <a:noAutofit/>
                     </a:bodyPr>
                     <a:p>
-                      <a:pPr algn="ctr"/>
+                      <a:pPr algn="ctr">
+                        <a:lnSpc>
+                          <a:spcPct val="100000"/>
+                        </a:lnSpc>
+                      </a:pPr>
                       <a:r>
                         <a:rPr b="0" lang="en-US" sz="3200" spc="-1" strike="noStrike">
                           <a:latin typeface="Arial"/>
@@ -7823,11 +5689,15 @@
                 </a:tc>
                 <a:tc>
                   <a:txBody>
-                    <a:bodyPr lIns="90000" rIns="90000" tIns="46800" bIns="46800">
+                    <a:bodyPr lIns="90000" rIns="90000">
                       <a:noAutofit/>
                     </a:bodyPr>
                     <a:p>
-                      <a:pPr algn="ctr"/>
+                      <a:pPr algn="ctr">
+                        <a:lnSpc>
+                          <a:spcPct val="100000"/>
+                        </a:lnSpc>
+                      </a:pPr>
                       <a:r>
                         <a:rPr b="0" lang="en-US" sz="3200" spc="-1" strike="noStrike">
                           <a:latin typeface="Arial"/>
@@ -7867,11 +5737,15 @@
                 </a:tc>
                 <a:tc>
                   <a:txBody>
-                    <a:bodyPr lIns="90000" rIns="90000" tIns="46800" bIns="46800">
+                    <a:bodyPr lIns="90000" rIns="90000">
                       <a:noAutofit/>
                     </a:bodyPr>
                     <a:p>
-                      <a:pPr algn="ctr"/>
+                      <a:pPr algn="ctr">
+                        <a:lnSpc>
+                          <a:spcPct val="100000"/>
+                        </a:lnSpc>
+                      </a:pPr>
                       <a:r>
                         <a:rPr b="0" lang="en-US" sz="3200" spc="-1" strike="noStrike">
                           <a:latin typeface="Arial"/>
@@ -7911,11 +5785,15 @@
                 </a:tc>
                 <a:tc>
                   <a:txBody>
-                    <a:bodyPr lIns="90000" rIns="90000" tIns="46800" bIns="46800">
+                    <a:bodyPr lIns="90000" rIns="90000">
                       <a:noAutofit/>
                     </a:bodyPr>
                     <a:p>
-                      <a:pPr algn="ctr"/>
+                      <a:pPr algn="ctr">
+                        <a:lnSpc>
+                          <a:spcPct val="100000"/>
+                        </a:lnSpc>
+                      </a:pPr>
                       <a:r>
                         <a:rPr b="0" lang="en-US" sz="3200" spc="-1" strike="noStrike">
                           <a:latin typeface="Arial"/>
@@ -7957,11 +5835,15 @@
               <a:tr h="681120">
                 <a:tc>
                   <a:txBody>
-                    <a:bodyPr lIns="90000" rIns="90000" tIns="46800" bIns="46800">
+                    <a:bodyPr lIns="90000" rIns="90000">
                       <a:noAutofit/>
                     </a:bodyPr>
                     <a:p>
-                      <a:pPr algn="ctr"/>
+                      <a:pPr algn="ctr">
+                        <a:lnSpc>
+                          <a:spcPct val="100000"/>
+                        </a:lnSpc>
+                      </a:pPr>
                       <a:r>
                         <a:rPr b="0" lang="en-US" sz="3200" spc="-1" strike="noStrike">
                           <a:latin typeface="Arial"/>
@@ -8009,11 +5891,15 @@
                 </a:tc>
                 <a:tc>
                   <a:txBody>
-                    <a:bodyPr lIns="90000" rIns="90000" tIns="46800" bIns="46800">
+                    <a:bodyPr lIns="90000" rIns="90000">
                       <a:noAutofit/>
                     </a:bodyPr>
                     <a:p>
-                      <a:pPr algn="ctr"/>
+                      <a:pPr algn="ctr">
+                        <a:lnSpc>
+                          <a:spcPct val="100000"/>
+                        </a:lnSpc>
+                      </a:pPr>
                       <a:r>
                         <a:rPr b="0" lang="en-US" sz="3200" spc="-1" strike="noStrike">
                           <a:latin typeface="Arial"/>
@@ -8053,11 +5939,15 @@
                 </a:tc>
                 <a:tc>
                   <a:txBody>
-                    <a:bodyPr lIns="90000" rIns="90000" tIns="46800" bIns="46800">
+                    <a:bodyPr lIns="90000" rIns="90000">
                       <a:noAutofit/>
                     </a:bodyPr>
                     <a:p>
-                      <a:pPr algn="ctr"/>
+                      <a:pPr algn="ctr">
+                        <a:lnSpc>
+                          <a:spcPct val="100000"/>
+                        </a:lnSpc>
+                      </a:pPr>
                       <a:r>
                         <a:rPr b="0" lang="en-US" sz="3200" spc="-1" strike="noStrike">
                           <a:latin typeface="Arial"/>
@@ -8097,11 +5987,15 @@
                 </a:tc>
                 <a:tc>
                   <a:txBody>
-                    <a:bodyPr lIns="90000" rIns="90000" tIns="46800" bIns="46800">
+                    <a:bodyPr lIns="90000" rIns="90000">
                       <a:noAutofit/>
                     </a:bodyPr>
                     <a:p>
-                      <a:pPr algn="ctr"/>
+                      <a:pPr algn="ctr">
+                        <a:lnSpc>
+                          <a:spcPct val="100000"/>
+                        </a:lnSpc>
+                      </a:pPr>
                       <a:r>
                         <a:rPr b="0" lang="en-US" sz="3200" spc="-1" strike="noStrike">
                           <a:latin typeface="Arial"/>
@@ -8143,11 +6037,15 @@
               <a:tr h="681120">
                 <a:tc>
                   <a:txBody>
-                    <a:bodyPr lIns="90000" rIns="90000" tIns="46800" bIns="46800">
+                    <a:bodyPr lIns="90000" rIns="90000">
                       <a:noAutofit/>
                     </a:bodyPr>
                     <a:p>
-                      <a:pPr algn="ctr"/>
+                      <a:pPr algn="ctr">
+                        <a:lnSpc>
+                          <a:spcPct val="100000"/>
+                        </a:lnSpc>
+                      </a:pPr>
                       <a:r>
                         <a:rPr b="0" lang="en-US" sz="3200" spc="-1" strike="noStrike">
                           <a:latin typeface="Arial"/>
@@ -8195,11 +6093,15 @@
                 </a:tc>
                 <a:tc>
                   <a:txBody>
-                    <a:bodyPr lIns="90000" rIns="90000" tIns="46800" bIns="46800">
+                    <a:bodyPr lIns="90000" rIns="90000">
                       <a:noAutofit/>
                     </a:bodyPr>
                     <a:p>
-                      <a:pPr algn="ctr"/>
+                      <a:pPr algn="ctr">
+                        <a:lnSpc>
+                          <a:spcPct val="100000"/>
+                        </a:lnSpc>
+                      </a:pPr>
                       <a:r>
                         <a:rPr b="0" lang="en-US" sz="3200" spc="-1" strike="noStrike">
                           <a:latin typeface="Arial"/>
@@ -8239,11 +6141,15 @@
                 </a:tc>
                 <a:tc>
                   <a:txBody>
-                    <a:bodyPr lIns="90000" rIns="90000" tIns="46800" bIns="46800">
+                    <a:bodyPr lIns="90000" rIns="90000">
                       <a:noAutofit/>
                     </a:bodyPr>
                     <a:p>
-                      <a:pPr algn="ctr"/>
+                      <a:pPr algn="ctr">
+                        <a:lnSpc>
+                          <a:spcPct val="100000"/>
+                        </a:lnSpc>
+                      </a:pPr>
                       <a:r>
                         <a:rPr b="0" lang="en-US" sz="3200" spc="-1" strike="noStrike">
                           <a:latin typeface="Arial"/>
@@ -8283,11 +6189,15 @@
                 </a:tc>
                 <a:tc>
                   <a:txBody>
-                    <a:bodyPr lIns="90000" rIns="90000" tIns="46800" bIns="46800">
+                    <a:bodyPr lIns="90000" rIns="90000">
                       <a:noAutofit/>
                     </a:bodyPr>
                     <a:p>
-                      <a:pPr algn="ctr"/>
+                      <a:pPr algn="ctr">
+                        <a:lnSpc>
+                          <a:spcPct val="100000"/>
+                        </a:lnSpc>
+                      </a:pPr>
                       <a:r>
                         <a:rPr b="0" lang="en-US" sz="3200" spc="-1" strike="noStrike">
                           <a:latin typeface="Arial"/>
@@ -8329,11 +6239,15 @@
               <a:tr h="681120">
                 <a:tc>
                   <a:txBody>
-                    <a:bodyPr lIns="90000" rIns="90000" tIns="46800" bIns="46800">
+                    <a:bodyPr lIns="90000" rIns="90000">
                       <a:noAutofit/>
                     </a:bodyPr>
                     <a:p>
-                      <a:pPr algn="ctr"/>
+                      <a:pPr algn="ctr">
+                        <a:lnSpc>
+                          <a:spcPct val="100000"/>
+                        </a:lnSpc>
+                      </a:pPr>
                       <a:r>
                         <a:rPr b="0" lang="en-US" sz="3200" spc="-1" strike="noStrike">
                           <a:latin typeface="Arial"/>
@@ -8351,6 +6265,7 @@
                       <a:r>
                         <a:rPr b="0" lang="en-US" sz="3200" spc="-1" strike="noStrike">
                           <a:latin typeface="Arial"/>
+                          <a:ea typeface="Droid Sans Fallback"/>
                         </a:rPr>
                         <a:t> </a:t>
                       </a:r>
@@ -8387,11 +6302,15 @@
                 </a:tc>
                 <a:tc>
                   <a:txBody>
-                    <a:bodyPr lIns="90000" rIns="90000" tIns="46800" bIns="46800">
+                    <a:bodyPr lIns="90000" rIns="90000">
                       <a:noAutofit/>
                     </a:bodyPr>
                     <a:p>
-                      <a:pPr algn="ctr"/>
+                      <a:pPr algn="ctr">
+                        <a:lnSpc>
+                          <a:spcPct val="100000"/>
+                        </a:lnSpc>
+                      </a:pPr>
                       <a:r>
                         <a:rPr b="0" lang="en-US" sz="3200" spc="-1" strike="noStrike">
                           <a:latin typeface="Arial"/>
@@ -8431,11 +6350,15 @@
                 </a:tc>
                 <a:tc>
                   <a:txBody>
-                    <a:bodyPr lIns="90000" rIns="90000" tIns="46800" bIns="46800">
+                    <a:bodyPr lIns="90000" rIns="90000">
                       <a:noAutofit/>
                     </a:bodyPr>
                     <a:p>
-                      <a:pPr algn="ctr"/>
+                      <a:pPr algn="ctr">
+                        <a:lnSpc>
+                          <a:spcPct val="100000"/>
+                        </a:lnSpc>
+                      </a:pPr>
                       <a:r>
                         <a:rPr b="0" lang="en-US" sz="3200" spc="-1" strike="noStrike">
                           <a:latin typeface="Arial"/>
@@ -8475,11 +6398,15 @@
                 </a:tc>
                 <a:tc>
                   <a:txBody>
-                    <a:bodyPr lIns="90000" rIns="90000" tIns="46800" bIns="46800">
+                    <a:bodyPr lIns="90000" rIns="90000">
                       <a:noAutofit/>
                     </a:bodyPr>
                     <a:p>
-                      <a:pPr algn="ctr"/>
+                      <a:pPr algn="ctr">
+                        <a:lnSpc>
+                          <a:spcPct val="100000"/>
+                        </a:lnSpc>
+                      </a:pPr>
                       <a:r>
                         <a:rPr b="0" lang="en-US" sz="3200" spc="-1" strike="noStrike">
                           <a:latin typeface="Arial"/>
@@ -8524,7 +6451,7 @@
       </p:graphicFrame>
       <p:pic>
         <p:nvPicPr>
-          <p:cNvPr id="102" name="" descr=""/>
+          <p:cNvPr id="98" name="" descr=""/>
           <p:cNvPicPr/>
           <p:nvPr/>
         </p:nvPicPr>
@@ -8535,7 +6462,7 @@
         <p:spPr>
           <a:xfrm>
             <a:off x="365760" y="9206640"/>
-            <a:ext cx="4179960" cy="6036120"/>
+            <a:ext cx="4179600" cy="6035760"/>
           </a:xfrm>
           <a:prstGeom prst="rect">
             <a:avLst/>
@@ -8547,7 +6474,7 @@
       </p:pic>
       <p:graphicFrame>
         <p:nvGraphicFramePr>
-          <p:cNvPr id="103" name="Table 42"/>
+          <p:cNvPr id="99" name="Table 42"/>
           <p:cNvGraphicFramePr/>
           <p:nvPr/>
         </p:nvGraphicFramePr>
@@ -8568,10 +6495,15 @@
               <a:tr h="703440">
                 <a:tc>
                   <a:txBody>
-                    <a:bodyPr lIns="90000" rIns="90000" tIns="46800" bIns="46800">
+                    <a:bodyPr lIns="90000" rIns="90000">
                       <a:noAutofit/>
                     </a:bodyPr>
                     <a:p>
+                      <a:pPr>
+                        <a:lnSpc>
+                          <a:spcPct val="100000"/>
+                        </a:lnSpc>
+                      </a:pPr>
                       <a:r>
                         <a:rPr b="1" lang="en-US" sz="4000" spc="-1" strike="noStrike">
                           <a:solidFill>
@@ -8614,11 +6546,14 @@
                 </a:tc>
                 <a:tc>
                   <a:txBody>
-                    <a:bodyPr lIns="90000" rIns="90000" tIns="46800" bIns="46800">
+                    <a:bodyPr lIns="90000" rIns="90000">
                       <a:noAutofit/>
                     </a:bodyPr>
                     <a:p>
-                      <a:pPr marL="216000" indent="-216000">
+                      <a:pPr marL="216000" indent="-215640">
+                        <a:lnSpc>
+                          <a:spcPct val="100000"/>
+                        </a:lnSpc>
                         <a:buClr>
                           <a:srgbClr val="000000"/>
                         </a:buClr>
@@ -8635,10 +6570,7 @@
                         </a:rPr>
                         <a:t>Units</a:t>
                       </a:r>
-                      <a:endParaRPr b="1" lang="en-US" sz="4000" spc="-1" strike="noStrike">
-                        <a:solidFill>
-                          <a:srgbClr val="ffffff"/>
-                        </a:solidFill>
+                      <a:endParaRPr b="0" lang="en-US" sz="4000" spc="-1" strike="noStrike">
                         <a:latin typeface="Arial"/>
                       </a:endParaRPr>
                     </a:p>
@@ -8671,11 +6603,15 @@
                 </a:tc>
                 <a:tc>
                   <a:txBody>
-                    <a:bodyPr lIns="90000" rIns="90000" tIns="46800" bIns="46800">
+                    <a:bodyPr lIns="90000" rIns="90000">
                       <a:noAutofit/>
                     </a:bodyPr>
                     <a:p>
-                      <a:pPr algn="ctr"/>
+                      <a:pPr algn="ctr">
+                        <a:lnSpc>
+                          <a:spcPct val="100000"/>
+                        </a:lnSpc>
+                      </a:pPr>
                       <a:r>
                         <a:rPr b="1" lang="en-US" sz="4000" spc="-1" strike="noStrike">
                           <a:solidFill>
@@ -8685,10 +6621,7 @@
                         </a:rPr>
                         <a:t>TB model</a:t>
                       </a:r>
-                      <a:endParaRPr b="1" lang="en-US" sz="4000" spc="-1" strike="noStrike">
-                        <a:solidFill>
-                          <a:srgbClr val="ffffff"/>
-                        </a:solidFill>
+                      <a:endParaRPr b="0" lang="en-US" sz="4000" spc="-1" strike="noStrike">
                         <a:latin typeface="Arial"/>
                       </a:endParaRPr>
                     </a:p>
@@ -8721,11 +6654,14 @@
                 </a:tc>
                 <a:tc>
                   <a:txBody>
-                    <a:bodyPr lIns="90000" rIns="90000" tIns="46800" bIns="46800">
+                    <a:bodyPr lIns="90000" rIns="90000">
                       <a:noAutofit/>
                     </a:bodyPr>
                     <a:p>
-                      <a:pPr marL="216000" indent="-216000" algn="ctr">
+                      <a:pPr marL="216000" indent="-215640" algn="ctr">
+                        <a:lnSpc>
+                          <a:spcPct val="100000"/>
+                        </a:lnSpc>
                         <a:buClr>
                           <a:srgbClr val="000000"/>
                         </a:buClr>
@@ -8742,10 +6678,7 @@
                         </a:rPr>
                         <a:t>Target</a:t>
                       </a:r>
-                      <a:endParaRPr b="1" lang="en-US" sz="4000" spc="-1" strike="noStrike">
-                        <a:solidFill>
-                          <a:srgbClr val="ffffff"/>
-                        </a:solidFill>
+                      <a:endParaRPr b="0" lang="en-US" sz="4000" spc="-1" strike="noStrike">
                         <a:latin typeface="Arial"/>
                       </a:endParaRPr>
                     </a:p>
@@ -8780,11 +6713,15 @@
               <a:tr h="828000">
                 <a:tc>
                   <a:txBody>
-                    <a:bodyPr lIns="90000" rIns="90000" tIns="46800" bIns="46800">
+                    <a:bodyPr lIns="90000" rIns="90000">
                       <a:noAutofit/>
                     </a:bodyPr>
                     <a:p>
-                      <a:pPr algn="ctr"/>
+                      <a:pPr algn="ctr">
+                        <a:lnSpc>
+                          <a:spcPct val="100000"/>
+                        </a:lnSpc>
+                      </a:pPr>
                       <a:r>
                         <a:rPr b="0" lang="en-US" sz="4000" spc="-1" strike="noStrike">
                           <a:latin typeface="Arial"/>
@@ -8795,12 +6732,14 @@
                       <a:r>
                         <a:rPr b="0" lang="en-US" sz="4000" spc="-1" strike="noStrike" baseline="-33000">
                           <a:latin typeface="Arial"/>
+                          <a:ea typeface="Droid Sans Fallback"/>
                         </a:rPr>
                         <a:t>α</a:t>
                       </a:r>
                       <a:r>
                         <a:rPr b="0" lang="en-US" sz="4000" spc="-1" strike="noStrike">
                           <a:latin typeface="Arial"/>
+                          <a:ea typeface="Droid Sans Fallback"/>
                         </a:rPr>
                         <a:t>  </a:t>
                       </a:r>
@@ -8837,11 +6776,15 @@
                 </a:tc>
                 <a:tc>
                   <a:txBody>
-                    <a:bodyPr lIns="90000" rIns="90000" tIns="46800" bIns="46800">
+                    <a:bodyPr lIns="90000" rIns="90000">
                       <a:noAutofit/>
                     </a:bodyPr>
                     <a:p>
-                      <a:pPr algn="ctr"/>
+                      <a:pPr algn="ctr">
+                        <a:lnSpc>
+                          <a:spcPct val="100000"/>
+                        </a:lnSpc>
+                      </a:pPr>
                       <a:r>
                         <a:rPr b="0" lang="en-US" sz="4000" spc="-1" strike="noStrike">
                           <a:latin typeface="Arial"/>
@@ -8881,11 +6824,15 @@
                 </a:tc>
                 <a:tc>
                   <a:txBody>
-                    <a:bodyPr lIns="90000" rIns="90000" tIns="46800" bIns="46800">
+                    <a:bodyPr lIns="90000" rIns="90000">
                       <a:noAutofit/>
                     </a:bodyPr>
                     <a:p>
-                      <a:pPr algn="ctr"/>
+                      <a:pPr algn="ctr">
+                        <a:lnSpc>
+                          <a:spcPct val="100000"/>
+                        </a:lnSpc>
+                      </a:pPr>
                       <a:r>
                         <a:rPr b="0" lang="en-US" sz="4000" spc="-1" strike="noStrike">
                           <a:latin typeface="Arial"/>
@@ -8925,11 +6872,15 @@
                 </a:tc>
                 <a:tc>
                   <a:txBody>
-                    <a:bodyPr lIns="90000" rIns="90000" tIns="46800" bIns="46800">
+                    <a:bodyPr lIns="90000" rIns="90000">
                       <a:noAutofit/>
                     </a:bodyPr>
                     <a:p>
-                      <a:pPr algn="ctr"/>
+                      <a:pPr algn="ctr">
+                        <a:lnSpc>
+                          <a:spcPct val="100000"/>
+                        </a:lnSpc>
+                      </a:pPr>
                       <a:r>
                         <a:rPr b="0" lang="en-US" sz="4000" spc="-1" strike="noStrike">
                           <a:latin typeface="Arial"/>
@@ -8971,23 +6922,21 @@
               <a:tr h="703440">
                 <a:tc>
                   <a:txBody>
-                    <a:bodyPr lIns="90000" rIns="90000" tIns="46800" bIns="46800">
+                    <a:bodyPr lIns="90000" rIns="90000">
                       <a:noAutofit/>
                     </a:bodyPr>
                     <a:p>
-                      <a:pPr algn="ctr"/>
+                      <a:pPr algn="ctr">
+                        <a:lnSpc>
+                          <a:spcPct val="100000"/>
+                        </a:lnSpc>
+                      </a:pPr>
                       <a:r>
                         <a:rPr b="0" lang="en-US" sz="4000" spc="-1" strike="noStrike">
                           <a:latin typeface="Arial"/>
                           <a:ea typeface="Droid Sans Fallback"/>
                         </a:rPr>
-                        <a:t>c/a</a:t>
-                      </a:r>
-                      <a:r>
-                        <a:rPr b="0" lang="en-US" sz="4000" spc="-1" strike="noStrike">
-                          <a:latin typeface="Arial"/>
-                        </a:rPr>
-                        <a:t> </a:t>
+                        <a:t>c/a </a:t>
                       </a:r>
                       <a:endParaRPr b="0" lang="en-US" sz="4000" spc="-1" strike="noStrike">
                         <a:latin typeface="Arial"/>
@@ -9022,11 +6971,15 @@
                 </a:tc>
                 <a:tc>
                   <a:txBody>
-                    <a:bodyPr lIns="90000" rIns="90000" tIns="46800" bIns="46800">
+                    <a:bodyPr lIns="90000" rIns="90000">
                       <a:noAutofit/>
                     </a:bodyPr>
                     <a:p>
-                      <a:pPr algn="ctr"/>
+                      <a:pPr algn="ctr">
+                        <a:lnSpc>
+                          <a:spcPct val="100000"/>
+                        </a:lnSpc>
+                      </a:pPr>
                       <a:r>
                         <a:rPr b="0" lang="en-US" sz="4000" spc="-1" strike="noStrike">
                           <a:latin typeface="Arial"/>
@@ -9066,11 +7019,15 @@
                 </a:tc>
                 <a:tc>
                   <a:txBody>
-                    <a:bodyPr lIns="90000" rIns="90000" tIns="46800" bIns="46800">
+                    <a:bodyPr lIns="90000" rIns="90000">
                       <a:noAutofit/>
                     </a:bodyPr>
                     <a:p>
-                      <a:pPr algn="ctr"/>
+                      <a:pPr algn="ctr">
+                        <a:lnSpc>
+                          <a:spcPct val="100000"/>
+                        </a:lnSpc>
+                      </a:pPr>
                       <a:r>
                         <a:rPr b="0" lang="en-US" sz="4000" spc="-1" strike="noStrike">
                           <a:latin typeface="Arial"/>
@@ -9110,11 +7067,15 @@
                 </a:tc>
                 <a:tc>
                   <a:txBody>
-                    <a:bodyPr lIns="90000" rIns="90000" tIns="46800" bIns="46800">
+                    <a:bodyPr lIns="90000" rIns="90000">
                       <a:noAutofit/>
                     </a:bodyPr>
                     <a:p>
-                      <a:pPr algn="ctr"/>
+                      <a:pPr algn="ctr">
+                        <a:lnSpc>
+                          <a:spcPct val="100000"/>
+                        </a:lnSpc>
+                      </a:pPr>
                       <a:r>
                         <a:rPr b="0" lang="en-US" sz="4000" spc="-1" strike="noStrike">
                           <a:latin typeface="Arial"/>
@@ -9156,11 +7117,15 @@
               <a:tr h="828000">
                 <a:tc>
                   <a:txBody>
-                    <a:bodyPr lIns="90000" rIns="90000" tIns="46800" bIns="46800">
+                    <a:bodyPr lIns="90000" rIns="90000">
                       <a:noAutofit/>
                     </a:bodyPr>
                     <a:p>
-                      <a:pPr algn="ctr"/>
+                      <a:pPr algn="ctr">
+                        <a:lnSpc>
+                          <a:spcPct val="100000"/>
+                        </a:lnSpc>
+                      </a:pPr>
                       <a:r>
                         <a:rPr b="0" lang="en-US" sz="4000" spc="-1" strike="noStrike">
                           <a:latin typeface="Arial"/>
@@ -9208,11 +7173,15 @@
                 </a:tc>
                 <a:tc>
                   <a:txBody>
-                    <a:bodyPr lIns="90000" rIns="90000" tIns="46800" bIns="46800">
+                    <a:bodyPr lIns="90000" rIns="90000">
                       <a:noAutofit/>
                     </a:bodyPr>
                     <a:p>
-                      <a:pPr algn="ctr"/>
+                      <a:pPr algn="ctr">
+                        <a:lnSpc>
+                          <a:spcPct val="100000"/>
+                        </a:lnSpc>
+                      </a:pPr>
                       <a:r>
                         <a:rPr b="0" lang="en-US" sz="4000" spc="-1" strike="noStrike">
                           <a:latin typeface="Arial"/>
@@ -9252,11 +7221,15 @@
                 </a:tc>
                 <a:tc>
                   <a:txBody>
-                    <a:bodyPr lIns="90000" rIns="90000" tIns="46800" bIns="46800">
+                    <a:bodyPr lIns="90000" rIns="90000">
                       <a:noAutofit/>
                     </a:bodyPr>
                     <a:p>
-                      <a:pPr algn="ctr"/>
+                      <a:pPr algn="ctr">
+                        <a:lnSpc>
+                          <a:spcPct val="100000"/>
+                        </a:lnSpc>
+                      </a:pPr>
                       <a:r>
                         <a:rPr b="0" lang="en-US" sz="4000" spc="-1" strike="noStrike">
                           <a:latin typeface="Arial"/>
@@ -9296,11 +7269,15 @@
                 </a:tc>
                 <a:tc>
                   <a:txBody>
-                    <a:bodyPr lIns="90000" rIns="90000" tIns="46800" bIns="46800">
+                    <a:bodyPr lIns="90000" rIns="90000">
                       <a:noAutofit/>
                     </a:bodyPr>
                     <a:p>
-                      <a:pPr algn="ctr"/>
+                      <a:pPr algn="ctr">
+                        <a:lnSpc>
+                          <a:spcPct val="100000"/>
+                        </a:lnSpc>
+                      </a:pPr>
                       <a:r>
                         <a:rPr b="0" lang="en-US" sz="4000" spc="-1" strike="noStrike">
                           <a:latin typeface="Arial"/>
@@ -9342,11 +7319,15 @@
               <a:tr h="828000">
                 <a:tc>
                   <a:txBody>
-                    <a:bodyPr lIns="90000" rIns="90000" tIns="46800" bIns="46800">
+                    <a:bodyPr lIns="90000" rIns="90000">
                       <a:noAutofit/>
                     </a:bodyPr>
                     <a:p>
-                      <a:pPr algn="ctr"/>
+                      <a:pPr algn="ctr">
+                        <a:lnSpc>
+                          <a:spcPct val="100000"/>
+                        </a:lnSpc>
+                      </a:pPr>
                       <a:r>
                         <a:rPr b="0" lang="en-US" sz="4000" spc="-1" strike="noStrike">
                           <a:latin typeface="Arial"/>
@@ -9394,11 +7375,15 @@
                 </a:tc>
                 <a:tc>
                   <a:txBody>
-                    <a:bodyPr lIns="90000" rIns="90000" tIns="46800" bIns="46800">
+                    <a:bodyPr lIns="90000" rIns="90000">
                       <a:noAutofit/>
                     </a:bodyPr>
                     <a:p>
-                      <a:pPr algn="ctr"/>
+                      <a:pPr algn="ctr">
+                        <a:lnSpc>
+                          <a:spcPct val="100000"/>
+                        </a:lnSpc>
+                      </a:pPr>
                       <a:r>
                         <a:rPr b="0" lang="en-US" sz="4000" spc="-1" strike="noStrike">
                           <a:latin typeface="Arial"/>
@@ -9438,11 +7423,15 @@
                 </a:tc>
                 <a:tc>
                   <a:txBody>
-                    <a:bodyPr lIns="90000" rIns="90000" tIns="46800" bIns="46800">
+                    <a:bodyPr lIns="90000" rIns="90000">
                       <a:noAutofit/>
                     </a:bodyPr>
                     <a:p>
-                      <a:pPr algn="ctr"/>
+                      <a:pPr algn="ctr">
+                        <a:lnSpc>
+                          <a:spcPct val="100000"/>
+                        </a:lnSpc>
+                      </a:pPr>
                       <a:r>
                         <a:rPr b="0" lang="en-US" sz="4000" spc="-1" strike="noStrike">
                           <a:latin typeface="Arial"/>
@@ -9482,11 +7471,15 @@
                 </a:tc>
                 <a:tc>
                   <a:txBody>
-                    <a:bodyPr lIns="90000" rIns="90000" tIns="46800" bIns="46800">
+                    <a:bodyPr lIns="90000" rIns="90000">
                       <a:noAutofit/>
                     </a:bodyPr>
                     <a:p>
-                      <a:pPr algn="ctr"/>
+                      <a:pPr algn="ctr">
+                        <a:lnSpc>
+                          <a:spcPct val="100000"/>
+                        </a:lnSpc>
+                      </a:pPr>
                       <a:r>
                         <a:rPr b="0" lang="en-US" sz="4000" spc="-1" strike="noStrike">
                           <a:latin typeface="Arial"/>
@@ -9528,11 +7521,15 @@
               <a:tr h="828000">
                 <a:tc>
                   <a:txBody>
-                    <a:bodyPr lIns="90000" rIns="90000" tIns="46800" bIns="46800">
+                    <a:bodyPr lIns="90000" rIns="90000">
                       <a:noAutofit/>
                     </a:bodyPr>
                     <a:p>
-                      <a:pPr algn="ctr"/>
+                      <a:pPr algn="ctr">
+                        <a:lnSpc>
+                          <a:spcPct val="100000"/>
+                        </a:lnSpc>
+                      </a:pPr>
                       <a:r>
                         <a:rPr b="0" lang="en-US" sz="4000" spc="-1" strike="noStrike">
                           <a:latin typeface="Arial"/>
@@ -9580,11 +7577,15 @@
                 </a:tc>
                 <a:tc>
                   <a:txBody>
-                    <a:bodyPr lIns="90000" rIns="90000" tIns="46800" bIns="46800">
+                    <a:bodyPr lIns="90000" rIns="90000">
                       <a:noAutofit/>
                     </a:bodyPr>
                     <a:p>
-                      <a:pPr algn="ctr"/>
+                      <a:pPr algn="ctr">
+                        <a:lnSpc>
+                          <a:spcPct val="100000"/>
+                        </a:lnSpc>
+                      </a:pPr>
                       <a:r>
                         <a:rPr b="0" lang="en-US" sz="4000" spc="-1" strike="noStrike">
                           <a:latin typeface="Arial"/>
@@ -9624,11 +7625,15 @@
                 </a:tc>
                 <a:tc>
                   <a:txBody>
-                    <a:bodyPr lIns="90000" rIns="90000" tIns="46800" bIns="46800">
+                    <a:bodyPr lIns="90000" rIns="90000">
                       <a:noAutofit/>
                     </a:bodyPr>
                     <a:p>
-                      <a:pPr algn="ctr"/>
+                      <a:pPr algn="ctr">
+                        <a:lnSpc>
+                          <a:spcPct val="100000"/>
+                        </a:lnSpc>
+                      </a:pPr>
                       <a:r>
                         <a:rPr b="0" lang="en-US" sz="4000" spc="-1" strike="noStrike">
                           <a:latin typeface="Arial"/>
@@ -9668,11 +7673,15 @@
                 </a:tc>
                 <a:tc>
                   <a:txBody>
-                    <a:bodyPr lIns="90000" rIns="90000" tIns="46800" bIns="46800">
+                    <a:bodyPr lIns="90000" rIns="90000">
                       <a:noAutofit/>
                     </a:bodyPr>
                     <a:p>
-                      <a:pPr algn="ctr"/>
+                      <a:pPr algn="ctr">
+                        <a:lnSpc>
+                          <a:spcPct val="100000"/>
+                        </a:lnSpc>
+                      </a:pPr>
                       <a:r>
                         <a:rPr b="0" lang="en-US" sz="4000" spc="-1" strike="noStrike">
                           <a:latin typeface="Arial"/>
@@ -9714,11 +7723,15 @@
               <a:tr h="828000">
                 <a:tc>
                   <a:txBody>
-                    <a:bodyPr lIns="90000" rIns="90000" tIns="46800" bIns="46800">
+                    <a:bodyPr lIns="90000" rIns="90000">
                       <a:noAutofit/>
                     </a:bodyPr>
                     <a:p>
-                      <a:pPr algn="ctr"/>
+                      <a:pPr algn="ctr">
+                        <a:lnSpc>
+                          <a:spcPct val="100000"/>
+                        </a:lnSpc>
+                      </a:pPr>
                       <a:r>
                         <a:rPr b="0" lang="en-US" sz="4000" spc="-1" strike="noStrike">
                           <a:latin typeface="Arial"/>
@@ -9766,11 +7779,15 @@
                 </a:tc>
                 <a:tc>
                   <a:txBody>
-                    <a:bodyPr lIns="90000" rIns="90000" tIns="46800" bIns="46800">
+                    <a:bodyPr lIns="90000" rIns="90000">
                       <a:noAutofit/>
                     </a:bodyPr>
                     <a:p>
-                      <a:pPr algn="ctr"/>
+                      <a:pPr algn="ctr">
+                        <a:lnSpc>
+                          <a:spcPct val="100000"/>
+                        </a:lnSpc>
+                      </a:pPr>
                       <a:r>
                         <a:rPr b="0" lang="en-US" sz="4000" spc="-1" strike="noStrike">
                           <a:latin typeface="Arial"/>
@@ -9810,11 +7827,15 @@
                 </a:tc>
                 <a:tc>
                   <a:txBody>
-                    <a:bodyPr lIns="90000" rIns="90000" tIns="46800" bIns="46800">
+                    <a:bodyPr lIns="90000" rIns="90000">
                       <a:noAutofit/>
                     </a:bodyPr>
                     <a:p>
-                      <a:pPr algn="ctr"/>
+                      <a:pPr algn="ctr">
+                        <a:lnSpc>
+                          <a:spcPct val="100000"/>
+                        </a:lnSpc>
+                      </a:pPr>
                       <a:r>
                         <a:rPr b="0" lang="en-US" sz="4000" spc="-1" strike="noStrike">
                           <a:latin typeface="Arial"/>
@@ -9854,11 +7875,15 @@
                 </a:tc>
                 <a:tc>
                   <a:txBody>
-                    <a:bodyPr lIns="90000" rIns="90000" tIns="46800" bIns="46800">
+                    <a:bodyPr lIns="90000" rIns="90000">
                       <a:noAutofit/>
                     </a:bodyPr>
                     <a:p>
-                      <a:pPr algn="ctr"/>
+                      <a:pPr algn="ctr">
+                        <a:lnSpc>
+                          <a:spcPct val="100000"/>
+                        </a:lnSpc>
+                      </a:pPr>
                       <a:r>
                         <a:rPr b="0" lang="en-US" sz="4000" spc="-1" strike="noStrike">
                           <a:latin typeface="Arial"/>
@@ -9900,11 +7925,15 @@
               <a:tr h="828000">
                 <a:tc>
                   <a:txBody>
-                    <a:bodyPr lIns="90000" rIns="90000" tIns="46800" bIns="46800">
+                    <a:bodyPr lIns="90000" rIns="90000">
                       <a:noAutofit/>
                     </a:bodyPr>
                     <a:p>
-                      <a:pPr algn="ctr"/>
+                      <a:pPr algn="ctr">
+                        <a:lnSpc>
+                          <a:spcPct val="100000"/>
+                        </a:lnSpc>
+                      </a:pPr>
                       <a:r>
                         <a:rPr b="0" lang="en-US" sz="4000" spc="-1" strike="noStrike">
                           <a:latin typeface="Arial"/>
@@ -9922,6 +7951,7 @@
                       <a:r>
                         <a:rPr b="0" lang="en-US" sz="4000" spc="-1" strike="noStrike">
                           <a:latin typeface="Arial"/>
+                          <a:ea typeface="Droid Sans Fallback"/>
                         </a:rPr>
                         <a:t> </a:t>
                       </a:r>
@@ -9958,11 +7988,15 @@
                 </a:tc>
                 <a:tc>
                   <a:txBody>
-                    <a:bodyPr lIns="90000" rIns="90000" tIns="46800" bIns="46800">
+                    <a:bodyPr lIns="90000" rIns="90000">
                       <a:noAutofit/>
                     </a:bodyPr>
                     <a:p>
-                      <a:pPr algn="ctr"/>
+                      <a:pPr algn="ctr">
+                        <a:lnSpc>
+                          <a:spcPct val="100000"/>
+                        </a:lnSpc>
+                      </a:pPr>
                       <a:r>
                         <a:rPr b="0" lang="en-US" sz="4000" spc="-1" strike="noStrike">
                           <a:latin typeface="Arial"/>
@@ -10002,11 +8036,15 @@
                 </a:tc>
                 <a:tc>
                   <a:txBody>
-                    <a:bodyPr lIns="90000" rIns="90000" tIns="46800" bIns="46800">
+                    <a:bodyPr lIns="90000" rIns="90000">
                       <a:noAutofit/>
                     </a:bodyPr>
                     <a:p>
-                      <a:pPr algn="ctr"/>
+                      <a:pPr algn="ctr">
+                        <a:lnSpc>
+                          <a:spcPct val="100000"/>
+                        </a:lnSpc>
+                      </a:pPr>
                       <a:r>
                         <a:rPr b="0" lang="en-US" sz="4000" spc="-1" strike="noStrike">
                           <a:latin typeface="Arial"/>
@@ -10046,11 +8084,15 @@
                 </a:tc>
                 <a:tc>
                   <a:txBody>
-                    <a:bodyPr lIns="90000" rIns="90000" tIns="46800" bIns="46800">
+                    <a:bodyPr lIns="90000" rIns="90000">
                       <a:noAutofit/>
                     </a:bodyPr>
                     <a:p>
-                      <a:pPr algn="ctr"/>
+                      <a:pPr algn="ctr">
+                        <a:lnSpc>
+                          <a:spcPct val="100000"/>
+                        </a:lnSpc>
+                      </a:pPr>
                       <a:r>
                         <a:rPr b="0" lang="en-US" sz="4000" spc="-1" strike="noStrike">
                           <a:latin typeface="Arial"/>
@@ -10095,14 +8137,14 @@
       </p:graphicFrame>
       <p:sp>
         <p:nvSpPr>
-          <p:cNvPr id="104" name="CustomShape 43"/>
+          <p:cNvPr id="100" name="CustomShape 43"/>
           <p:cNvSpPr/>
           <p:nvPr/>
         </p:nvSpPr>
         <p:spPr>
           <a:xfrm>
             <a:off x="91440" y="15044400"/>
-            <a:ext cx="4846320" cy="760680"/>
+            <a:ext cx="4845960" cy="760320"/>
           </a:xfrm>
           <a:prstGeom prst="rect">
             <a:avLst/>
@@ -10117,7 +8159,7 @@
             <a:miter/>
           </a:ln>
           <a:effectLst>
-            <a:outerShdw dist="342635" dir="2700000">
+            <a:outerShdw dir="2700000" dist="342635">
               <a:srgbClr val="000000">
                 <a:alpha val="39000"/>
               </a:srgbClr>
@@ -10146,26 +8188,9 @@
                   <a:srgbClr val="000000"/>
                 </a:solidFill>
                 <a:latin typeface="Arial"/>
-              </a:rPr>
-              <a:t>Result</a:t>
-            </a:r>
-            <a:r>
-              <a:rPr b="1" lang="en-US" sz="4400" spc="-1" strike="noStrike">
-                <a:solidFill>
-                  <a:srgbClr val="000000"/>
-                </a:solidFill>
-                <a:latin typeface="Arial"/>
-              </a:rPr>
-              <a:t>s of </a:t>
-            </a:r>
-            <a:r>
-              <a:rPr b="1" lang="en-US" sz="4400" spc="-1" strike="noStrike">
-                <a:solidFill>
-                  <a:srgbClr val="000000"/>
-                </a:solidFill>
-                <a:latin typeface="Arial"/>
-              </a:rPr>
-              <a:t>Fitting</a:t>
+                <a:ea typeface="DejaVu Sans"/>
+              </a:rPr>
+              <a:t>Results of Fitting</a:t>
             </a:r>
             <a:endParaRPr b="0" lang="en-US" sz="4400" spc="-1" strike="noStrike">
               <a:latin typeface="Arial"/>
@@ -10175,14 +8200,14 @@
       </p:sp>
       <p:sp>
         <p:nvSpPr>
-          <p:cNvPr id="105" name="CustomShape 44"/>
+          <p:cNvPr id="101" name="CustomShape 44"/>
           <p:cNvSpPr/>
           <p:nvPr/>
         </p:nvSpPr>
         <p:spPr>
           <a:xfrm>
             <a:off x="14538240" y="8778240"/>
-            <a:ext cx="15700320" cy="8796600"/>
+            <a:ext cx="15699960" cy="8796240"/>
           </a:xfrm>
           <a:prstGeom prst="roundRect">
             <a:avLst>
@@ -10208,7 +8233,7 @@
       </p:sp>
       <p:graphicFrame>
         <p:nvGraphicFramePr>
-          <p:cNvPr id="106" name="Table 45"/>
+          <p:cNvPr id="102" name="Table 45"/>
           <p:cNvGraphicFramePr/>
           <p:nvPr/>
         </p:nvGraphicFramePr>
@@ -10229,10 +8254,15 @@
               <a:tr h="581400">
                 <a:tc>
                   <a:txBody>
-                    <a:bodyPr lIns="90000" rIns="90000" tIns="46800" bIns="46800">
+                    <a:bodyPr lIns="90000" rIns="90000">
                       <a:noAutofit/>
                     </a:bodyPr>
                     <a:p>
+                      <a:pPr>
+                        <a:lnSpc>
+                          <a:spcPct val="100000"/>
+                        </a:lnSpc>
+                      </a:pPr>
                       <a:r>
                         <a:rPr b="1" lang="en-US" sz="3200" spc="-1" strike="noStrike">
                           <a:solidFill>
@@ -10275,11 +8305,14 @@
                 </a:tc>
                 <a:tc>
                   <a:txBody>
-                    <a:bodyPr lIns="90000" rIns="90000" tIns="46800" bIns="46800">
+                    <a:bodyPr lIns="90000" rIns="90000">
                       <a:noAutofit/>
                     </a:bodyPr>
                     <a:p>
-                      <a:pPr marL="216000" indent="-216000">
+                      <a:pPr marL="216000" indent="-215640">
+                        <a:lnSpc>
+                          <a:spcPct val="100000"/>
+                        </a:lnSpc>
                         <a:buClr>
                           <a:srgbClr val="000000"/>
                         </a:buClr>
@@ -10296,10 +8329,7 @@
                         </a:rPr>
                         <a:t>Units</a:t>
                       </a:r>
-                      <a:endParaRPr b="1" lang="en-US" sz="3200" spc="-1" strike="noStrike">
-                        <a:solidFill>
-                          <a:srgbClr val="ffffff"/>
-                        </a:solidFill>
+                      <a:endParaRPr b="0" lang="en-US" sz="3200" spc="-1" strike="noStrike">
                         <a:latin typeface="Arial"/>
                       </a:endParaRPr>
                     </a:p>
@@ -10332,11 +8362,15 @@
                 </a:tc>
                 <a:tc>
                   <a:txBody>
-                    <a:bodyPr lIns="90000" rIns="90000" tIns="46800" bIns="46800">
+                    <a:bodyPr lIns="90000" rIns="90000">
                       <a:noAutofit/>
                     </a:bodyPr>
                     <a:p>
-                      <a:pPr algn="ctr"/>
+                      <a:pPr algn="ctr">
+                        <a:lnSpc>
+                          <a:spcPct val="100000"/>
+                        </a:lnSpc>
+                      </a:pPr>
                       <a:r>
                         <a:rPr b="1" lang="en-US" sz="3200" spc="-1" strike="noStrike">
                           <a:solidFill>
@@ -10346,10 +8380,7 @@
                         </a:rPr>
                         <a:t>TB model</a:t>
                       </a:r>
-                      <a:endParaRPr b="1" lang="en-US" sz="3200" spc="-1" strike="noStrike">
-                        <a:solidFill>
-                          <a:srgbClr val="ffffff"/>
-                        </a:solidFill>
+                      <a:endParaRPr b="0" lang="en-US" sz="3200" spc="-1" strike="noStrike">
                         <a:latin typeface="Arial"/>
                       </a:endParaRPr>
                     </a:p>
@@ -10382,11 +8413,14 @@
                 </a:tc>
                 <a:tc>
                   <a:txBody>
-                    <a:bodyPr lIns="90000" rIns="90000" tIns="46800" bIns="46800">
+                    <a:bodyPr lIns="90000" rIns="90000">
                       <a:noAutofit/>
                     </a:bodyPr>
                     <a:p>
-                      <a:pPr marL="216000" indent="-216000" algn="ctr">
+                      <a:pPr marL="216000" indent="-215640" algn="ctr">
+                        <a:lnSpc>
+                          <a:spcPct val="100000"/>
+                        </a:lnSpc>
                         <a:buClr>
                           <a:srgbClr val="000000"/>
                         </a:buClr>
@@ -10403,10 +8437,7 @@
                         </a:rPr>
                         <a:t>Literature</a:t>
                       </a:r>
-                      <a:endParaRPr b="1" lang="en-US" sz="3200" spc="-1" strike="noStrike">
-                        <a:solidFill>
-                          <a:srgbClr val="ffffff"/>
-                        </a:solidFill>
+                      <a:endParaRPr b="0" lang="en-US" sz="3200" spc="-1" strike="noStrike">
                         <a:latin typeface="Arial"/>
                       </a:endParaRPr>
                     </a:p>
@@ -10441,11 +8472,15 @@
               <a:tr h="1068840">
                 <a:tc>
                   <a:txBody>
-                    <a:bodyPr lIns="90000" rIns="90000" tIns="46800" bIns="46800">
+                    <a:bodyPr lIns="90000" rIns="90000">
                       <a:noAutofit/>
                     </a:bodyPr>
                     <a:p>
-                      <a:pPr algn="ctr"/>
+                      <a:pPr algn="ctr">
+                        <a:lnSpc>
+                          <a:spcPct val="100000"/>
+                        </a:lnSpc>
+                      </a:pPr>
                       <a:r>
                         <a:rPr b="0" lang="en-US" sz="3200" spc="-1" strike="noStrike">
                           <a:latin typeface="Arial"/>
@@ -10463,6 +8498,7 @@
                       <a:r>
                         <a:rPr b="0" lang="en-US" sz="3200" spc="-1" strike="noStrike">
                           <a:latin typeface="Arial"/>
+                          <a:ea typeface="Droid Sans Fallback"/>
                         </a:rPr>
                         <a:t>  </a:t>
                       </a:r>
@@ -10499,11 +8535,15 @@
                 </a:tc>
                 <a:tc>
                   <a:txBody>
-                    <a:bodyPr lIns="90000" rIns="90000" tIns="46800" bIns="46800">
+                    <a:bodyPr lIns="90000" rIns="90000">
                       <a:noAutofit/>
                     </a:bodyPr>
                     <a:p>
-                      <a:pPr algn="ctr"/>
+                      <a:pPr algn="ctr">
+                        <a:lnSpc>
+                          <a:spcPct val="100000"/>
+                        </a:lnSpc>
+                      </a:pPr>
                       <a:r>
                         <a:rPr b="0" lang="en-US" sz="3200" spc="-1" strike="noStrike">
                           <a:latin typeface="Arial"/>
@@ -10543,11 +8583,15 @@
                 </a:tc>
                 <a:tc>
                   <a:txBody>
-                    <a:bodyPr lIns="90000" rIns="90000" tIns="46800" bIns="46800">
+                    <a:bodyPr lIns="90000" rIns="90000">
                       <a:noAutofit/>
                     </a:bodyPr>
                     <a:p>
-                      <a:pPr algn="ctr"/>
+                      <a:pPr algn="ctr">
+                        <a:lnSpc>
+                          <a:spcPct val="100000"/>
+                        </a:lnSpc>
+                      </a:pPr>
                       <a:r>
                         <a:rPr b="0" lang="en-US" sz="3200" spc="-1" strike="noStrike">
                           <a:latin typeface="Arial"/>
@@ -10587,10 +8631,15 @@
                 </a:tc>
                 <a:tc>
                   <a:txBody>
-                    <a:bodyPr lIns="90000" rIns="90000" tIns="46800" bIns="46800">
+                    <a:bodyPr lIns="90000" rIns="90000">
                       <a:noAutofit/>
                     </a:bodyPr>
                     <a:p>
+                      <a:pPr>
+                        <a:lnSpc>
+                          <a:spcPct val="100000"/>
+                        </a:lnSpc>
+                      </a:pPr>
                       <a:r>
                         <a:rPr b="0" lang="en-US" sz="3200" spc="-1" strike="noStrike">
                           <a:latin typeface="Arial"/>
@@ -10602,6 +8651,11 @@
                       </a:endParaRPr>
                     </a:p>
                     <a:p>
+                      <a:pPr>
+                        <a:lnSpc>
+                          <a:spcPct val="100000"/>
+                        </a:lnSpc>
+                      </a:pPr>
                       <a:r>
                         <a:rPr b="0" lang="en-US" sz="3200" spc="-1" strike="noStrike">
                           <a:latin typeface="Arial"/>
@@ -10643,11 +8697,15 @@
               <a:tr h="681120">
                 <a:tc>
                   <a:txBody>
-                    <a:bodyPr lIns="90000" rIns="90000" tIns="46800" bIns="46800">
+                    <a:bodyPr lIns="90000" rIns="90000">
                       <a:noAutofit/>
                     </a:bodyPr>
                     <a:p>
-                      <a:pPr algn="ctr"/>
+                      <a:pPr algn="ctr">
+                        <a:lnSpc>
+                          <a:spcPct val="100000"/>
+                        </a:lnSpc>
+                      </a:pPr>
                       <a:r>
                         <a:rPr b="0" lang="en-US" sz="3200" spc="-1" strike="noStrike">
                           <a:latin typeface="Arial"/>
@@ -10702,11 +8760,15 @@
                 </a:tc>
                 <a:tc>
                   <a:txBody>
-                    <a:bodyPr lIns="90000" rIns="90000" tIns="46800" bIns="46800">
+                    <a:bodyPr lIns="90000" rIns="90000">
                       <a:noAutofit/>
                     </a:bodyPr>
                     <a:p>
-                      <a:pPr algn="ctr"/>
+                      <a:pPr algn="ctr">
+                        <a:lnSpc>
+                          <a:spcPct val="100000"/>
+                        </a:lnSpc>
+                      </a:pPr>
                       <a:r>
                         <a:rPr b="0" lang="en-US" sz="3200" spc="-1" strike="noStrike">
                           <a:latin typeface="Arial"/>
@@ -10746,11 +8808,15 @@
                 </a:tc>
                 <a:tc>
                   <a:txBody>
-                    <a:bodyPr lIns="90000" rIns="90000" tIns="46800" bIns="46800">
+                    <a:bodyPr lIns="90000" rIns="90000">
                       <a:noAutofit/>
                     </a:bodyPr>
                     <a:p>
-                      <a:pPr algn="ctr"/>
+                      <a:pPr algn="ctr">
+                        <a:lnSpc>
+                          <a:spcPct val="100000"/>
+                        </a:lnSpc>
+                      </a:pPr>
                       <a:r>
                         <a:rPr b="0" lang="en-US" sz="3200" spc="-1" strike="noStrike">
                           <a:latin typeface="Arial"/>
@@ -10790,10 +8856,15 @@
                 </a:tc>
                 <a:tc>
                   <a:txBody>
-                    <a:bodyPr lIns="90000" rIns="90000" tIns="46800" bIns="46800">
+                    <a:bodyPr lIns="90000" rIns="90000">
                       <a:noAutofit/>
                     </a:bodyPr>
                     <a:p>
+                      <a:pPr>
+                        <a:lnSpc>
+                          <a:spcPct val="100000"/>
+                        </a:lnSpc>
+                      </a:pPr>
                       <a:r>
                         <a:rPr b="0" lang="en-US" sz="3200" spc="-1" strike="noStrike">
                           <a:latin typeface="Arial"/>
@@ -10838,14 +8909,14 @@
       </p:graphicFrame>
       <p:sp>
         <p:nvSpPr>
-          <p:cNvPr id="107" name="CustomShape 46"/>
+          <p:cNvPr id="103" name="CustomShape 46"/>
           <p:cNvSpPr/>
           <p:nvPr/>
         </p:nvSpPr>
         <p:spPr>
           <a:xfrm>
             <a:off x="14613840" y="8487360"/>
-            <a:ext cx="4572000" cy="759960"/>
+            <a:ext cx="4571640" cy="759960"/>
           </a:xfrm>
           <a:prstGeom prst="rect">
             <a:avLst/>
@@ -10860,7 +8931,7 @@
             <a:miter/>
           </a:ln>
           <a:effectLst>
-            <a:outerShdw dist="342635" dir="2700000">
+            <a:outerShdw dir="2700000" dist="342635">
               <a:srgbClr val="000000">
                 <a:alpha val="39000"/>
               </a:srgbClr>
@@ -10889,26 +8960,9 @@
                   <a:srgbClr val="000000"/>
                 </a:solidFill>
                 <a:latin typeface="Arial"/>
-              </a:rPr>
-              <a:t>Valida</a:t>
-            </a:r>
-            <a:r>
-              <a:rPr b="1" lang="en-US" sz="4400" spc="-1" strike="noStrike">
-                <a:solidFill>
-                  <a:srgbClr val="000000"/>
-                </a:solidFill>
-                <a:latin typeface="Arial"/>
-              </a:rPr>
-              <a:t>tion </a:t>
-            </a:r>
-            <a:r>
-              <a:rPr b="1" lang="en-US" sz="4400" spc="-1" strike="noStrike">
-                <a:solidFill>
-                  <a:srgbClr val="000000"/>
-                </a:solidFill>
-                <a:latin typeface="Arial"/>
-              </a:rPr>
-              <a:t>Tests</a:t>
+                <a:ea typeface="DejaVu Sans"/>
+              </a:rPr>
+              <a:t>Validation Tests</a:t>
             </a:r>
             <a:endParaRPr b="0" lang="en-US" sz="4400" spc="-1" strike="noStrike">
               <a:latin typeface="Arial"/>
@@ -10918,14 +8972,14 @@
       </p:sp>
       <p:sp>
         <p:nvSpPr>
-          <p:cNvPr id="108" name="CustomShape 47"/>
+          <p:cNvPr id="104" name="CustomShape 47"/>
           <p:cNvSpPr/>
           <p:nvPr/>
         </p:nvSpPr>
         <p:spPr>
           <a:xfrm>
             <a:off x="0" y="22597920"/>
-            <a:ext cx="14447520" cy="5939640"/>
+            <a:ext cx="14447160" cy="5939280"/>
           </a:xfrm>
           <a:prstGeom prst="roundRect">
             <a:avLst>
@@ -10951,14 +9005,14 @@
       </p:sp>
       <p:sp>
         <p:nvSpPr>
-          <p:cNvPr id="109" name="CustomShape 48"/>
+          <p:cNvPr id="105" name="CustomShape 48"/>
           <p:cNvSpPr/>
           <p:nvPr/>
         </p:nvSpPr>
         <p:spPr>
           <a:xfrm>
             <a:off x="109800" y="22393440"/>
-            <a:ext cx="2267640" cy="760680"/>
+            <a:ext cx="2267280" cy="760320"/>
           </a:xfrm>
           <a:prstGeom prst="rect">
             <a:avLst/>
@@ -10973,7 +9027,7 @@
             <a:miter/>
           </a:ln>
           <a:effectLst>
-            <a:outerShdw dist="342635" dir="2700000">
+            <a:outerShdw dir="2700000" dist="342635">
               <a:srgbClr val="000000">
                 <a:alpha val="39000"/>
               </a:srgbClr>
@@ -11002,17 +9056,9 @@
                   <a:srgbClr val="000000"/>
                 </a:solidFill>
                 <a:latin typeface="Arial"/>
-              </a:rPr>
-              <a:t>Metho</a:t>
-            </a:r>
-            <a:r>
-              <a:rPr b="1" lang="en-US" sz="4400" spc="-1" strike="noStrike">
-                <a:solidFill>
-                  <a:srgbClr val="000000"/>
-                </a:solidFill>
-                <a:latin typeface="Arial"/>
-              </a:rPr>
-              <a:t>d</a:t>
+                <a:ea typeface="DejaVu Sans"/>
+              </a:rPr>
+              <a:t>Method</a:t>
             </a:r>
             <a:endParaRPr b="0" lang="en-US" sz="4400" spc="-1" strike="noStrike">
               <a:latin typeface="Arial"/>
@@ -11022,14 +9068,14 @@
       </p:sp>
       <p:sp>
         <p:nvSpPr>
-          <p:cNvPr id="110" name="CustomShape 49"/>
+          <p:cNvPr id="106" name="CustomShape 49"/>
           <p:cNvSpPr/>
           <p:nvPr/>
         </p:nvSpPr>
         <p:spPr>
           <a:xfrm>
             <a:off x="-15120" y="28273320"/>
-            <a:ext cx="7421760" cy="760680"/>
+            <a:ext cx="7421400" cy="760320"/>
           </a:xfrm>
           <a:prstGeom prst="rect">
             <a:avLst/>
@@ -11044,7 +9090,7 @@
             <a:miter/>
           </a:ln>
           <a:effectLst>
-            <a:outerShdw dist="342635" dir="2700000">
+            <a:outerShdw dir="2700000" dist="342635">
               <a:srgbClr val="000000">
                 <a:alpha val="39000"/>
               </a:srgbClr>
@@ -11073,44 +9119,9 @@
                   <a:srgbClr val="000000"/>
                 </a:solidFill>
                 <a:latin typeface="Arial"/>
-              </a:rPr>
-              <a:t>Disloc</a:t>
-            </a:r>
-            <a:r>
-              <a:rPr b="1" lang="en-US" sz="4400" spc="-1" strike="noStrike">
-                <a:solidFill>
-                  <a:srgbClr val="000000"/>
-                </a:solidFill>
-                <a:latin typeface="Arial"/>
-              </a:rPr>
-              <a:t>ation </a:t>
-            </a:r>
-            <a:r>
-              <a:rPr b="1" lang="en-US" sz="4400" spc="-1" strike="noStrike">
-                <a:solidFill>
-                  <a:srgbClr val="000000"/>
-                </a:solidFill>
-                <a:latin typeface="Arial"/>
-              </a:rPr>
-              <a:t>Core </a:t>
-            </a:r>
-            <a:r>
-              <a:rPr b="1" lang="en-US" sz="4400" spc="-1" strike="noStrike">
-                <a:solidFill>
-                  <a:srgbClr val="000000"/>
-                </a:solidFill>
-                <a:latin typeface="Arial"/>
-              </a:rPr>
-              <a:t>Struct</a:t>
-            </a:r>
-            <a:r>
-              <a:rPr b="1" lang="en-US" sz="4400" spc="-1" strike="noStrike">
-                <a:solidFill>
-                  <a:srgbClr val="000000"/>
-                </a:solidFill>
-                <a:latin typeface="Arial"/>
-              </a:rPr>
-              <a:t>ure</a:t>
+                <a:ea typeface="DejaVu Sans"/>
+              </a:rPr>
+              <a:t>Dislocation Core Structure</a:t>
             </a:r>
             <a:endParaRPr b="0" lang="en-US" sz="4400" spc="-1" strike="noStrike">
               <a:latin typeface="Arial"/>
@@ -11120,7 +9131,7 @@
       </p:sp>
       <p:pic>
         <p:nvPicPr>
-          <p:cNvPr id="111" name="" descr=""/>
+          <p:cNvPr id="107" name="" descr=""/>
           <p:cNvPicPr/>
           <p:nvPr/>
         </p:nvPicPr>
@@ -11132,7 +9143,7 @@
         <p:spPr>
           <a:xfrm>
             <a:off x="22037040" y="12893040"/>
-            <a:ext cx="6400800" cy="4647960"/>
+            <a:ext cx="6400440" cy="4647600"/>
           </a:xfrm>
           <a:prstGeom prst="rect">
             <a:avLst/>
@@ -11144,19 +9155,19 @@
       </p:pic>
       <p:pic>
         <p:nvPicPr>
-          <p:cNvPr id="112" name="" descr=""/>
+          <p:cNvPr id="108" name="" descr=""/>
           <p:cNvPicPr/>
           <p:nvPr/>
         </p:nvPicPr>
         <p:blipFill>
           <a:blip r:embed="rId17"/>
-          <a:srcRect l="8067" t="-252" r="49504" b="13616"/>
+          <a:srcRect l="8065" t="-252" r="49498" b="13616"/>
           <a:stretch/>
         </p:blipFill>
         <p:spPr>
           <a:xfrm>
             <a:off x="16815960" y="12893040"/>
-            <a:ext cx="5229000" cy="4517640"/>
+            <a:ext cx="5228640" cy="4517280"/>
           </a:xfrm>
           <a:prstGeom prst="rect">
             <a:avLst/>
@@ -11168,14 +9179,14 @@
       </p:pic>
       <p:sp>
         <p:nvSpPr>
-          <p:cNvPr id="113" name="CustomShape 50"/>
+          <p:cNvPr id="109" name="CustomShape 50"/>
           <p:cNvSpPr/>
           <p:nvPr/>
         </p:nvSpPr>
         <p:spPr>
           <a:xfrm>
             <a:off x="17992080" y="12290760"/>
-            <a:ext cx="3130560" cy="602280"/>
+            <a:ext cx="3130200" cy="602280"/>
           </a:xfrm>
           <a:prstGeom prst="rect">
             <a:avLst/>
@@ -11212,6 +9223,7 @@
                   <a:srgbClr val="000000"/>
                 </a:solidFill>
                 <a:latin typeface="Arial"/>
+                <a:ea typeface="DejaVu Sans"/>
               </a:rPr>
               <a:t> </a:t>
             </a:r>
@@ -11221,17 +9233,9 @@
                   <a:srgbClr val="000000"/>
                 </a:solidFill>
                 <a:latin typeface="Arial"/>
-              </a:rPr>
-              <a:t>Tight </a:t>
-            </a:r>
-            <a:r>
-              <a:rPr b="1" lang="en-US" sz="3200" spc="-1" strike="noStrike">
-                <a:solidFill>
-                  <a:srgbClr val="000000"/>
-                </a:solidFill>
-                <a:latin typeface="Arial"/>
-              </a:rPr>
-              <a:t>Binding</a:t>
+                <a:ea typeface="DejaVu Sans"/>
+              </a:rPr>
+              <a:t>Tight Binding</a:t>
             </a:r>
             <a:r>
               <a:rPr b="1" lang="en-US" sz="2400" spc="-1" strike="noStrike">
@@ -11239,6 +9243,7 @@
                   <a:srgbClr val="000000"/>
                 </a:solidFill>
                 <a:latin typeface="Arial"/>
+                <a:ea typeface="DejaVu Sans"/>
               </a:rPr>
               <a:t>  </a:t>
             </a:r>
@@ -11250,14 +9255,14 @@
       </p:sp>
       <p:sp>
         <p:nvSpPr>
-          <p:cNvPr id="114" name="CustomShape 51"/>
+          <p:cNvPr id="110" name="CustomShape 51"/>
           <p:cNvSpPr/>
           <p:nvPr/>
         </p:nvSpPr>
         <p:spPr>
           <a:xfrm>
             <a:off x="23317200" y="12290040"/>
-            <a:ext cx="3679200" cy="603000"/>
+            <a:ext cx="3678840" cy="602640"/>
           </a:xfrm>
           <a:prstGeom prst="rect">
             <a:avLst/>
@@ -11294,6 +9299,7 @@
                   <a:srgbClr val="000000"/>
                 </a:solidFill>
                 <a:latin typeface="Arial"/>
+                <a:ea typeface="DejaVu Sans"/>
               </a:rPr>
               <a:t> </a:t>
             </a:r>
@@ -11303,17 +9309,9 @@
                   <a:srgbClr val="000000"/>
                 </a:solidFill>
                 <a:latin typeface="Arial"/>
-              </a:rPr>
-              <a:t>Experim</a:t>
-            </a:r>
-            <a:r>
-              <a:rPr b="1" lang="en-US" sz="3200" spc="-1" strike="noStrike">
-                <a:solidFill>
-                  <a:srgbClr val="000000"/>
-                </a:solidFill>
-                <a:latin typeface="Arial"/>
-              </a:rPr>
-              <a:t>ent [2]</a:t>
+                <a:ea typeface="DejaVu Sans"/>
+              </a:rPr>
+              <a:t>Experiment [2]</a:t>
             </a:r>
             <a:r>
               <a:rPr b="1" lang="en-US" sz="2400" spc="-1" strike="noStrike">
@@ -11321,6 +9319,7 @@
                   <a:srgbClr val="000000"/>
                 </a:solidFill>
                 <a:latin typeface="Arial"/>
+                <a:ea typeface="DejaVu Sans"/>
               </a:rPr>
               <a:t>  </a:t>
             </a:r>
@@ -11332,14 +9331,14 @@
       </p:sp>
       <p:sp>
         <p:nvSpPr>
-          <p:cNvPr id="115" name="CustomShape 52"/>
+          <p:cNvPr id="111" name="CustomShape 52"/>
           <p:cNvSpPr/>
           <p:nvPr/>
         </p:nvSpPr>
         <p:spPr>
           <a:xfrm>
             <a:off x="14744160" y="12179520"/>
-            <a:ext cx="2194560" cy="639000"/>
+            <a:ext cx="2194200" cy="638640"/>
           </a:xfrm>
           <a:prstGeom prst="rect">
             <a:avLst/>
@@ -11354,7 +9353,7 @@
             <a:miter/>
           </a:ln>
           <a:effectLst>
-            <a:outerShdw dist="342635" dir="2700000">
+            <a:outerShdw dir="2700000" dist="342635">
               <a:srgbClr val="000000">
                 <a:alpha val="39000"/>
               </a:srgbClr>
@@ -11383,17 +9382,9 @@
                   <a:srgbClr val="000000"/>
                 </a:solidFill>
                 <a:latin typeface="Arial"/>
-              </a:rPr>
-              <a:t>Phonon</a:t>
-            </a:r>
-            <a:r>
-              <a:rPr b="1" lang="en-US" sz="3600" spc="-1" strike="noStrike">
-                <a:solidFill>
-                  <a:srgbClr val="000000"/>
-                </a:solidFill>
-                <a:latin typeface="Arial"/>
-              </a:rPr>
-              <a:t>s</a:t>
+                <a:ea typeface="DejaVu Sans"/>
+              </a:rPr>
+              <a:t>Phonons</a:t>
             </a:r>
             <a:endParaRPr b="0" lang="en-US" sz="3600" spc="-1" strike="noStrike">
               <a:latin typeface="Arial"/>
@@ -11403,14 +9394,14 @@
       </p:sp>
       <p:sp>
         <p:nvSpPr>
-          <p:cNvPr id="116" name="CustomShape 53"/>
+          <p:cNvPr id="112" name="CustomShape 53"/>
           <p:cNvSpPr/>
           <p:nvPr/>
         </p:nvSpPr>
         <p:spPr>
           <a:xfrm>
             <a:off x="2651760" y="22768560"/>
-            <a:ext cx="9144000" cy="1278360"/>
+            <a:ext cx="9143640" cy="1278000"/>
           </a:xfrm>
           <a:prstGeom prst="rect">
             <a:avLst/>
@@ -11431,7 +9422,7 @@
             <a:spAutoFit/>
           </a:bodyPr>
           <a:p>
-            <a:pPr marL="216000" indent="-216000">
+            <a:pPr marL="216000" indent="-215640">
               <a:lnSpc>
                 <a:spcPct val="100000"/>
               </a:lnSpc>
@@ -11448,42 +9439,16 @@
                   <a:srgbClr val="000000"/>
                 </a:solidFill>
                 <a:latin typeface="Arial"/>
-              </a:rPr>
-              <a:t>Create </a:t>
-            </a:r>
-            <a:r>
-              <a:rPr b="1" i="1" lang="en-US" sz="2600" spc="-1" strike="noStrike">
-                <a:solidFill>
-                  <a:srgbClr val="000000"/>
-                </a:solidFill>
-                <a:latin typeface="Arial"/>
-              </a:rPr>
-              <a:t>dislocati</a:t>
-            </a:r>
-            <a:r>
-              <a:rPr b="1" i="1" lang="en-US" sz="2600" spc="-1" strike="noStrike">
-                <a:solidFill>
-                  <a:srgbClr val="000000"/>
-                </a:solidFill>
-                <a:latin typeface="Arial"/>
-              </a:rPr>
-              <a:t>on in </a:t>
-            </a:r>
-            <a:r>
-              <a:rPr b="1" i="1" lang="en-US" sz="2600" spc="-1" strike="noStrike">
-                <a:solidFill>
-                  <a:srgbClr val="000000"/>
-                </a:solidFill>
-                <a:latin typeface="Arial"/>
-              </a:rPr>
-              <a:t>cell.</a:t>
+                <a:ea typeface="DejaVu Sans"/>
+              </a:rPr>
+              <a:t>Create dislocation in cell.</a:t>
             </a:r>
             <a:endParaRPr b="0" lang="en-US" sz="2600" spc="-1" strike="noStrike">
               <a:latin typeface="Arial"/>
             </a:endParaRPr>
           </a:p>
           <a:p>
-            <a:pPr marL="216000" indent="-216000">
+            <a:pPr marL="216000" indent="-215640">
               <a:lnSpc>
                 <a:spcPct val="100000"/>
               </a:lnSpc>
@@ -11500,78 +9465,16 @@
                   <a:srgbClr val="000000"/>
                 </a:solidFill>
                 <a:latin typeface="Arial"/>
-              </a:rPr>
-              <a:t>Put </a:t>
-            </a:r>
-            <a:r>
-              <a:rPr b="1" i="1" lang="en-US" sz="2600" spc="-1" strike="noStrike">
-                <a:solidFill>
-                  <a:srgbClr val="000000"/>
-                </a:solidFill>
-                <a:latin typeface="Arial"/>
-              </a:rPr>
-              <a:t>oxygen </a:t>
-            </a:r>
-            <a:r>
-              <a:rPr b="1" i="1" lang="en-US" sz="2600" spc="-1" strike="noStrike">
-                <a:solidFill>
-                  <a:srgbClr val="000000"/>
-                </a:solidFill>
-                <a:latin typeface="Arial"/>
-              </a:rPr>
-              <a:t>into </a:t>
-            </a:r>
-            <a:r>
-              <a:rPr b="1" i="1" lang="en-US" sz="2600" spc="-1" strike="noStrike">
-                <a:solidFill>
-                  <a:srgbClr val="000000"/>
-                </a:solidFill>
-                <a:latin typeface="Arial"/>
-              </a:rPr>
-              <a:t>different </a:t>
-            </a:r>
-            <a:r>
-              <a:rPr b="1" i="1" lang="en-US" sz="2600" spc="-1" strike="noStrike">
-                <a:solidFill>
-                  <a:srgbClr val="000000"/>
-                </a:solidFill>
-                <a:latin typeface="Arial"/>
-              </a:rPr>
-              <a:t>sites </a:t>
-            </a:r>
-            <a:r>
-              <a:rPr b="1" i="1" lang="en-US" sz="2600" spc="-1" strike="noStrike">
-                <a:solidFill>
-                  <a:srgbClr val="000000"/>
-                </a:solidFill>
-                <a:latin typeface="Arial"/>
-              </a:rPr>
-              <a:t>(octahedr</a:t>
-            </a:r>
-            <a:r>
-              <a:rPr b="1" i="1" lang="en-US" sz="2600" spc="-1" strike="noStrike">
-                <a:solidFill>
-                  <a:srgbClr val="000000"/>
-                </a:solidFill>
-                <a:latin typeface="Arial"/>
-              </a:rPr>
-              <a:t>al) near </a:t>
-            </a:r>
-            <a:r>
-              <a:rPr b="1" i="1" lang="en-US" sz="2600" spc="-1" strike="noStrike">
-                <a:solidFill>
-                  <a:srgbClr val="000000"/>
-                </a:solidFill>
-                <a:latin typeface="Arial"/>
-              </a:rPr>
-              <a:t>core.</a:t>
+                <a:ea typeface="DejaVu Sans"/>
+              </a:rPr>
+              <a:t>Put oxygen into different sites (octahedral) near core.</a:t>
             </a:r>
             <a:endParaRPr b="0" lang="en-US" sz="2600" spc="-1" strike="noStrike">
               <a:latin typeface="Arial"/>
             </a:endParaRPr>
           </a:p>
           <a:p>
-            <a:pPr marL="216000" indent="-216000">
+            <a:pPr marL="216000" indent="-215640">
               <a:lnSpc>
                 <a:spcPct val="100000"/>
               </a:lnSpc>
@@ -11588,53 +9491,9 @@
                   <a:srgbClr val="000000"/>
                 </a:solidFill>
                 <a:latin typeface="Arial"/>
-              </a:rPr>
-              <a:t>Relax </a:t>
-            </a:r>
-            <a:r>
-              <a:rPr b="1" i="1" lang="en-US" sz="2600" spc="-1" strike="noStrike">
-                <a:solidFill>
-                  <a:srgbClr val="000000"/>
-                </a:solidFill>
-                <a:latin typeface="Arial"/>
-              </a:rPr>
-              <a:t>cell to </a:t>
-            </a:r>
-            <a:r>
-              <a:rPr b="1" i="1" lang="en-US" sz="2600" spc="-1" strike="noStrike">
-                <a:solidFill>
-                  <a:srgbClr val="000000"/>
-                </a:solidFill>
-                <a:latin typeface="Arial"/>
-              </a:rPr>
-              <a:t>see how </a:t>
-            </a:r>
-            <a:r>
-              <a:rPr b="1" i="1" lang="en-US" sz="2600" spc="-1" strike="noStrike">
-                <a:solidFill>
-                  <a:srgbClr val="000000"/>
-                </a:solidFill>
-                <a:latin typeface="Arial"/>
-              </a:rPr>
-              <a:t>the core </a:t>
-            </a:r>
-            <a:r>
-              <a:rPr b="1" i="1" lang="en-US" sz="2600" spc="-1" strike="noStrike">
-                <a:solidFill>
-                  <a:srgbClr val="000000"/>
-                </a:solidFill>
-                <a:latin typeface="Arial"/>
-              </a:rPr>
-              <a:t>structure </a:t>
-            </a:r>
-            <a:r>
-              <a:rPr b="1" i="1" lang="en-US" sz="2600" spc="-1" strike="noStrike">
-                <a:solidFill>
-                  <a:srgbClr val="000000"/>
-                </a:solidFill>
-                <a:latin typeface="Arial"/>
-              </a:rPr>
-              <a:t>changes. </a:t>
+                <a:ea typeface="DejaVu Sans"/>
+              </a:rPr>
+              <a:t>Relax cell to see how the core structure changes. </a:t>
             </a:r>
             <a:endParaRPr b="0" lang="en-US" sz="2600" spc="-1" strike="noStrike">
               <a:latin typeface="Arial"/>
@@ -11644,14 +9503,14 @@
       </p:sp>
       <p:sp>
         <p:nvSpPr>
-          <p:cNvPr id="117" name="CustomShape 54"/>
+          <p:cNvPr id="113" name="CustomShape 54"/>
           <p:cNvSpPr/>
           <p:nvPr/>
         </p:nvSpPr>
         <p:spPr>
           <a:xfrm>
             <a:off x="4572000" y="9073800"/>
-            <a:ext cx="10789920" cy="7280640"/>
+            <a:ext cx="10789560" cy="7280280"/>
           </a:xfrm>
           <a:prstGeom prst="rect">
             <a:avLst/>
@@ -11683,69 +9542,16 @@
                   <a:srgbClr val="000000"/>
                 </a:solidFill>
                 <a:latin typeface="Arial"/>
-              </a:rPr>
-              <a:t>Tight-</a:t>
-            </a:r>
-            <a:r>
-              <a:rPr b="1" i="1" lang="en-US" sz="4000" spc="-1" strike="noStrike">
-                <a:solidFill>
-                  <a:srgbClr val="000000"/>
-                </a:solidFill>
-                <a:latin typeface="Arial"/>
-              </a:rPr>
-              <a:t>bindin</a:t>
-            </a:r>
-            <a:r>
-              <a:rPr b="1" i="1" lang="en-US" sz="4000" spc="-1" strike="noStrike">
-                <a:solidFill>
-                  <a:srgbClr val="000000"/>
-                </a:solidFill>
-                <a:latin typeface="Arial"/>
-              </a:rPr>
-              <a:t>g </a:t>
-            </a:r>
-            <a:r>
-              <a:rPr b="1" i="1" lang="en-US" sz="4000" spc="-1" strike="noStrike">
-                <a:solidFill>
-                  <a:srgbClr val="000000"/>
-                </a:solidFill>
-                <a:latin typeface="Arial"/>
-              </a:rPr>
-              <a:t>model</a:t>
-            </a:r>
-            <a:r>
-              <a:rPr b="1" i="1" lang="en-US" sz="4000" spc="-1" strike="noStrike">
-                <a:solidFill>
-                  <a:srgbClr val="000000"/>
-                </a:solidFill>
-                <a:latin typeface="Arial"/>
-              </a:rPr>
-              <a:t>s need </a:t>
-            </a:r>
-            <a:r>
-              <a:rPr b="1" i="1" lang="en-US" sz="4000" spc="-1" strike="noStrike">
-                <a:solidFill>
-                  <a:srgbClr val="000000"/>
-                </a:solidFill>
-                <a:latin typeface="Arial"/>
-              </a:rPr>
-              <a:t>param</a:t>
-            </a:r>
-            <a:r>
-              <a:rPr b="1" i="1" lang="en-US" sz="4000" spc="-1" strike="noStrike">
-                <a:solidFill>
-                  <a:srgbClr val="000000"/>
-                </a:solidFill>
-                <a:latin typeface="Arial"/>
-              </a:rPr>
-              <a:t>eters.  </a:t>
+                <a:ea typeface="DejaVu Sans"/>
+              </a:rPr>
+              <a:t>Tight-binding models need parameters.  </a:t>
             </a:r>
             <a:endParaRPr b="0" lang="en-US" sz="4000" spc="-1" strike="noStrike">
               <a:latin typeface="Arial"/>
             </a:endParaRPr>
           </a:p>
           <a:p>
-            <a:pPr marL="216000" indent="-216000">
+            <a:pPr marL="216000" indent="-215640">
               <a:lnSpc>
                 <a:spcPct val="100000"/>
               </a:lnSpc>
@@ -11761,6 +9567,7 @@
                   <a:srgbClr val="000000"/>
                 </a:solidFill>
                 <a:latin typeface="Arial"/>
+                <a:ea typeface="DejaVu Sans"/>
               </a:rPr>
               <a:t> </a:t>
             </a:r>
@@ -11770,105 +9577,16 @@
                   <a:srgbClr val="000000"/>
                 </a:solidFill>
                 <a:latin typeface="Arial"/>
-              </a:rPr>
-              <a:t>Overla</a:t>
-            </a:r>
-            <a:r>
-              <a:rPr b="1" i="1" lang="en-US" sz="3200" spc="-1" strike="noStrike">
-                <a:solidFill>
-                  <a:srgbClr val="000000"/>
-                </a:solidFill>
-                <a:latin typeface="Arial"/>
-              </a:rPr>
-              <a:t>ps </a:t>
-            </a:r>
-            <a:r>
-              <a:rPr b="1" i="1" lang="en-US" sz="3200" spc="-1" strike="noStrike">
-                <a:solidFill>
-                  <a:srgbClr val="000000"/>
-                </a:solidFill>
-                <a:latin typeface="Arial"/>
-              </a:rPr>
-              <a:t>betwee</a:t>
-            </a:r>
-            <a:r>
-              <a:rPr b="1" i="1" lang="en-US" sz="3200" spc="-1" strike="noStrike">
-                <a:solidFill>
-                  <a:srgbClr val="000000"/>
-                </a:solidFill>
-                <a:latin typeface="Arial"/>
-              </a:rPr>
-              <a:t>n </a:t>
-            </a:r>
-            <a:r>
-              <a:rPr b="1" i="1" lang="en-US" sz="3200" spc="-1" strike="noStrike">
-                <a:solidFill>
-                  <a:srgbClr val="000000"/>
-                </a:solidFill>
-                <a:latin typeface="Arial"/>
-              </a:rPr>
-              <a:t>atomic </a:t>
-            </a:r>
-            <a:r>
-              <a:rPr b="1" i="1" lang="en-US" sz="3200" spc="-1" strike="noStrike">
-                <a:solidFill>
-                  <a:srgbClr val="000000"/>
-                </a:solidFill>
-                <a:latin typeface="Arial"/>
-              </a:rPr>
-              <a:t>orbitals </a:t>
-            </a:r>
-            <a:r>
-              <a:rPr b="1" i="1" lang="en-US" sz="3200" spc="-1" strike="noStrike">
-                <a:solidFill>
-                  <a:srgbClr val="000000"/>
-                </a:solidFill>
-                <a:latin typeface="Arial"/>
-              </a:rPr>
-              <a:t>of </a:t>
-            </a:r>
-            <a:r>
-              <a:rPr b="1" i="1" lang="en-US" sz="3200" spc="-1" strike="noStrike">
-                <a:solidFill>
-                  <a:srgbClr val="000000"/>
-                </a:solidFill>
-                <a:latin typeface="Arial"/>
-              </a:rPr>
-              <a:t>atoms </a:t>
-            </a:r>
-            <a:r>
-              <a:rPr b="1" i="1" lang="en-US" sz="3200" spc="-1" strike="noStrike">
-                <a:solidFill>
-                  <a:srgbClr val="000000"/>
-                </a:solidFill>
-                <a:latin typeface="Arial"/>
-              </a:rPr>
-              <a:t>are </a:t>
-            </a:r>
-            <a:r>
-              <a:rPr b="1" i="1" lang="en-US" sz="3200" spc="-1" strike="noStrike">
-                <a:solidFill>
-                  <a:srgbClr val="000000"/>
-                </a:solidFill>
-                <a:latin typeface="Arial"/>
-              </a:rPr>
-              <a:t>parame</a:t>
-            </a:r>
-            <a:r>
-              <a:rPr b="1" i="1" lang="en-US" sz="3200" spc="-1" strike="noStrike">
-                <a:solidFill>
-                  <a:srgbClr val="000000"/>
-                </a:solidFill>
-                <a:latin typeface="Arial"/>
-              </a:rPr>
-              <a:t>ters. </a:t>
+                <a:ea typeface="DejaVu Sans"/>
+              </a:rPr>
+              <a:t>Overlaps between atomic orbitals of atoms are parameters. </a:t>
             </a:r>
             <a:endParaRPr b="0" lang="en-US" sz="3200" spc="-1" strike="noStrike">
               <a:latin typeface="Arial"/>
             </a:endParaRPr>
           </a:p>
           <a:p>
-            <a:pPr marL="216000" indent="-216000">
+            <a:pPr marL="216000" indent="-215640">
               <a:lnSpc>
                 <a:spcPct val="100000"/>
               </a:lnSpc>
@@ -11884,6 +9602,7 @@
                   <a:srgbClr val="000000"/>
                 </a:solidFill>
                 <a:latin typeface="Arial"/>
+                <a:ea typeface="DejaVu Sans"/>
               </a:rPr>
               <a:t> </a:t>
             </a:r>
@@ -11893,69 +9612,16 @@
                   <a:srgbClr val="000000"/>
                 </a:solidFill>
                 <a:latin typeface="Arial"/>
-              </a:rPr>
-              <a:t>This </a:t>
-            </a:r>
-            <a:r>
-              <a:rPr b="1" i="1" lang="en-US" sz="3200" spc="-1" strike="noStrike">
-                <a:solidFill>
-                  <a:srgbClr val="000000"/>
-                </a:solidFill>
-                <a:latin typeface="Arial"/>
-              </a:rPr>
-              <a:t>titaniu</a:t>
-            </a:r>
-            <a:r>
-              <a:rPr b="1" i="1" lang="en-US" sz="3200" spc="-1" strike="noStrike">
-                <a:solidFill>
-                  <a:srgbClr val="000000"/>
-                </a:solidFill>
-                <a:latin typeface="Arial"/>
-              </a:rPr>
-              <a:t>m </a:t>
-            </a:r>
-            <a:r>
-              <a:rPr b="1" i="1" lang="en-US" sz="3200" spc="-1" strike="noStrike">
-                <a:solidFill>
-                  <a:srgbClr val="000000"/>
-                </a:solidFill>
-                <a:latin typeface="Arial"/>
-              </a:rPr>
-              <a:t>model </a:t>
-            </a:r>
-            <a:r>
-              <a:rPr b="1" i="1" lang="en-US" sz="3200" spc="-1" strike="noStrike">
-                <a:solidFill>
-                  <a:srgbClr val="000000"/>
-                </a:solidFill>
-                <a:latin typeface="Arial"/>
-              </a:rPr>
-              <a:t>is d-</a:t>
-            </a:r>
-            <a:r>
-              <a:rPr b="1" i="1" lang="en-US" sz="3200" spc="-1" strike="noStrike">
-                <a:solidFill>
-                  <a:srgbClr val="000000"/>
-                </a:solidFill>
-                <a:latin typeface="Arial"/>
-              </a:rPr>
-              <a:t>orbital </a:t>
-            </a:r>
-            <a:r>
-              <a:rPr b="1" i="1" lang="en-US" sz="3200" spc="-1" strike="noStrike">
-                <a:solidFill>
-                  <a:srgbClr val="000000"/>
-                </a:solidFill>
-                <a:latin typeface="Arial"/>
-              </a:rPr>
-              <a:t>only. </a:t>
+                <a:ea typeface="DejaVu Sans"/>
+              </a:rPr>
+              <a:t>This titanium model is d-orbital only. </a:t>
             </a:r>
             <a:endParaRPr b="0" lang="en-US" sz="3200" spc="-1" strike="noStrike">
               <a:latin typeface="Arial"/>
             </a:endParaRPr>
           </a:p>
           <a:p>
-            <a:pPr marL="216000" indent="-216000">
+            <a:pPr marL="216000" indent="-215640">
               <a:lnSpc>
                 <a:spcPct val="100000"/>
               </a:lnSpc>
@@ -11971,6 +9637,7 @@
                   <a:srgbClr val="000000"/>
                 </a:solidFill>
                 <a:latin typeface="Arial"/>
+                <a:ea typeface="DejaVu Sans"/>
               </a:rPr>
               <a:t> </a:t>
             </a:r>
@@ -11980,150 +9647,16 @@
                   <a:srgbClr val="000000"/>
                 </a:solidFill>
                 <a:latin typeface="Arial"/>
-              </a:rPr>
-              <a:t>Ab </a:t>
-            </a:r>
-            <a:r>
-              <a:rPr b="1" i="1" lang="en-US" sz="3200" spc="-1" strike="noStrike">
-                <a:solidFill>
-                  <a:srgbClr val="000000"/>
-                </a:solidFill>
-                <a:latin typeface="Arial"/>
-              </a:rPr>
-              <a:t>initio </a:t>
-            </a:r>
-            <a:r>
-              <a:rPr b="1" i="1" lang="en-US" sz="3200" spc="-1" strike="noStrike">
-                <a:solidFill>
-                  <a:srgbClr val="000000"/>
-                </a:solidFill>
-                <a:latin typeface="Arial"/>
-              </a:rPr>
-              <a:t>Density </a:t>
-            </a:r>
-            <a:r>
-              <a:rPr b="1" i="1" lang="en-US" sz="3200" spc="-1" strike="noStrike">
-                <a:solidFill>
-                  <a:srgbClr val="000000"/>
-                </a:solidFill>
-                <a:latin typeface="Arial"/>
-              </a:rPr>
-              <a:t>Functio</a:t>
-            </a:r>
-            <a:r>
-              <a:rPr b="1" i="1" lang="en-US" sz="3200" spc="-1" strike="noStrike">
-                <a:solidFill>
-                  <a:srgbClr val="000000"/>
-                </a:solidFill>
-                <a:latin typeface="Arial"/>
-              </a:rPr>
-              <a:t>nal </a:t>
-            </a:r>
-            <a:r>
-              <a:rPr b="1" i="1" lang="en-US" sz="3200" spc="-1" strike="noStrike">
-                <a:solidFill>
-                  <a:srgbClr val="000000"/>
-                </a:solidFill>
-                <a:latin typeface="Arial"/>
-              </a:rPr>
-              <a:t>Theory </a:t>
-            </a:r>
-            <a:r>
-              <a:rPr b="1" i="1" lang="en-US" sz="3200" spc="-1" strike="noStrike">
-                <a:solidFill>
-                  <a:srgbClr val="000000"/>
-                </a:solidFill>
-                <a:latin typeface="Arial"/>
-              </a:rPr>
-              <a:t>(DFT)  </a:t>
-            </a:r>
-            <a:r>
-              <a:rPr b="1" i="1" lang="en-US" sz="3200" spc="-1" strike="noStrike">
-                <a:solidFill>
-                  <a:srgbClr val="000000"/>
-                </a:solidFill>
-                <a:latin typeface="Arial"/>
-              </a:rPr>
-              <a:t>calcula</a:t>
-            </a:r>
-            <a:r>
-              <a:rPr b="1" i="1" lang="en-US" sz="3200" spc="-1" strike="noStrike">
-                <a:solidFill>
-                  <a:srgbClr val="000000"/>
-                </a:solidFill>
-                <a:latin typeface="Arial"/>
-              </a:rPr>
-              <a:t>tions </a:t>
-            </a:r>
-            <a:r>
-              <a:rPr b="1" i="1" lang="en-US" sz="3200" spc="-1" strike="noStrike">
-                <a:solidFill>
-                  <a:srgbClr val="000000"/>
-                </a:solidFill>
-                <a:latin typeface="Arial"/>
-              </a:rPr>
-              <a:t>and </a:t>
-            </a:r>
-            <a:r>
-              <a:rPr b="1" i="1" lang="en-US" sz="3200" spc="-1" strike="noStrike">
-                <a:solidFill>
-                  <a:srgbClr val="000000"/>
-                </a:solidFill>
-                <a:latin typeface="Arial"/>
-              </a:rPr>
-              <a:t>empiric</a:t>
-            </a:r>
-            <a:r>
-              <a:rPr b="1" i="1" lang="en-US" sz="3200" spc="-1" strike="noStrike">
-                <a:solidFill>
-                  <a:srgbClr val="000000"/>
-                </a:solidFill>
-                <a:latin typeface="Arial"/>
-              </a:rPr>
-              <a:t>al </a:t>
-            </a:r>
-            <a:r>
-              <a:rPr b="1" i="1" lang="en-US" sz="3200" spc="-1" strike="noStrike">
-                <a:solidFill>
-                  <a:srgbClr val="000000"/>
-                </a:solidFill>
-                <a:latin typeface="Arial"/>
-              </a:rPr>
-              <a:t>quantiti</a:t>
-            </a:r>
-            <a:r>
-              <a:rPr b="1" i="1" lang="en-US" sz="3200" spc="-1" strike="noStrike">
-                <a:solidFill>
-                  <a:srgbClr val="000000"/>
-                </a:solidFill>
-                <a:latin typeface="Arial"/>
-              </a:rPr>
-              <a:t>es are </a:t>
-            </a:r>
-            <a:r>
-              <a:rPr b="1" i="1" lang="en-US" sz="3200" spc="-1" strike="noStrike">
-                <a:solidFill>
-                  <a:srgbClr val="000000"/>
-                </a:solidFill>
-                <a:latin typeface="Arial"/>
-              </a:rPr>
-              <a:t>fitted </a:t>
-            </a:r>
-            <a:r>
-              <a:rPr b="1" i="1" lang="en-US" sz="3200" spc="-1" strike="noStrike">
-                <a:solidFill>
-                  <a:srgbClr val="000000"/>
-                </a:solidFill>
-                <a:latin typeface="Arial"/>
-              </a:rPr>
-              <a:t>to.</a:t>
+                <a:ea typeface="DejaVu Sans"/>
+              </a:rPr>
+              <a:t>Ab initio Density Functional Theory (DFT)  calculations and empirical quantities are fitted to.</a:t>
             </a:r>
             <a:endParaRPr b="0" lang="en-US" sz="3200" spc="-1" strike="noStrike">
               <a:latin typeface="Arial"/>
             </a:endParaRPr>
           </a:p>
           <a:p>
-            <a:pPr marL="216000" indent="-216000">
+            <a:pPr marL="216000" indent="-215640">
               <a:lnSpc>
                 <a:spcPct val="100000"/>
               </a:lnSpc>
@@ -12139,6 +9672,7 @@
                   <a:srgbClr val="000000"/>
                 </a:solidFill>
                 <a:latin typeface="Arial"/>
+                <a:ea typeface="DejaVu Sans"/>
               </a:rPr>
               <a:t> </a:t>
             </a:r>
@@ -12148,60 +9682,16 @@
                   <a:srgbClr val="000000"/>
                 </a:solidFill>
                 <a:latin typeface="Arial"/>
-              </a:rPr>
-              <a:t>Particle </a:t>
-            </a:r>
-            <a:r>
-              <a:rPr b="1" i="1" lang="en-US" sz="3200" spc="-1" strike="noStrike">
-                <a:solidFill>
-                  <a:srgbClr val="000000"/>
-                </a:solidFill>
-                <a:latin typeface="Arial"/>
-              </a:rPr>
-              <a:t>swarm </a:t>
-            </a:r>
-            <a:r>
-              <a:rPr b="1" i="1" lang="en-US" sz="3200" spc="-1" strike="noStrike">
-                <a:solidFill>
-                  <a:srgbClr val="000000"/>
-                </a:solidFill>
-                <a:latin typeface="Arial"/>
-              </a:rPr>
-              <a:t>algorith</a:t>
-            </a:r>
-            <a:r>
-              <a:rPr b="1" i="1" lang="en-US" sz="3200" spc="-1" strike="noStrike">
-                <a:solidFill>
-                  <a:srgbClr val="000000"/>
-                </a:solidFill>
-                <a:latin typeface="Arial"/>
-              </a:rPr>
-              <a:t>m used </a:t>
-            </a:r>
-            <a:r>
-              <a:rPr b="1" i="1" lang="en-US" sz="3200" spc="-1" strike="noStrike">
-                <a:solidFill>
-                  <a:srgbClr val="000000"/>
-                </a:solidFill>
-                <a:latin typeface="Arial"/>
-              </a:rPr>
-              <a:t>for </a:t>
-            </a:r>
-            <a:r>
-              <a:rPr b="1" i="1" lang="en-US" sz="3200" spc="-1" strike="noStrike">
-                <a:solidFill>
-                  <a:srgbClr val="000000"/>
-                </a:solidFill>
-                <a:latin typeface="Arial"/>
-              </a:rPr>
-              <a:t>fitting.  </a:t>
+                <a:ea typeface="DejaVu Sans"/>
+              </a:rPr>
+              <a:t>Particle swarm algorithm used for fitting.  </a:t>
             </a:r>
             <a:endParaRPr b="0" lang="en-US" sz="3200" spc="-1" strike="noStrike">
               <a:latin typeface="Arial"/>
             </a:endParaRPr>
           </a:p>
           <a:p>
-            <a:pPr marL="216000" indent="-216000">
+            <a:pPr marL="216000" indent="-215640">
               <a:lnSpc>
                 <a:spcPct val="100000"/>
               </a:lnSpc>
@@ -12217,6 +9707,7 @@
                   <a:srgbClr val="000000"/>
                 </a:solidFill>
                 <a:latin typeface="Arial"/>
+                <a:ea typeface="DejaVu Sans"/>
               </a:rPr>
               <a:t> </a:t>
             </a:r>
@@ -12226,60 +9717,16 @@
                   <a:srgbClr val="000000"/>
                 </a:solidFill>
                 <a:latin typeface="Arial"/>
-              </a:rPr>
-              <a:t>Validati</a:t>
-            </a:r>
-            <a:r>
-              <a:rPr b="1" i="1" lang="en-US" sz="3200" spc="-1" strike="noStrike">
-                <a:solidFill>
-                  <a:srgbClr val="000000"/>
-                </a:solidFill>
-                <a:latin typeface="Arial"/>
-              </a:rPr>
-              <a:t>on </a:t>
-            </a:r>
-            <a:r>
-              <a:rPr b="1" i="1" lang="en-US" sz="3200" spc="-1" strike="noStrike">
-                <a:solidFill>
-                  <a:srgbClr val="000000"/>
-                </a:solidFill>
-                <a:latin typeface="Arial"/>
-              </a:rPr>
-              <a:t>achieve</a:t>
-            </a:r>
-            <a:r>
-              <a:rPr b="1" i="1" lang="en-US" sz="3200" spc="-1" strike="noStrike">
-                <a:solidFill>
-                  <a:srgbClr val="000000"/>
-                </a:solidFill>
-                <a:latin typeface="Arial"/>
-              </a:rPr>
-              <a:t>d by </a:t>
-            </a:r>
-            <a:r>
-              <a:rPr b="1" i="1" lang="en-US" sz="3200" spc="-1" strike="noStrike">
-                <a:solidFill>
-                  <a:srgbClr val="000000"/>
-                </a:solidFill>
-                <a:latin typeface="Arial"/>
-              </a:rPr>
-              <a:t>compar</a:t>
-            </a:r>
-            <a:r>
-              <a:rPr b="1" i="1" lang="en-US" sz="3200" spc="-1" strike="noStrike">
-                <a:solidFill>
-                  <a:srgbClr val="000000"/>
-                </a:solidFill>
-                <a:latin typeface="Arial"/>
-              </a:rPr>
-              <a:t>ison of:</a:t>
+                <a:ea typeface="DejaVu Sans"/>
+              </a:rPr>
+              <a:t>Validation achieved by comparison of:</a:t>
             </a:r>
             <a:endParaRPr b="0" lang="en-US" sz="3200" spc="-1" strike="noStrike">
               <a:latin typeface="Arial"/>
             </a:endParaRPr>
           </a:p>
           <a:p>
-            <a:pPr lvl="1" marL="743040" indent="-285480">
+            <a:pPr lvl="1" marL="743040" indent="-285120">
               <a:lnSpc>
                 <a:spcPct val="100000"/>
               </a:lnSpc>
@@ -12295,96 +9742,16 @@
                   <a:srgbClr val="000000"/>
                 </a:solidFill>
                 <a:latin typeface="Arial"/>
-              </a:rPr>
-              <a:t>Latti</a:t>
-            </a:r>
-            <a:r>
-              <a:rPr b="1" i="1" lang="en-US" sz="3200" spc="-1" strike="noStrike">
-                <a:solidFill>
-                  <a:srgbClr val="000000"/>
-                </a:solidFill>
-                <a:latin typeface="Arial"/>
-              </a:rPr>
-              <a:t>ce </a:t>
-            </a:r>
-            <a:r>
-              <a:rPr b="1" i="1" lang="en-US" sz="3200" spc="-1" strike="noStrike">
-                <a:solidFill>
-                  <a:srgbClr val="000000"/>
-                </a:solidFill>
-                <a:latin typeface="Arial"/>
-              </a:rPr>
-              <a:t>wav</a:t>
-            </a:r>
-            <a:r>
-              <a:rPr b="1" i="1" lang="en-US" sz="3200" spc="-1" strike="noStrike">
-                <a:solidFill>
-                  <a:srgbClr val="000000"/>
-                </a:solidFill>
-                <a:latin typeface="Arial"/>
-              </a:rPr>
-              <a:t>e </a:t>
-            </a:r>
-            <a:r>
-              <a:rPr b="1" i="1" lang="en-US" sz="3200" spc="-1" strike="noStrike">
-                <a:solidFill>
-                  <a:srgbClr val="000000"/>
-                </a:solidFill>
-                <a:latin typeface="Arial"/>
-              </a:rPr>
-              <a:t>disp</a:t>
-            </a:r>
-            <a:r>
-              <a:rPr b="1" i="1" lang="en-US" sz="3200" spc="-1" strike="noStrike">
-                <a:solidFill>
-                  <a:srgbClr val="000000"/>
-                </a:solidFill>
-                <a:latin typeface="Arial"/>
-              </a:rPr>
-              <a:t>ersio</a:t>
-            </a:r>
-            <a:r>
-              <a:rPr b="1" i="1" lang="en-US" sz="3200" spc="-1" strike="noStrike">
-                <a:solidFill>
-                  <a:srgbClr val="000000"/>
-                </a:solidFill>
-                <a:latin typeface="Arial"/>
-              </a:rPr>
-              <a:t>n </a:t>
-            </a:r>
-            <a:r>
-              <a:rPr b="1" i="1" lang="en-US" sz="3200" spc="-1" strike="noStrike">
-                <a:solidFill>
-                  <a:srgbClr val="000000"/>
-                </a:solidFill>
-                <a:latin typeface="Arial"/>
-              </a:rPr>
-              <a:t>(pho</a:t>
-            </a:r>
-            <a:r>
-              <a:rPr b="1" i="1" lang="en-US" sz="3200" spc="-1" strike="noStrike">
-                <a:solidFill>
-                  <a:srgbClr val="000000"/>
-                </a:solidFill>
-                <a:latin typeface="Arial"/>
-              </a:rPr>
-              <a:t>nons</a:t>
-            </a:r>
-            <a:r>
-              <a:rPr b="1" i="1" lang="en-US" sz="3200" spc="-1" strike="noStrike">
-                <a:solidFill>
-                  <a:srgbClr val="000000"/>
-                </a:solidFill>
-                <a:latin typeface="Arial"/>
-              </a:rPr>
-              <a:t>). </a:t>
+                <a:ea typeface="DejaVu Sans"/>
+              </a:rPr>
+              <a:t>Lattice wave dispersion (phonons). </a:t>
             </a:r>
             <a:endParaRPr b="0" lang="en-US" sz="3200" spc="-1" strike="noStrike">
               <a:latin typeface="Arial"/>
             </a:endParaRPr>
           </a:p>
           <a:p>
-            <a:pPr lvl="1" marL="743040" indent="-285480">
+            <a:pPr lvl="1" marL="743040" indent="-285120">
               <a:lnSpc>
                 <a:spcPct val="100000"/>
               </a:lnSpc>
@@ -12400,105 +9767,16 @@
                   <a:srgbClr val="000000"/>
                 </a:solidFill>
                 <a:latin typeface="Arial"/>
-              </a:rPr>
-              <a:t>Gen</a:t>
-            </a:r>
-            <a:r>
-              <a:rPr b="1" i="1" lang="en-US" sz="3200" spc="-1" strike="noStrike">
-                <a:solidFill>
-                  <a:srgbClr val="000000"/>
-                </a:solidFill>
-                <a:latin typeface="Arial"/>
-              </a:rPr>
-              <a:t>erali</a:t>
-            </a:r>
-            <a:r>
-              <a:rPr b="1" i="1" lang="en-US" sz="3200" spc="-1" strike="noStrike">
-                <a:solidFill>
-                  <a:srgbClr val="000000"/>
-                </a:solidFill>
-                <a:latin typeface="Arial"/>
-              </a:rPr>
-              <a:t>sed </a:t>
-            </a:r>
-            <a:r>
-              <a:rPr b="1" i="1" lang="en-US" sz="3200" spc="-1" strike="noStrike">
-                <a:solidFill>
-                  <a:srgbClr val="000000"/>
-                </a:solidFill>
-                <a:latin typeface="Arial"/>
-              </a:rPr>
-              <a:t>stac</a:t>
-            </a:r>
-            <a:r>
-              <a:rPr b="1" i="1" lang="en-US" sz="3200" spc="-1" strike="noStrike">
-                <a:solidFill>
-                  <a:srgbClr val="000000"/>
-                </a:solidFill>
-                <a:latin typeface="Arial"/>
-              </a:rPr>
-              <a:t>king </a:t>
-            </a:r>
-            <a:r>
-              <a:rPr b="1" i="1" lang="en-US" sz="3200" spc="-1" strike="noStrike">
-                <a:solidFill>
-                  <a:srgbClr val="000000"/>
-                </a:solidFill>
-                <a:latin typeface="Arial"/>
-              </a:rPr>
-              <a:t>fault </a:t>
-            </a:r>
-            <a:r>
-              <a:rPr b="1" i="1" lang="en-US" sz="3200" spc="-1" strike="noStrike">
-                <a:solidFill>
-                  <a:srgbClr val="000000"/>
-                </a:solidFill>
-                <a:latin typeface="Arial"/>
-              </a:rPr>
-              <a:t>ener</a:t>
-            </a:r>
-            <a:r>
-              <a:rPr b="1" i="1" lang="en-US" sz="3200" spc="-1" strike="noStrike">
-                <a:solidFill>
-                  <a:srgbClr val="000000"/>
-                </a:solidFill>
-                <a:latin typeface="Arial"/>
-              </a:rPr>
-              <a:t>gy </a:t>
-            </a:r>
-            <a:r>
-              <a:rPr b="1" i="1" lang="en-US" sz="3200" spc="-1" strike="noStrike">
-                <a:solidFill>
-                  <a:srgbClr val="000000"/>
-                </a:solidFill>
-                <a:latin typeface="Arial"/>
-              </a:rPr>
-              <a:t>surf</a:t>
-            </a:r>
-            <a:r>
-              <a:rPr b="1" i="1" lang="en-US" sz="3200" spc="-1" strike="noStrike">
-                <a:solidFill>
-                  <a:srgbClr val="000000"/>
-                </a:solidFill>
-                <a:latin typeface="Arial"/>
-              </a:rPr>
-              <a:t>aces</a:t>
-            </a:r>
-            <a:r>
-              <a:rPr b="1" i="1" lang="en-US" sz="3200" spc="-1" strike="noStrike">
-                <a:solidFill>
-                  <a:srgbClr val="000000"/>
-                </a:solidFill>
-                <a:latin typeface="Arial"/>
-              </a:rPr>
-              <a:t>. </a:t>
+                <a:ea typeface="DejaVu Sans"/>
+              </a:rPr>
+              <a:t>Generalised stacking fault energy surfaces. </a:t>
             </a:r>
             <a:endParaRPr b="0" lang="en-US" sz="3200" spc="-1" strike="noStrike">
               <a:latin typeface="Arial"/>
             </a:endParaRPr>
           </a:p>
           <a:p>
-            <a:pPr lvl="1" marL="743040" indent="-285480">
+            <a:pPr lvl="1" marL="743040" indent="-285120">
               <a:lnSpc>
                 <a:spcPct val="100000"/>
               </a:lnSpc>
@@ -12514,69 +9792,16 @@
                   <a:srgbClr val="000000"/>
                 </a:solidFill>
                 <a:latin typeface="Arial"/>
-              </a:rPr>
-              <a:t>Disl</a:t>
-            </a:r>
-            <a:r>
-              <a:rPr b="1" i="1" lang="en-US" sz="3200" spc="-1" strike="noStrike">
-                <a:solidFill>
-                  <a:srgbClr val="000000"/>
-                </a:solidFill>
-                <a:latin typeface="Arial"/>
-              </a:rPr>
-              <a:t>ocati</a:t>
-            </a:r>
-            <a:r>
-              <a:rPr b="1" i="1" lang="en-US" sz="3200" spc="-1" strike="noStrike">
-                <a:solidFill>
-                  <a:srgbClr val="000000"/>
-                </a:solidFill>
-                <a:latin typeface="Arial"/>
-              </a:rPr>
-              <a:t>on </a:t>
-            </a:r>
-            <a:r>
-              <a:rPr b="1" i="1" lang="en-US" sz="3200" spc="-1" strike="noStrike">
-                <a:solidFill>
-                  <a:srgbClr val="000000"/>
-                </a:solidFill>
-                <a:latin typeface="Arial"/>
-              </a:rPr>
-              <a:t>core </a:t>
-            </a:r>
-            <a:r>
-              <a:rPr b="1" i="1" lang="en-US" sz="3200" spc="-1" strike="noStrike">
-                <a:solidFill>
-                  <a:srgbClr val="000000"/>
-                </a:solidFill>
-                <a:latin typeface="Arial"/>
-              </a:rPr>
-              <a:t>stru</a:t>
-            </a:r>
-            <a:r>
-              <a:rPr b="1" i="1" lang="en-US" sz="3200" spc="-1" strike="noStrike">
-                <a:solidFill>
-                  <a:srgbClr val="000000"/>
-                </a:solidFill>
-                <a:latin typeface="Arial"/>
-              </a:rPr>
-              <a:t>ctur</a:t>
-            </a:r>
-            <a:r>
-              <a:rPr b="1" i="1" lang="en-US" sz="3200" spc="-1" strike="noStrike">
-                <a:solidFill>
-                  <a:srgbClr val="000000"/>
-                </a:solidFill>
-                <a:latin typeface="Arial"/>
-              </a:rPr>
-              <a:t>e.</a:t>
+                <a:ea typeface="DejaVu Sans"/>
+              </a:rPr>
+              <a:t>Dislocation core structure.</a:t>
             </a:r>
             <a:endParaRPr b="0" lang="en-US" sz="3200" spc="-1" strike="noStrike">
               <a:latin typeface="Arial"/>
             </a:endParaRPr>
           </a:p>
           <a:p>
-            <a:pPr lvl="1" marL="743040" indent="-285480">
+            <a:pPr lvl="1" marL="743040" indent="-285120">
               <a:lnSpc>
                 <a:spcPct val="100000"/>
               </a:lnSpc>
@@ -12592,87 +9817,16 @@
                   <a:srgbClr val="000000"/>
                 </a:solidFill>
                 <a:latin typeface="Arial"/>
-              </a:rPr>
-              <a:t>Diss</a:t>
-            </a:r>
-            <a:r>
-              <a:rPr b="1" i="1" lang="en-US" sz="3200" spc="-1" strike="noStrike">
-                <a:solidFill>
-                  <a:srgbClr val="000000"/>
-                </a:solidFill>
-                <a:latin typeface="Arial"/>
-              </a:rPr>
-              <a:t>oluti</a:t>
-            </a:r>
-            <a:r>
-              <a:rPr b="1" i="1" lang="en-US" sz="3200" spc="-1" strike="noStrike">
-                <a:solidFill>
-                  <a:srgbClr val="000000"/>
-                </a:solidFill>
-                <a:latin typeface="Arial"/>
-              </a:rPr>
-              <a:t>on/</a:t>
-            </a:r>
-            <a:r>
-              <a:rPr b="1" i="1" lang="en-US" sz="3200" spc="-1" strike="noStrike">
-                <a:solidFill>
-                  <a:srgbClr val="000000"/>
-                </a:solidFill>
-                <a:latin typeface="Arial"/>
-              </a:rPr>
-              <a:t>vaca</a:t>
-            </a:r>
-            <a:r>
-              <a:rPr b="1" i="1" lang="en-US" sz="3200" spc="-1" strike="noStrike">
-                <a:solidFill>
-                  <a:srgbClr val="000000"/>
-                </a:solidFill>
-                <a:latin typeface="Arial"/>
-              </a:rPr>
-              <a:t>ncy </a:t>
-            </a:r>
-            <a:r>
-              <a:rPr b="1" i="1" lang="en-US" sz="3200" spc="-1" strike="noStrike">
-                <a:solidFill>
-                  <a:srgbClr val="000000"/>
-                </a:solidFill>
-                <a:latin typeface="Arial"/>
-              </a:rPr>
-              <a:t>form</a:t>
-            </a:r>
-            <a:r>
-              <a:rPr b="1" i="1" lang="en-US" sz="3200" spc="-1" strike="noStrike">
-                <a:solidFill>
-                  <a:srgbClr val="000000"/>
-                </a:solidFill>
-                <a:latin typeface="Arial"/>
-              </a:rPr>
-              <a:t>ation </a:t>
-            </a:r>
-            <a:r>
-              <a:rPr b="1" i="1" lang="en-US" sz="3200" spc="-1" strike="noStrike">
-                <a:solidFill>
-                  <a:srgbClr val="000000"/>
-                </a:solidFill>
-                <a:latin typeface="Arial"/>
-              </a:rPr>
-              <a:t>ener</a:t>
-            </a:r>
-            <a:r>
-              <a:rPr b="1" i="1" lang="en-US" sz="3200" spc="-1" strike="noStrike">
-                <a:solidFill>
-                  <a:srgbClr val="000000"/>
-                </a:solidFill>
-                <a:latin typeface="Arial"/>
-              </a:rPr>
-              <a:t>gies.</a:t>
+                <a:ea typeface="DejaVu Sans"/>
+              </a:rPr>
+              <a:t>Dissolution/vacancy formation energies.</a:t>
             </a:r>
             <a:endParaRPr b="0" lang="en-US" sz="3200" spc="-1" strike="noStrike">
               <a:latin typeface="Arial"/>
             </a:endParaRPr>
           </a:p>
           <a:p>
-            <a:pPr lvl="1" marL="743040" indent="-285480">
+            <a:pPr lvl="1" marL="743040" indent="-285120">
               <a:lnSpc>
                 <a:spcPct val="100000"/>
               </a:lnSpc>
@@ -12688,6 +9842,7 @@
                   <a:srgbClr val="000000"/>
                 </a:solidFill>
                 <a:latin typeface="Arial"/>
+                <a:ea typeface="DejaVu Sans"/>
               </a:rPr>
               <a:t>  </a:t>
             </a:r>
@@ -12709,25 +9864,25 @@
       </p:sp>
       <p:sp>
         <p:nvSpPr>
-          <p:cNvPr id="118" name="Line 55"/>
+          <p:cNvPr id="114" name="Line 55"/>
           <p:cNvSpPr/>
           <p:nvPr/>
         </p:nvSpPr>
         <p:spPr>
           <a:xfrm>
             <a:off x="18985680" y="13533120"/>
-            <a:ext cx="0" cy="3528720"/>
+            <a:ext cx="360" cy="3528720"/>
           </a:xfrm>
           <a:prstGeom prst="line">
             <a:avLst/>
           </a:prstGeom>
-          <a:ln w="19080">
+          <a:ln cap="rnd" w="19080">
             <a:solidFill>
               <a:srgbClr val="000000"/>
             </a:solidFill>
             <a:custDash>
-              <a:ds d="0" sp="0"/>
-              <a:ds d="0" sp="0"/>
+              <a:ds d="100000" sp="100000"/>
+              <a:ds d="100000" sp="100000"/>
             </a:custDash>
             <a:round/>
           </a:ln>
@@ -12741,25 +9896,25 @@
       </p:sp>
       <p:sp>
         <p:nvSpPr>
-          <p:cNvPr id="119" name="Line 56"/>
+          <p:cNvPr id="115" name="Line 56"/>
           <p:cNvSpPr/>
           <p:nvPr/>
         </p:nvSpPr>
         <p:spPr>
           <a:xfrm>
             <a:off x="22008600" y="13533120"/>
-            <a:ext cx="0" cy="3518640"/>
+            <a:ext cx="360" cy="3518640"/>
           </a:xfrm>
           <a:prstGeom prst="line">
             <a:avLst/>
           </a:prstGeom>
-          <a:ln w="19080">
+          <a:ln cap="rnd" w="19080">
             <a:solidFill>
               <a:srgbClr val="000000"/>
             </a:solidFill>
             <a:custDash>
-              <a:ds d="0" sp="0"/>
-              <a:ds d="0" sp="0"/>
+              <a:ds d="100000" sp="100000"/>
+              <a:ds d="100000" sp="100000"/>
             </a:custDash>
             <a:round/>
           </a:ln>
@@ -12773,14 +9928,14 @@
       </p:sp>
       <p:sp>
         <p:nvSpPr>
-          <p:cNvPr id="120" name="CustomShape 57"/>
+          <p:cNvPr id="116" name="CustomShape 57"/>
           <p:cNvSpPr/>
           <p:nvPr/>
         </p:nvSpPr>
         <p:spPr>
           <a:xfrm>
             <a:off x="14440680" y="17282160"/>
-            <a:ext cx="9882360" cy="759960"/>
+            <a:ext cx="9882000" cy="759960"/>
           </a:xfrm>
           <a:prstGeom prst="rect">
             <a:avLst/>
@@ -12795,7 +9950,7 @@
             <a:miter/>
           </a:ln>
           <a:effectLst>
-            <a:outerShdw dist="342635" dir="2700000">
+            <a:outerShdw dir="2700000" dist="342635">
               <a:srgbClr val="000000">
                 <a:alpha val="39000"/>
               </a:srgbClr>
@@ -12824,62 +9979,9 @@
                   <a:srgbClr val="000000"/>
                 </a:solidFill>
                 <a:latin typeface="Arial"/>
-              </a:rPr>
-              <a:t>Gener</a:t>
-            </a:r>
-            <a:r>
-              <a:rPr b="1" lang="en-US" sz="4400" spc="-1" strike="noStrike">
-                <a:solidFill>
-                  <a:srgbClr val="000000"/>
-                </a:solidFill>
-                <a:latin typeface="Arial"/>
-              </a:rPr>
-              <a:t>alised </a:t>
-            </a:r>
-            <a:r>
-              <a:rPr b="1" lang="en-US" sz="4400" spc="-1" strike="noStrike">
-                <a:solidFill>
-                  <a:srgbClr val="000000"/>
-                </a:solidFill>
-                <a:latin typeface="Arial"/>
-              </a:rPr>
-              <a:t>Stacki</a:t>
-            </a:r>
-            <a:r>
-              <a:rPr b="1" lang="en-US" sz="4400" spc="-1" strike="noStrike">
-                <a:solidFill>
-                  <a:srgbClr val="000000"/>
-                </a:solidFill>
-                <a:latin typeface="Arial"/>
-              </a:rPr>
-              <a:t>ng </a:t>
-            </a:r>
-            <a:r>
-              <a:rPr b="1" lang="en-US" sz="4400" spc="-1" strike="noStrike">
-                <a:solidFill>
-                  <a:srgbClr val="000000"/>
-                </a:solidFill>
-                <a:latin typeface="Arial"/>
-              </a:rPr>
-              <a:t>Fault </a:t>
-            </a:r>
-            <a:r>
-              <a:rPr b="1" lang="en-US" sz="4400" spc="-1" strike="noStrike">
-                <a:solidFill>
-                  <a:srgbClr val="000000"/>
-                </a:solidFill>
-                <a:latin typeface="Arial"/>
-              </a:rPr>
-              <a:t>Energ</a:t>
-            </a:r>
-            <a:r>
-              <a:rPr b="1" lang="en-US" sz="4400" spc="-1" strike="noStrike">
-                <a:solidFill>
-                  <a:srgbClr val="000000"/>
-                </a:solidFill>
-                <a:latin typeface="Arial"/>
-              </a:rPr>
-              <a:t>ies</a:t>
+                <a:ea typeface="DejaVu Sans"/>
+              </a:rPr>
+              <a:t>Generalised Stacking Fault Energies</a:t>
             </a:r>
             <a:endParaRPr b="0" lang="en-US" sz="4400" spc="-1" strike="noStrike">
               <a:latin typeface="Arial"/>
@@ -12889,14 +9991,14 @@
       </p:sp>
       <p:sp>
         <p:nvSpPr>
-          <p:cNvPr id="121" name="CustomShape 58"/>
+          <p:cNvPr id="117" name="CustomShape 58"/>
           <p:cNvSpPr/>
           <p:nvPr/>
         </p:nvSpPr>
         <p:spPr>
           <a:xfrm>
             <a:off x="17077680" y="13240440"/>
-            <a:ext cx="478800" cy="358920"/>
+            <a:ext cx="478440" cy="358560"/>
           </a:xfrm>
           <a:prstGeom prst="rect">
             <a:avLst/>
@@ -12928,6 +10030,7 @@
                   <a:srgbClr val="000000"/>
                 </a:solidFill>
                 <a:latin typeface="Arial"/>
+                <a:ea typeface="DejaVu Sans"/>
               </a:rPr>
               <a:t> </a:t>
             </a:r>
@@ -12937,6 +10040,7 @@
                   <a:srgbClr val="000000"/>
                 </a:solidFill>
                 <a:latin typeface="Arial"/>
+                <a:ea typeface="DejaVu Sans"/>
               </a:rPr>
               <a:t>G  </a:t>
             </a:r>
@@ -12948,14 +10052,14 @@
       </p:sp>
       <p:sp>
         <p:nvSpPr>
-          <p:cNvPr id="122" name="CustomShape 59"/>
+          <p:cNvPr id="118" name="CustomShape 59"/>
           <p:cNvSpPr/>
           <p:nvPr/>
         </p:nvSpPr>
         <p:spPr>
           <a:xfrm>
             <a:off x="19513440" y="13240440"/>
-            <a:ext cx="478800" cy="358920"/>
+            <a:ext cx="478440" cy="358560"/>
           </a:xfrm>
           <a:prstGeom prst="rect">
             <a:avLst/>
@@ -12987,6 +10091,7 @@
                   <a:srgbClr val="000000"/>
                 </a:solidFill>
                 <a:latin typeface="Arial"/>
+                <a:ea typeface="DejaVu Sans"/>
               </a:rPr>
               <a:t> </a:t>
             </a:r>
@@ -12996,6 +10101,7 @@
                   <a:srgbClr val="000000"/>
                 </a:solidFill>
                 <a:latin typeface="Arial"/>
+                <a:ea typeface="DejaVu Sans"/>
               </a:rPr>
               <a:t>M</a:t>
             </a:r>
@@ -13007,14 +10113,14 @@
       </p:sp>
       <p:sp>
         <p:nvSpPr>
-          <p:cNvPr id="123" name="CustomShape 60"/>
+          <p:cNvPr id="119" name="CustomShape 60"/>
           <p:cNvSpPr/>
           <p:nvPr/>
         </p:nvSpPr>
         <p:spPr>
           <a:xfrm>
             <a:off x="18708480" y="13240440"/>
-            <a:ext cx="478800" cy="358920"/>
+            <a:ext cx="478440" cy="358560"/>
           </a:xfrm>
           <a:prstGeom prst="rect">
             <a:avLst/>
@@ -13046,6 +10152,7 @@
                   <a:srgbClr val="000000"/>
                 </a:solidFill>
                 <a:latin typeface="Arial"/>
+                <a:ea typeface="DejaVu Sans"/>
               </a:rPr>
               <a:t> </a:t>
             </a:r>
@@ -13055,6 +10162,7 @@
                   <a:srgbClr val="000000"/>
                 </a:solidFill>
                 <a:latin typeface="Arial"/>
+                <a:ea typeface="DejaVu Sans"/>
               </a:rPr>
               <a:t>K  </a:t>
             </a:r>
@@ -13066,14 +10174,14 @@
       </p:sp>
       <p:sp>
         <p:nvSpPr>
-          <p:cNvPr id="124" name="CustomShape 61"/>
+          <p:cNvPr id="120" name="CustomShape 61"/>
           <p:cNvSpPr/>
           <p:nvPr/>
         </p:nvSpPr>
         <p:spPr>
           <a:xfrm>
             <a:off x="20939760" y="13240440"/>
-            <a:ext cx="478800" cy="358920"/>
+            <a:ext cx="478440" cy="358560"/>
           </a:xfrm>
           <a:prstGeom prst="rect">
             <a:avLst/>
@@ -13105,6 +10213,7 @@
                   <a:srgbClr val="000000"/>
                 </a:solidFill>
                 <a:latin typeface="Arial"/>
+                <a:ea typeface="DejaVu Sans"/>
               </a:rPr>
               <a:t> </a:t>
             </a:r>
@@ -13114,6 +10223,7 @@
                   <a:srgbClr val="000000"/>
                 </a:solidFill>
                 <a:latin typeface="Arial"/>
+                <a:ea typeface="DejaVu Sans"/>
               </a:rPr>
               <a:t>G  </a:t>
             </a:r>
@@ -13125,14 +10235,14 @@
       </p:sp>
       <p:sp>
         <p:nvSpPr>
-          <p:cNvPr id="125" name="CustomShape 62"/>
+          <p:cNvPr id="121" name="CustomShape 62"/>
           <p:cNvSpPr/>
           <p:nvPr/>
         </p:nvSpPr>
         <p:spPr>
           <a:xfrm>
             <a:off x="21708000" y="13240440"/>
-            <a:ext cx="478800" cy="358920"/>
+            <a:ext cx="478440" cy="358560"/>
           </a:xfrm>
           <a:prstGeom prst="rect">
             <a:avLst/>
@@ -13164,6 +10274,7 @@
                   <a:srgbClr val="000000"/>
                 </a:solidFill>
                 <a:latin typeface="Arial"/>
+                <a:ea typeface="DejaVu Sans"/>
               </a:rPr>
               <a:t> </a:t>
             </a:r>
@@ -13173,6 +10284,7 @@
                   <a:srgbClr val="000000"/>
                 </a:solidFill>
                 <a:latin typeface="Arial"/>
+                <a:ea typeface="DejaVu Sans"/>
               </a:rPr>
               <a:t>A  </a:t>
             </a:r>
@@ -13184,25 +10296,25 @@
       </p:sp>
       <p:sp>
         <p:nvSpPr>
-          <p:cNvPr id="126" name="Line 63"/>
+          <p:cNvPr id="122" name="Line 63"/>
           <p:cNvSpPr/>
           <p:nvPr/>
         </p:nvSpPr>
         <p:spPr>
           <a:xfrm>
             <a:off x="22008600" y="13533120"/>
-            <a:ext cx="0" cy="3518640"/>
+            <a:ext cx="360" cy="3518640"/>
           </a:xfrm>
           <a:prstGeom prst="line">
             <a:avLst/>
           </a:prstGeom>
-          <a:ln w="19080">
+          <a:ln cap="rnd" w="19080">
             <a:solidFill>
               <a:srgbClr val="000000"/>
             </a:solidFill>
             <a:custDash>
-              <a:ds d="0" sp="0"/>
-              <a:ds d="0" sp="0"/>
+              <a:ds d="100000" sp="100000"/>
+              <a:ds d="100000" sp="100000"/>
             </a:custDash>
             <a:round/>
           </a:ln>
@@ -13216,25 +10328,25 @@
       </p:sp>
       <p:sp>
         <p:nvSpPr>
-          <p:cNvPr id="127" name="Line 64"/>
+          <p:cNvPr id="123" name="Line 64"/>
           <p:cNvSpPr/>
           <p:nvPr/>
         </p:nvSpPr>
         <p:spPr>
           <a:xfrm>
             <a:off x="19805760" y="13533120"/>
-            <a:ext cx="0" cy="3528720"/>
+            <a:ext cx="360" cy="3528720"/>
           </a:xfrm>
           <a:prstGeom prst="line">
             <a:avLst/>
           </a:prstGeom>
-          <a:ln w="19080">
+          <a:ln cap="rnd" w="19080">
             <a:solidFill>
               <a:srgbClr val="000000"/>
             </a:solidFill>
             <a:custDash>
-              <a:ds d="0" sp="0"/>
-              <a:ds d="0" sp="0"/>
+              <a:ds d="100000" sp="100000"/>
+              <a:ds d="100000" sp="100000"/>
             </a:custDash>
             <a:round/>
           </a:ln>
@@ -13248,25 +10360,25 @@
       </p:sp>
       <p:sp>
         <p:nvSpPr>
-          <p:cNvPr id="128" name="Line 65"/>
+          <p:cNvPr id="124" name="Line 65"/>
           <p:cNvSpPr/>
           <p:nvPr/>
         </p:nvSpPr>
         <p:spPr>
           <a:xfrm>
             <a:off x="21232440" y="13533120"/>
-            <a:ext cx="0" cy="3528720"/>
+            <a:ext cx="360" cy="3528720"/>
           </a:xfrm>
           <a:prstGeom prst="line">
             <a:avLst/>
           </a:prstGeom>
-          <a:ln w="19080">
+          <a:ln cap="rnd" w="19080">
             <a:solidFill>
               <a:srgbClr val="000000"/>
             </a:solidFill>
             <a:custDash>
-              <a:ds d="0" sp="0"/>
-              <a:ds d="0" sp="0"/>
+              <a:ds d="100000" sp="100000"/>
+              <a:ds d="100000" sp="100000"/>
             </a:custDash>
             <a:round/>
           </a:ln>
@@ -13280,7 +10392,7 @@
       </p:sp>
       <p:pic>
         <p:nvPicPr>
-          <p:cNvPr id="129" name="" descr=""/>
+          <p:cNvPr id="125" name="" descr=""/>
           <p:cNvPicPr/>
           <p:nvPr/>
         </p:nvPicPr>
@@ -13291,7 +10403,7 @@
         <p:spPr>
           <a:xfrm>
             <a:off x="1082160" y="24603840"/>
-            <a:ext cx="3751920" cy="2580480"/>
+            <a:ext cx="3751560" cy="2580120"/>
           </a:xfrm>
           <a:prstGeom prst="rect">
             <a:avLst/>
@@ -13303,7 +10415,7 @@
       </p:pic>
       <p:pic>
         <p:nvPicPr>
-          <p:cNvPr id="130" name="" descr=""/>
+          <p:cNvPr id="126" name="" descr=""/>
           <p:cNvPicPr/>
           <p:nvPr/>
         </p:nvPicPr>
@@ -13314,7 +10426,7 @@
         <p:spPr>
           <a:xfrm>
             <a:off x="5553360" y="24496920"/>
-            <a:ext cx="3761280" cy="2570760"/>
+            <a:ext cx="3760920" cy="2570400"/>
           </a:xfrm>
           <a:prstGeom prst="rect">
             <a:avLst/>
@@ -13326,7 +10438,7 @@
       </p:pic>
       <p:sp>
         <p:nvSpPr>
-          <p:cNvPr id="131" name="Line 66"/>
+          <p:cNvPr id="127" name="Line 66"/>
           <p:cNvSpPr/>
           <p:nvPr/>
         </p:nvSpPr>
@@ -13355,7 +10467,7 @@
       </p:sp>
       <p:sp>
         <p:nvSpPr>
-          <p:cNvPr id="132" name="Line 67"/>
+          <p:cNvPr id="128" name="Line 67"/>
           <p:cNvSpPr/>
           <p:nvPr/>
         </p:nvSpPr>
@@ -13384,7 +10496,7 @@
       </p:sp>
       <p:sp>
         <p:nvSpPr>
-          <p:cNvPr id="133" name="Line 68"/>
+          <p:cNvPr id="129" name="Line 68"/>
           <p:cNvSpPr/>
           <p:nvPr/>
         </p:nvSpPr>
@@ -13413,14 +10525,14 @@
       </p:sp>
       <p:sp>
         <p:nvSpPr>
-          <p:cNvPr id="134" name="CustomShape 69"/>
+          <p:cNvPr id="130" name="CustomShape 69"/>
           <p:cNvSpPr/>
           <p:nvPr/>
         </p:nvSpPr>
         <p:spPr>
           <a:xfrm>
             <a:off x="4102560" y="26706960"/>
-            <a:ext cx="548640" cy="603000"/>
+            <a:ext cx="548280" cy="602640"/>
           </a:xfrm>
           <a:prstGeom prst="rect">
             <a:avLst/>
@@ -13452,6 +10564,7 @@
                   <a:srgbClr val="ff0000"/>
                 </a:solidFill>
                 <a:latin typeface="Arial"/>
+                <a:ea typeface="DejaVu Sans"/>
               </a:rPr>
               <a:t> </a:t>
             </a:r>
@@ -13461,13 +10574,11 @@
                   <a:srgbClr val="ff0000"/>
                 </a:solidFill>
                 <a:latin typeface="Arial"/>
+                <a:ea typeface="DejaVu Sans"/>
               </a:rPr>
               <a:t>z</a:t>
             </a:r>
             <a:endParaRPr b="0" lang="en-US" sz="3200" spc="-1" strike="noStrike">
-              <a:solidFill>
-                <a:srgbClr val="ff0000"/>
-              </a:solidFill>
               <a:latin typeface="Arial"/>
             </a:endParaRPr>
           </a:p>
@@ -13475,14 +10586,14 @@
       </p:sp>
       <p:sp>
         <p:nvSpPr>
-          <p:cNvPr id="135" name="CustomShape 70"/>
+          <p:cNvPr id="131" name="CustomShape 70"/>
           <p:cNvSpPr/>
           <p:nvPr/>
         </p:nvSpPr>
         <p:spPr>
           <a:xfrm>
             <a:off x="5553360" y="26744040"/>
-            <a:ext cx="548640" cy="603000"/>
+            <a:ext cx="548280" cy="602640"/>
           </a:xfrm>
           <a:prstGeom prst="rect">
             <a:avLst/>
@@ -13514,6 +10625,7 @@
                   <a:srgbClr val="ff0000"/>
                 </a:solidFill>
                 <a:latin typeface="Arial"/>
+                <a:ea typeface="DejaVu Sans"/>
               </a:rPr>
               <a:t> </a:t>
             </a:r>
@@ -13523,13 +10635,11 @@
                   <a:srgbClr val="81d41a"/>
                 </a:solidFill>
                 <a:latin typeface="Arial"/>
+                <a:ea typeface="DejaVu Sans"/>
               </a:rPr>
               <a:t>x</a:t>
             </a:r>
             <a:endParaRPr b="0" lang="en-US" sz="3200" spc="-1" strike="noStrike">
-              <a:solidFill>
-                <a:srgbClr val="ff0000"/>
-              </a:solidFill>
               <a:latin typeface="Arial"/>
             </a:endParaRPr>
           </a:p>
@@ -13537,14 +10647,14 @@
       </p:sp>
       <p:sp>
         <p:nvSpPr>
-          <p:cNvPr id="136" name="CustomShape 71"/>
+          <p:cNvPr id="132" name="CustomShape 71"/>
           <p:cNvSpPr/>
           <p:nvPr/>
         </p:nvSpPr>
         <p:spPr>
           <a:xfrm>
             <a:off x="5016960" y="27172080"/>
-            <a:ext cx="548640" cy="603000"/>
+            <a:ext cx="548280" cy="602640"/>
           </a:xfrm>
           <a:prstGeom prst="rect">
             <a:avLst/>
@@ -13576,6 +10686,7 @@
                   <a:srgbClr val="ff0000"/>
                 </a:solidFill>
                 <a:latin typeface="Arial"/>
+                <a:ea typeface="DejaVu Sans"/>
               </a:rPr>
               <a:t> </a:t>
             </a:r>
@@ -13585,13 +10696,11 @@
                   <a:srgbClr val="2a6099"/>
                 </a:solidFill>
                 <a:latin typeface="Arial"/>
+                <a:ea typeface="DejaVu Sans"/>
               </a:rPr>
               <a:t>y</a:t>
             </a:r>
             <a:endParaRPr b="0" lang="en-US" sz="3200" spc="-1" strike="noStrike">
-              <a:solidFill>
-                <a:srgbClr val="ff0000"/>
-              </a:solidFill>
               <a:latin typeface="Arial"/>
             </a:endParaRPr>
           </a:p>
@@ -13599,14 +10708,14 @@
       </p:sp>
       <p:sp>
         <p:nvSpPr>
-          <p:cNvPr id="137" name="CustomShape 72"/>
+          <p:cNvPr id="133" name="CustomShape 72"/>
           <p:cNvSpPr/>
           <p:nvPr/>
         </p:nvSpPr>
         <p:spPr>
           <a:xfrm>
             <a:off x="5029200" y="27255600"/>
-            <a:ext cx="5120640" cy="542160"/>
+            <a:ext cx="5120280" cy="541800"/>
           </a:xfrm>
           <a:prstGeom prst="rect">
             <a:avLst/>
@@ -13638,13 +10747,11 @@
                   <a:srgbClr val="2a6099"/>
                 </a:solidFill>
                 <a:latin typeface="Arial"/>
+                <a:ea typeface="DejaVu Sans"/>
               </a:rPr>
               <a:t>Periodicity along y</a:t>
             </a:r>
             <a:endParaRPr b="0" lang="en-US" sz="2800" spc="-1" strike="noStrike">
-              <a:solidFill>
-                <a:srgbClr val="2a6099"/>
-              </a:solidFill>
               <a:latin typeface="Arial"/>
             </a:endParaRPr>
           </a:p>
@@ -13652,14 +10759,14 @@
       </p:sp>
       <p:sp>
         <p:nvSpPr>
-          <p:cNvPr id="138" name="CustomShape 73"/>
+          <p:cNvPr id="134" name="CustomShape 73"/>
           <p:cNvSpPr/>
           <p:nvPr/>
         </p:nvSpPr>
         <p:spPr>
           <a:xfrm rot="18550800">
-            <a:off x="7424640" y="25713720"/>
-            <a:ext cx="93240" cy="91440"/>
+            <a:off x="7424280" y="25713720"/>
+            <a:ext cx="92880" cy="91080"/>
           </a:xfrm>
           <a:prstGeom prst="rect">
             <a:avLst/>
@@ -13680,7 +10787,7 @@
       </p:sp>
       <p:pic>
         <p:nvPicPr>
-          <p:cNvPr id="139" name="" descr=""/>
+          <p:cNvPr id="135" name="" descr=""/>
           <p:cNvPicPr/>
           <p:nvPr/>
         </p:nvPicPr>
@@ -13691,7 +10798,7 @@
         <p:spPr>
           <a:xfrm>
             <a:off x="9954720" y="24505920"/>
-            <a:ext cx="3761280" cy="2570760"/>
+            <a:ext cx="3760920" cy="2570400"/>
           </a:xfrm>
           <a:prstGeom prst="rect">
             <a:avLst/>
@@ -13703,14 +10810,14 @@
       </p:pic>
       <p:sp>
         <p:nvSpPr>
-          <p:cNvPr id="140" name="CustomShape 74"/>
+          <p:cNvPr id="136" name="CustomShape 74"/>
           <p:cNvSpPr/>
           <p:nvPr/>
         </p:nvSpPr>
         <p:spPr>
           <a:xfrm rot="18550800">
-            <a:off x="11813760" y="25713720"/>
-            <a:ext cx="93240" cy="91440"/>
+            <a:off x="11813400" y="25713720"/>
+            <a:ext cx="92880" cy="91080"/>
           </a:xfrm>
           <a:prstGeom prst="rect">
             <a:avLst/>
@@ -13731,14 +10838,14 @@
       </p:sp>
       <p:sp>
         <p:nvSpPr>
-          <p:cNvPr id="141" name="CustomShape 75"/>
+          <p:cNvPr id="137" name="CustomShape 75"/>
           <p:cNvSpPr/>
           <p:nvPr/>
         </p:nvSpPr>
         <p:spPr>
           <a:xfrm>
             <a:off x="11887200" y="25511760"/>
-            <a:ext cx="91440" cy="91440"/>
+            <a:ext cx="91080" cy="91080"/>
           </a:xfrm>
           <a:prstGeom prst="ellipse">
             <a:avLst/>
@@ -13762,14 +10869,14 @@
       </p:sp>
       <p:sp>
         <p:nvSpPr>
-          <p:cNvPr id="142" name="CustomShape 76"/>
+          <p:cNvPr id="138" name="CustomShape 76"/>
           <p:cNvSpPr/>
           <p:nvPr/>
         </p:nvSpPr>
         <p:spPr>
           <a:xfrm>
             <a:off x="11978640" y="25694640"/>
-            <a:ext cx="91440" cy="91440"/>
+            <a:ext cx="91080" cy="91080"/>
           </a:xfrm>
           <a:prstGeom prst="ellipse">
             <a:avLst/>
@@ -13793,14 +10900,14 @@
       </p:sp>
       <p:sp>
         <p:nvSpPr>
-          <p:cNvPr id="143" name="CustomShape 77"/>
+          <p:cNvPr id="139" name="CustomShape 77"/>
           <p:cNvSpPr/>
           <p:nvPr/>
         </p:nvSpPr>
         <p:spPr>
           <a:xfrm>
             <a:off x="11887200" y="25877520"/>
-            <a:ext cx="91440" cy="91440"/>
+            <a:ext cx="91080" cy="91080"/>
           </a:xfrm>
           <a:prstGeom prst="ellipse">
             <a:avLst/>
@@ -13824,14 +10931,14 @@
       </p:sp>
       <p:sp>
         <p:nvSpPr>
-          <p:cNvPr id="144" name="CustomShape 78"/>
+          <p:cNvPr id="140" name="CustomShape 78"/>
           <p:cNvSpPr/>
           <p:nvPr/>
         </p:nvSpPr>
         <p:spPr>
           <a:xfrm>
             <a:off x="11704320" y="25824600"/>
-            <a:ext cx="91440" cy="91440"/>
+            <a:ext cx="91080" cy="91080"/>
           </a:xfrm>
           <a:prstGeom prst="ellipse">
             <a:avLst/>
@@ -13855,14 +10962,14 @@
       </p:sp>
       <p:sp>
         <p:nvSpPr>
-          <p:cNvPr id="145" name="Line 79"/>
+          <p:cNvPr id="141" name="Line 79"/>
           <p:cNvSpPr/>
           <p:nvPr/>
         </p:nvSpPr>
         <p:spPr>
           <a:xfrm flipH="1">
             <a:off x="4925520" y="25877520"/>
-            <a:ext cx="627840" cy="0"/>
+            <a:ext cx="627840" cy="360"/>
           </a:xfrm>
           <a:prstGeom prst="line">
             <a:avLst/>
@@ -13884,14 +10991,14 @@
       </p:sp>
       <p:sp>
         <p:nvSpPr>
-          <p:cNvPr id="146" name="Line 80"/>
+          <p:cNvPr id="142" name="Line 80"/>
           <p:cNvSpPr/>
           <p:nvPr/>
         </p:nvSpPr>
         <p:spPr>
           <a:xfrm flipH="1">
             <a:off x="9314640" y="25786080"/>
-            <a:ext cx="627840" cy="0"/>
+            <a:ext cx="627840" cy="360"/>
           </a:xfrm>
           <a:prstGeom prst="line">
             <a:avLst/>
